--- a/NoSQL/The_Survey_On_Neo4j.pptx
+++ b/NoSQL/The_Survey_On_Neo4j.pptx
@@ -6,10 +6,10 @@
     <p:sldMasterId id="2147483782" r:id="rId5"/>
   </p:sldMasterIdLst>
   <p:notesMasterIdLst>
-    <p:notesMasterId r:id="rId39"/>
+    <p:notesMasterId r:id="rId42"/>
   </p:notesMasterIdLst>
   <p:handoutMasterIdLst>
-    <p:handoutMasterId r:id="rId40"/>
+    <p:handoutMasterId r:id="rId43"/>
   </p:handoutMasterIdLst>
   <p:sldIdLst>
     <p:sldId id="439" r:id="rId6"/>
@@ -21,30 +21,33 @@
     <p:sldId id="450" r:id="rId12"/>
     <p:sldId id="457" r:id="rId13"/>
     <p:sldId id="458" r:id="rId14"/>
-    <p:sldId id="459" r:id="rId15"/>
-    <p:sldId id="451" r:id="rId16"/>
-    <p:sldId id="452" r:id="rId17"/>
-    <p:sldId id="468" r:id="rId18"/>
-    <p:sldId id="469" r:id="rId19"/>
-    <p:sldId id="470" r:id="rId20"/>
-    <p:sldId id="429" r:id="rId21"/>
-    <p:sldId id="364" r:id="rId22"/>
-    <p:sldId id="448" r:id="rId23"/>
-    <p:sldId id="382" r:id="rId24"/>
-    <p:sldId id="441" r:id="rId25"/>
-    <p:sldId id="449" r:id="rId26"/>
-    <p:sldId id="374" r:id="rId27"/>
-    <p:sldId id="445" r:id="rId28"/>
-    <p:sldId id="380" r:id="rId29"/>
-    <p:sldId id="379" r:id="rId30"/>
-    <p:sldId id="423" r:id="rId31"/>
-    <p:sldId id="387" r:id="rId32"/>
-    <p:sldId id="390" r:id="rId33"/>
-    <p:sldId id="420" r:id="rId34"/>
-    <p:sldId id="421" r:id="rId35"/>
-    <p:sldId id="413" r:id="rId36"/>
-    <p:sldId id="265" r:id="rId37"/>
-    <p:sldId id="435" r:id="rId38"/>
+    <p:sldId id="451" r:id="rId15"/>
+    <p:sldId id="471" r:id="rId16"/>
+    <p:sldId id="472" r:id="rId17"/>
+    <p:sldId id="473" r:id="rId18"/>
+    <p:sldId id="474" r:id="rId19"/>
+    <p:sldId id="452" r:id="rId20"/>
+    <p:sldId id="468" r:id="rId21"/>
+    <p:sldId id="469" r:id="rId22"/>
+    <p:sldId id="470" r:id="rId23"/>
+    <p:sldId id="429" r:id="rId24"/>
+    <p:sldId id="364" r:id="rId25"/>
+    <p:sldId id="448" r:id="rId26"/>
+    <p:sldId id="382" r:id="rId27"/>
+    <p:sldId id="441" r:id="rId28"/>
+    <p:sldId id="449" r:id="rId29"/>
+    <p:sldId id="374" r:id="rId30"/>
+    <p:sldId id="445" r:id="rId31"/>
+    <p:sldId id="380" r:id="rId32"/>
+    <p:sldId id="379" r:id="rId33"/>
+    <p:sldId id="423" r:id="rId34"/>
+    <p:sldId id="387" r:id="rId35"/>
+    <p:sldId id="390" r:id="rId36"/>
+    <p:sldId id="420" r:id="rId37"/>
+    <p:sldId id="421" r:id="rId38"/>
+    <p:sldId id="413" r:id="rId39"/>
+    <p:sldId id="265" r:id="rId40"/>
+    <p:sldId id="435" r:id="rId41"/>
   </p:sldIdLst>
   <p:sldSz cx="12195175" cy="6858000"/>
   <p:notesSz cx="6858000" cy="9144000"/>
@@ -740,7 +743,7 @@
             <a:fld id="{7D8C2C35-2B8A-446E-BEC0-FD36716C29AC}" type="slidenum">
               <a:rPr lang="de-DE" smtClean="0"/>
               <a:pPr/>
-              <a:t>15</a:t>
+              <a:t>18</a:t>
             </a:fld>
             <a:endParaRPr lang="de-DE" dirty="0"/>
           </a:p>
@@ -832,7 +835,7 @@
             <a:fld id="{7D8C2C35-2B8A-446E-BEC0-FD36716C29AC}" type="slidenum">
               <a:rPr lang="de-DE" smtClean="0"/>
               <a:pPr/>
-              <a:t>32</a:t>
+              <a:t>35</a:t>
             </a:fld>
             <a:endParaRPr lang="de-DE" dirty="0"/>
           </a:p>
@@ -8820,108 +8823,6 @@
       </p:grpSpPr>
       <p:sp>
         <p:nvSpPr>
-          <p:cNvPr id="11" name="Text Placeholder"/>
-          <p:cNvSpPr>
-            <a:spLocks noGrp="1"/>
-          </p:cNvSpPr>
-          <p:nvPr>
-            <p:ph type="body" sz="quarter" idx="10"/>
-          </p:nvPr>
-        </p:nvSpPr>
-        <p:spPr bwMode="gray"/>
-        <p:txBody>
-          <a:bodyPr/>
-          <a:lstStyle/>
-          <a:p>
-            <a:pPr lvl="0"/>
-            <a:r>
-              <a:rPr lang="en-US" dirty="0"/>
-              <a:t>First level</a:t>
-            </a:r>
-          </a:p>
-          <a:p>
-            <a:pPr lvl="1"/>
-            <a:r>
-              <a:rPr lang="en-US" dirty="0"/>
-              <a:t>Second level</a:t>
-            </a:r>
-          </a:p>
-          <a:p>
-            <a:pPr lvl="2"/>
-            <a:r>
-              <a:rPr lang="en-US" dirty="0"/>
-              <a:t>Third level</a:t>
-            </a:r>
-          </a:p>
-        </p:txBody>
-      </p:sp>
-      <p:sp>
-        <p:nvSpPr>
-          <p:cNvPr id="4" name="Title"/>
-          <p:cNvSpPr>
-            <a:spLocks noGrp="1"/>
-          </p:cNvSpPr>
-          <p:nvPr>
-            <p:ph type="title"/>
-          </p:nvPr>
-        </p:nvSpPr>
-        <p:spPr bwMode="gray">
-          <a:xfrm>
-            <a:off x="504001" y="504000"/>
-            <a:ext cx="11186476" cy="646331"/>
-          </a:xfrm>
-        </p:spPr>
-        <p:txBody>
-          <a:bodyPr/>
-          <a:lstStyle/>
-          <a:p>
-            <a:r>
-              <a:rPr lang="en-US" dirty="0"/>
-              <a:t>Insert page title (sentence case)</a:t>
-            </a:r>
-            <a:br>
-              <a:rPr lang="en-US" dirty="0"/>
-            </a:br>
-            <a:r>
-              <a:rPr lang="en-US" sz="1800" b="0" dirty="0" err="1"/>
-              <a:t>Subheadline</a:t>
-            </a:r>
-            <a:endParaRPr lang="en-US" b="0" dirty="0"/>
-          </a:p>
-        </p:txBody>
-      </p:sp>
-    </p:spTree>
-    <p:extLst>
-      <p:ext uri="{BB962C8B-B14F-4D97-AF65-F5344CB8AC3E}">
-        <p14:creationId xmlns:p14="http://schemas.microsoft.com/office/powerpoint/2010/main" val="3347358668"/>
-      </p:ext>
-    </p:extLst>
-  </p:cSld>
-  <p:clrMapOvr>
-    <a:masterClrMapping/>
-  </p:clrMapOvr>
-</p:sld>
-</file>
-
-<file path=ppt/slides/slide11.xml><?xml version="1.0" encoding="utf-8"?>
-<p:sld xmlns:a="http://schemas.openxmlformats.org/drawingml/2006/main" xmlns:r="http://schemas.openxmlformats.org/officeDocument/2006/relationships" xmlns:p="http://schemas.openxmlformats.org/presentationml/2006/main">
-  <p:cSld>
-    <p:spTree>
-      <p:nvGrpSpPr>
-        <p:cNvPr id="1" name=""/>
-        <p:cNvGrpSpPr/>
-        <p:nvPr/>
-      </p:nvGrpSpPr>
-      <p:grpSpPr>
-        <a:xfrm>
-          <a:off x="0" y="0"/>
-          <a:ext cx="0" cy="0"/>
-          <a:chOff x="0" y="0"/>
-          <a:chExt cx="0" cy="0"/>
-        </a:xfrm>
-      </p:grpSpPr>
-      <p:sp>
-        <p:nvSpPr>
           <p:cNvPr id="3" name="Divider"/>
           <p:cNvSpPr>
             <a:spLocks noGrp="1"/>
@@ -8983,7 +8884,679 @@
 </p:sld>
 </file>
 
+<file path=ppt/slides/slide11.xml><?xml version="1.0" encoding="utf-8"?>
+<p:sld xmlns:a="http://schemas.openxmlformats.org/drawingml/2006/main" xmlns:r="http://schemas.openxmlformats.org/officeDocument/2006/relationships" xmlns:p="http://schemas.openxmlformats.org/presentationml/2006/main">
+  <p:cSld>
+    <p:spTree>
+      <p:nvGrpSpPr>
+        <p:cNvPr id="1" name=""/>
+        <p:cNvGrpSpPr/>
+        <p:nvPr/>
+      </p:nvGrpSpPr>
+      <p:grpSpPr>
+        <a:xfrm>
+          <a:off x="0" y="0"/>
+          <a:ext cx="0" cy="0"/>
+          <a:chOff x="0" y="0"/>
+          <a:chExt cx="0" cy="0"/>
+        </a:xfrm>
+      </p:grpSpPr>
+      <p:sp>
+        <p:nvSpPr>
+          <p:cNvPr id="4" name="Title"/>
+          <p:cNvSpPr>
+            <a:spLocks noGrp="1"/>
+          </p:cNvSpPr>
+          <p:nvPr>
+            <p:ph type="title"/>
+          </p:nvPr>
+        </p:nvSpPr>
+        <p:spPr bwMode="gray">
+          <a:xfrm>
+            <a:off x="504001" y="504000"/>
+            <a:ext cx="11186476" cy="369332"/>
+          </a:xfrm>
+        </p:spPr>
+        <p:txBody>
+          <a:bodyPr/>
+          <a:lstStyle/>
+          <a:p>
+            <a:r>
+              <a:rPr lang="en-US" altLang="zh-CN" dirty="0" err="1"/>
+              <a:t>OpenTSDB</a:t>
+            </a:r>
+            <a:endParaRPr lang="en-US" b="0" dirty="0"/>
+          </a:p>
+        </p:txBody>
+      </p:sp>
+      <p:sp>
+        <p:nvSpPr>
+          <p:cNvPr id="3" name="文本框 2">
+            <a:extLst>
+              <a:ext uri="{FF2B5EF4-FFF2-40B4-BE49-F238E27FC236}">
+                <a16:creationId xmlns:a16="http://schemas.microsoft.com/office/drawing/2014/main" id="{1FF6A478-A8DF-44DB-A4F6-3F2E65817EC4}"/>
+              </a:ext>
+            </a:extLst>
+          </p:cNvPr>
+          <p:cNvSpPr txBox="1"/>
+          <p:nvPr/>
+        </p:nvSpPr>
+        <p:spPr>
+          <a:xfrm>
+            <a:off x="636121" y="1493979"/>
+            <a:ext cx="10711782" cy="4016484"/>
+          </a:xfrm>
+          <a:prstGeom prst="rect">
+            <a:avLst/>
+          </a:prstGeom>
+          <a:noFill/>
+        </p:spPr>
+        <p:txBody>
+          <a:bodyPr wrap="square" lIns="0" tIns="0" rIns="0" bIns="0" rtlCol="0">
+            <a:spAutoFit/>
+          </a:bodyPr>
+          <a:lstStyle/>
+          <a:p>
+            <a:pPr marL="285750" indent="-285750" fontAlgn="base">
+              <a:spcBef>
+                <a:spcPct val="50000"/>
+              </a:spcBef>
+              <a:spcAft>
+                <a:spcPct val="0"/>
+              </a:spcAft>
+              <a:buClr>
+                <a:srgbClr val="F0AB00"/>
+              </a:buClr>
+              <a:buSzPct val="80000"/>
+              <a:buFont typeface="Wingdings" panose="05000000000000000000" pitchFamily="2" charset="2"/>
+              <a:buChar char="n"/>
+            </a:pPr>
+            <a:r>
+              <a:rPr lang="en-US" altLang="zh-CN" sz="1800" b="1" dirty="0" err="1"/>
+              <a:t>OpenTSDB</a:t>
+            </a:r>
+            <a:endParaRPr lang="en-US" altLang="zh-CN" sz="1800" b="1" kern="0" dirty="0">
+              <a:ea typeface="Arial Unicode MS" pitchFamily="34" charset="-128"/>
+              <a:cs typeface="Arial Unicode MS" pitchFamily="34" charset="-128"/>
+            </a:endParaRPr>
+          </a:p>
+          <a:p>
+            <a:pPr marL="830138" lvl="1" indent="-285750" fontAlgn="base">
+              <a:spcBef>
+                <a:spcPct val="50000"/>
+              </a:spcBef>
+              <a:spcAft>
+                <a:spcPct val="0"/>
+              </a:spcAft>
+              <a:buClr>
+                <a:srgbClr val="F0AB00"/>
+              </a:buClr>
+              <a:buSzPct val="80000"/>
+              <a:buFont typeface="Wingdings" panose="05000000000000000000" pitchFamily="2" charset="2"/>
+              <a:buChar char="n"/>
+            </a:pPr>
+            <a:r>
+              <a:rPr lang="en-US" altLang="zh-CN" sz="1800" kern="0" dirty="0">
+                <a:ea typeface="Arial Unicode MS" pitchFamily="34" charset="-128"/>
+                <a:cs typeface="Arial Unicode MS" pitchFamily="34" charset="-128"/>
+              </a:rPr>
+              <a:t>a distributed Time Series Database (TSDB) based on HBase. </a:t>
+            </a:r>
+          </a:p>
+          <a:p>
+            <a:pPr marL="830138" lvl="1" indent="-285750" fontAlgn="base">
+              <a:spcBef>
+                <a:spcPct val="50000"/>
+              </a:spcBef>
+              <a:spcAft>
+                <a:spcPct val="0"/>
+              </a:spcAft>
+              <a:buClr>
+                <a:srgbClr val="F0AB00"/>
+              </a:buClr>
+              <a:buSzPct val="80000"/>
+              <a:buFont typeface="Wingdings" panose="05000000000000000000" pitchFamily="2" charset="2"/>
+              <a:buChar char="n"/>
+            </a:pPr>
+            <a:r>
+              <a:rPr lang="en-US" altLang="zh-CN" sz="1800" kern="0" dirty="0">
+                <a:ea typeface="Arial Unicode MS" pitchFamily="34" charset="-128"/>
+                <a:cs typeface="Arial Unicode MS" pitchFamily="34" charset="-128"/>
+              </a:rPr>
+              <a:t>written by Benoit </a:t>
+            </a:r>
+            <a:r>
+              <a:rPr lang="en-US" altLang="zh-CN" sz="1800" kern="0" dirty="0" err="1">
+                <a:ea typeface="Arial Unicode MS" pitchFamily="34" charset="-128"/>
+                <a:cs typeface="Arial Unicode MS" pitchFamily="34" charset="-128"/>
+              </a:rPr>
+              <a:t>Sigoure</a:t>
+            </a:r>
+            <a:r>
+              <a:rPr lang="en-US" altLang="zh-CN" sz="1800" kern="0" dirty="0">
+                <a:ea typeface="Arial Unicode MS" pitchFamily="34" charset="-128"/>
+                <a:cs typeface="Arial Unicode MS" pitchFamily="34" charset="-128"/>
+              </a:rPr>
+              <a:t> to </a:t>
+            </a:r>
+            <a:r>
+              <a:rPr lang="en-US" altLang="zh-CN" sz="1800" b="1" kern="0" dirty="0">
+                <a:ea typeface="Arial Unicode MS" pitchFamily="34" charset="-128"/>
+                <a:cs typeface="Arial Unicode MS" pitchFamily="34" charset="-128"/>
+              </a:rPr>
+              <a:t>collect, store and display metrics of various computer systems </a:t>
+            </a:r>
+            <a:r>
+              <a:rPr lang="en-US" altLang="zh-CN" sz="1800" kern="0" dirty="0">
+                <a:ea typeface="Arial Unicode MS" pitchFamily="34" charset="-128"/>
+                <a:cs typeface="Arial Unicode MS" pitchFamily="34" charset="-128"/>
+              </a:rPr>
+              <a:t>(network gears, operating systems, applications), and generate readable data graphs easily. </a:t>
+            </a:r>
+          </a:p>
+          <a:p>
+            <a:pPr marL="830138" lvl="1" indent="-285750" fontAlgn="base">
+              <a:spcBef>
+                <a:spcPct val="50000"/>
+              </a:spcBef>
+              <a:spcAft>
+                <a:spcPct val="0"/>
+              </a:spcAft>
+              <a:buClr>
+                <a:srgbClr val="F0AB00"/>
+              </a:buClr>
+              <a:buSzPct val="80000"/>
+              <a:buFont typeface="Wingdings" panose="05000000000000000000" pitchFamily="2" charset="2"/>
+              <a:buChar char="n"/>
+            </a:pPr>
+            <a:r>
+              <a:rPr lang="en-US" altLang="zh-CN" sz="1800" kern="0" dirty="0">
+                <a:ea typeface="Arial Unicode MS" pitchFamily="34" charset="-128"/>
+                <a:cs typeface="Arial Unicode MS" pitchFamily="34" charset="-128"/>
+              </a:rPr>
+              <a:t>the first open-source monitoring system built on an open-source distributed database.</a:t>
+            </a:r>
+          </a:p>
+          <a:p>
+            <a:pPr marL="830138" lvl="1" indent="-285750" fontAlgn="base">
+              <a:spcBef>
+                <a:spcPct val="50000"/>
+              </a:spcBef>
+              <a:spcAft>
+                <a:spcPct val="0"/>
+              </a:spcAft>
+              <a:buClr>
+                <a:srgbClr val="F0AB00"/>
+              </a:buClr>
+              <a:buSzPct val="80000"/>
+              <a:buFont typeface="Wingdings" panose="05000000000000000000" pitchFamily="2" charset="2"/>
+              <a:buChar char="n"/>
+            </a:pPr>
+            <a:r>
+              <a:rPr lang="en-US" altLang="zh-CN" sz="1800" kern="0" dirty="0">
+                <a:ea typeface="Arial Unicode MS" pitchFamily="34" charset="-128"/>
+                <a:cs typeface="Arial Unicode MS" pitchFamily="34" charset="-128"/>
+              </a:rPr>
+              <a:t>written in Java.</a:t>
+            </a:r>
+          </a:p>
+          <a:p>
+            <a:pPr marL="285750" indent="-285750" fontAlgn="base">
+              <a:spcBef>
+                <a:spcPct val="50000"/>
+              </a:spcBef>
+              <a:spcAft>
+                <a:spcPct val="0"/>
+              </a:spcAft>
+              <a:buClr>
+                <a:srgbClr val="F0AB00"/>
+              </a:buClr>
+              <a:buSzPct val="80000"/>
+              <a:buFont typeface="Wingdings" panose="05000000000000000000" pitchFamily="2" charset="2"/>
+              <a:buChar char="n"/>
+            </a:pPr>
+            <a:r>
+              <a:rPr lang="en-US" altLang="zh-CN" sz="1800" b="1" kern="0" dirty="0">
+                <a:ea typeface="Arial Unicode MS" pitchFamily="34" charset="-128"/>
+                <a:cs typeface="Arial Unicode MS" pitchFamily="34" charset="-128"/>
+              </a:rPr>
+              <a:t>History</a:t>
+            </a:r>
+          </a:p>
+          <a:p>
+            <a:pPr marL="830138" lvl="1" indent="-285750" fontAlgn="base">
+              <a:spcBef>
+                <a:spcPct val="50000"/>
+              </a:spcBef>
+              <a:spcAft>
+                <a:spcPct val="0"/>
+              </a:spcAft>
+              <a:buClr>
+                <a:srgbClr val="F0AB00"/>
+              </a:buClr>
+              <a:buSzPct val="80000"/>
+              <a:buFont typeface="Wingdings" panose="05000000000000000000" pitchFamily="2" charset="2"/>
+              <a:buChar char="n"/>
+            </a:pPr>
+            <a:r>
+              <a:rPr lang="en-US" altLang="zh-CN" sz="1800" kern="0" dirty="0" err="1">
+                <a:ea typeface="Arial Unicode MS" pitchFamily="34" charset="-128"/>
+                <a:cs typeface="Arial Unicode MS" pitchFamily="34" charset="-128"/>
+              </a:rPr>
+              <a:t>OpenTSDB</a:t>
+            </a:r>
+            <a:r>
+              <a:rPr lang="en-US" altLang="zh-CN" sz="1800" kern="0" dirty="0">
+                <a:ea typeface="Arial Unicode MS" pitchFamily="34" charset="-128"/>
+                <a:cs typeface="Arial Unicode MS" pitchFamily="34" charset="-128"/>
+              </a:rPr>
+              <a:t> was originally written to monitor metrics of the StumbleUpon search engine which requires storing over 1 billion data points per day. </a:t>
+            </a:r>
+          </a:p>
+          <a:p>
+            <a:pPr marL="830138" lvl="1" indent="-285750" fontAlgn="base">
+              <a:spcBef>
+                <a:spcPct val="50000"/>
+              </a:spcBef>
+              <a:spcAft>
+                <a:spcPct val="0"/>
+              </a:spcAft>
+              <a:buClr>
+                <a:srgbClr val="F0AB00"/>
+              </a:buClr>
+              <a:buSzPct val="80000"/>
+              <a:buFont typeface="Wingdings" panose="05000000000000000000" pitchFamily="2" charset="2"/>
+              <a:buChar char="n"/>
+            </a:pPr>
+            <a:r>
+              <a:rPr lang="en-US" altLang="zh-CN" sz="1800" kern="0" dirty="0">
+                <a:ea typeface="Arial Unicode MS" pitchFamily="34" charset="-128"/>
+                <a:cs typeface="Arial Unicode MS" pitchFamily="34" charset="-128"/>
+              </a:rPr>
+              <a:t>StumbleUpon was in charge of the initial development and its open-source release. Yahoo! is currently maintaining </a:t>
+            </a:r>
+            <a:r>
+              <a:rPr lang="en-US" altLang="zh-CN" sz="1800" kern="0" dirty="0" err="1">
+                <a:ea typeface="Arial Unicode MS" pitchFamily="34" charset="-128"/>
+                <a:cs typeface="Arial Unicode MS" pitchFamily="34" charset="-128"/>
+              </a:rPr>
+              <a:t>OpenTSDB</a:t>
+            </a:r>
+            <a:r>
+              <a:rPr lang="en-US" altLang="zh-CN" sz="1800" kern="0" dirty="0">
+                <a:ea typeface="Arial Unicode MS" pitchFamily="34" charset="-128"/>
+                <a:cs typeface="Arial Unicode MS" pitchFamily="34" charset="-128"/>
+              </a:rPr>
+              <a:t> along with the open-source community.</a:t>
+            </a:r>
+            <a:endParaRPr lang="zh-CN" altLang="en-US" sz="1800" kern="0" dirty="0" err="1">
+              <a:ea typeface="Arial Unicode MS" pitchFamily="34" charset="-128"/>
+              <a:cs typeface="Arial Unicode MS" pitchFamily="34" charset="-128"/>
+            </a:endParaRPr>
+          </a:p>
+        </p:txBody>
+      </p:sp>
+    </p:spTree>
+    <p:extLst>
+      <p:ext uri="{BB962C8B-B14F-4D97-AF65-F5344CB8AC3E}">
+        <p14:creationId xmlns:p14="http://schemas.microsoft.com/office/powerpoint/2010/main" val="1132192457"/>
+      </p:ext>
+    </p:extLst>
+  </p:cSld>
+  <p:clrMapOvr>
+    <a:masterClrMapping/>
+  </p:clrMapOvr>
+</p:sld>
+</file>
+
 <file path=ppt/slides/slide12.xml><?xml version="1.0" encoding="utf-8"?>
+<p:sld xmlns:a="http://schemas.openxmlformats.org/drawingml/2006/main" xmlns:r="http://schemas.openxmlformats.org/officeDocument/2006/relationships" xmlns:p="http://schemas.openxmlformats.org/presentationml/2006/main">
+  <p:cSld>
+    <p:spTree>
+      <p:nvGrpSpPr>
+        <p:cNvPr id="1" name=""/>
+        <p:cNvGrpSpPr/>
+        <p:nvPr/>
+      </p:nvGrpSpPr>
+      <p:grpSpPr>
+        <a:xfrm>
+          <a:off x="0" y="0"/>
+          <a:ext cx="0" cy="0"/>
+          <a:chOff x="0" y="0"/>
+          <a:chExt cx="0" cy="0"/>
+        </a:xfrm>
+      </p:grpSpPr>
+      <p:sp>
+        <p:nvSpPr>
+          <p:cNvPr id="4" name="Title"/>
+          <p:cNvSpPr>
+            <a:spLocks noGrp="1"/>
+          </p:cNvSpPr>
+          <p:nvPr>
+            <p:ph type="title"/>
+          </p:nvPr>
+        </p:nvSpPr>
+        <p:spPr bwMode="gray">
+          <a:xfrm>
+            <a:off x="504001" y="504000"/>
+            <a:ext cx="11186476" cy="646331"/>
+          </a:xfrm>
+        </p:spPr>
+        <p:txBody>
+          <a:bodyPr/>
+          <a:lstStyle/>
+          <a:p>
+            <a:r>
+              <a:rPr lang="en-US" dirty="0" err="1"/>
+              <a:t>OpenTSDB</a:t>
+            </a:r>
+            <a:br>
+              <a:rPr lang="en-US" dirty="0"/>
+            </a:br>
+            <a:r>
+              <a:rPr lang="en-US" sz="1800" b="0" dirty="0"/>
+              <a:t>Techniques</a:t>
+            </a:r>
+            <a:endParaRPr lang="en-US" b="0" dirty="0"/>
+          </a:p>
+        </p:txBody>
+      </p:sp>
+      <p:sp>
+        <p:nvSpPr>
+          <p:cNvPr id="3" name="文本框 2">
+            <a:extLst>
+              <a:ext uri="{FF2B5EF4-FFF2-40B4-BE49-F238E27FC236}">
+                <a16:creationId xmlns:a16="http://schemas.microsoft.com/office/drawing/2014/main" id="{EF2C64E3-0243-43DD-A317-2CEC58A4B0CD}"/>
+              </a:ext>
+            </a:extLst>
+          </p:cNvPr>
+          <p:cNvSpPr txBox="1"/>
+          <p:nvPr/>
+        </p:nvSpPr>
+        <p:spPr>
+          <a:xfrm>
+            <a:off x="669208" y="1488142"/>
+            <a:ext cx="10856759" cy="2908489"/>
+          </a:xfrm>
+          <a:prstGeom prst="rect">
+            <a:avLst/>
+          </a:prstGeom>
+          <a:noFill/>
+        </p:spPr>
+        <p:txBody>
+          <a:bodyPr wrap="square" lIns="0" tIns="0" rIns="0" bIns="0" rtlCol="0">
+            <a:spAutoFit/>
+          </a:bodyPr>
+          <a:lstStyle/>
+          <a:p>
+            <a:pPr fontAlgn="base">
+              <a:spcBef>
+                <a:spcPct val="50000"/>
+              </a:spcBef>
+              <a:spcAft>
+                <a:spcPct val="0"/>
+              </a:spcAft>
+              <a:buClr>
+                <a:srgbClr val="F0AB00"/>
+              </a:buClr>
+              <a:buSzPct val="80000"/>
+            </a:pPr>
+            <a:r>
+              <a:rPr lang="en-US" altLang="zh-CN" sz="1800" b="1" kern="0" dirty="0">
+                <a:ea typeface="Arial Unicode MS" pitchFamily="34" charset="-128"/>
+                <a:cs typeface="Arial Unicode MS" pitchFamily="34" charset="-128"/>
+              </a:rPr>
+              <a:t>Compression: Naïve (Page-Level) Naïve (Record-Level)</a:t>
+            </a:r>
+          </a:p>
+          <a:p>
+            <a:pPr fontAlgn="base">
+              <a:spcBef>
+                <a:spcPct val="50000"/>
+              </a:spcBef>
+              <a:spcAft>
+                <a:spcPct val="0"/>
+              </a:spcAft>
+              <a:buClr>
+                <a:srgbClr val="F0AB00"/>
+              </a:buClr>
+              <a:buSzPct val="80000"/>
+            </a:pPr>
+            <a:r>
+              <a:rPr lang="en-US" altLang="zh-CN" sz="1800" kern="0" dirty="0" err="1">
+                <a:ea typeface="Arial Unicode MS" pitchFamily="34" charset="-128"/>
+                <a:cs typeface="Arial Unicode MS" pitchFamily="34" charset="-128"/>
+              </a:rPr>
+              <a:t>OpenTSDB</a:t>
+            </a:r>
+            <a:r>
+              <a:rPr lang="en-US" altLang="zh-CN" sz="1800" kern="0" dirty="0">
+                <a:ea typeface="Arial Unicode MS" pitchFamily="34" charset="-128"/>
+                <a:cs typeface="Arial Unicode MS" pitchFamily="34" charset="-128"/>
+              </a:rPr>
+              <a:t> uses Row Compaction to compress data. Whenever a cell is to be written, its row key is pushed into a compaction queue. There is a separate thread that periodically goes through the queue and aggregate data with the same key into a big cell. It then writes the big cell and deletes the individual cells in the queue. This process is effective because in HBase the row key is repeated for every single cell, and there is no way to efficiently append byte at the end of a cell.</a:t>
+            </a:r>
+          </a:p>
+          <a:p>
+            <a:pPr fontAlgn="base">
+              <a:spcBef>
+                <a:spcPct val="50000"/>
+              </a:spcBef>
+              <a:spcAft>
+                <a:spcPct val="0"/>
+              </a:spcAft>
+              <a:buClr>
+                <a:srgbClr val="F0AB00"/>
+              </a:buClr>
+              <a:buSzPct val="80000"/>
+            </a:pPr>
+            <a:r>
+              <a:rPr lang="en-US" altLang="zh-CN" sz="1800" kern="0" dirty="0">
+                <a:ea typeface="Arial Unicode MS" pitchFamily="34" charset="-128"/>
+                <a:cs typeface="Arial Unicode MS" pitchFamily="34" charset="-128"/>
+              </a:rPr>
+              <a:t>At data level, </a:t>
+            </a:r>
+            <a:r>
+              <a:rPr lang="en-US" altLang="zh-CN" sz="1800" kern="0" dirty="0" err="1">
+                <a:ea typeface="Arial Unicode MS" pitchFamily="34" charset="-128"/>
+                <a:cs typeface="Arial Unicode MS" pitchFamily="34" charset="-128"/>
+              </a:rPr>
+              <a:t>OpenTSDB</a:t>
+            </a:r>
+            <a:r>
+              <a:rPr lang="en-US" altLang="zh-CN" sz="1800" kern="0" dirty="0">
+                <a:ea typeface="Arial Unicode MS" pitchFamily="34" charset="-128"/>
+                <a:cs typeface="Arial Unicode MS" pitchFamily="34" charset="-128"/>
+              </a:rPr>
+              <a:t> uses LZO compression algorithm.</a:t>
+            </a:r>
+          </a:p>
+          <a:p>
+            <a:pPr fontAlgn="base">
+              <a:spcBef>
+                <a:spcPct val="50000"/>
+              </a:spcBef>
+              <a:spcAft>
+                <a:spcPct val="0"/>
+              </a:spcAft>
+              <a:buClr>
+                <a:srgbClr val="F0AB00"/>
+              </a:buClr>
+              <a:buSzPct val="80000"/>
+            </a:pPr>
+            <a:r>
+              <a:rPr lang="en-US" altLang="zh-CN" sz="1800" kern="0" dirty="0">
+                <a:ea typeface="Arial Unicode MS" pitchFamily="34" charset="-128"/>
+                <a:cs typeface="Arial Unicode MS" pitchFamily="34" charset="-128"/>
+              </a:rPr>
+              <a:t>With these two techniques, </a:t>
+            </a:r>
+            <a:r>
+              <a:rPr lang="en-US" altLang="zh-CN" sz="1800" kern="0" dirty="0" err="1">
+                <a:ea typeface="Arial Unicode MS" pitchFamily="34" charset="-128"/>
+                <a:cs typeface="Arial Unicode MS" pitchFamily="34" charset="-128"/>
+              </a:rPr>
+              <a:t>OpenTSDB</a:t>
+            </a:r>
+            <a:r>
+              <a:rPr lang="en-US" altLang="zh-CN" sz="1800" kern="0" dirty="0">
+                <a:ea typeface="Arial Unicode MS" pitchFamily="34" charset="-128"/>
+                <a:cs typeface="Arial Unicode MS" pitchFamily="34" charset="-128"/>
+              </a:rPr>
+              <a:t> is able to reduce the average size of one data point from 12 bytes to 2-3 bytes.</a:t>
+            </a:r>
+            <a:endParaRPr lang="zh-CN" altLang="en-US" sz="1800" kern="0" dirty="0" err="1">
+              <a:ea typeface="Arial Unicode MS" pitchFamily="34" charset="-128"/>
+              <a:cs typeface="Arial Unicode MS" pitchFamily="34" charset="-128"/>
+            </a:endParaRPr>
+          </a:p>
+        </p:txBody>
+      </p:sp>
+    </p:spTree>
+    <p:extLst>
+      <p:ext uri="{BB962C8B-B14F-4D97-AF65-F5344CB8AC3E}">
+        <p14:creationId xmlns:p14="http://schemas.microsoft.com/office/powerpoint/2010/main" val="203468643"/>
+      </p:ext>
+    </p:extLst>
+  </p:cSld>
+  <p:clrMapOvr>
+    <a:masterClrMapping/>
+  </p:clrMapOvr>
+</p:sld>
+</file>
+
+<file path=ppt/slides/slide13.xml><?xml version="1.0" encoding="utf-8"?>
+<p:sld xmlns:a="http://schemas.openxmlformats.org/drawingml/2006/main" xmlns:r="http://schemas.openxmlformats.org/officeDocument/2006/relationships" xmlns:p="http://schemas.openxmlformats.org/presentationml/2006/main">
+  <p:cSld>
+    <p:spTree>
+      <p:nvGrpSpPr>
+        <p:cNvPr id="1" name=""/>
+        <p:cNvGrpSpPr/>
+        <p:nvPr/>
+      </p:nvGrpSpPr>
+      <p:grpSpPr>
+        <a:xfrm>
+          <a:off x="0" y="0"/>
+          <a:ext cx="0" cy="0"/>
+          <a:chOff x="0" y="0"/>
+          <a:chExt cx="0" cy="0"/>
+        </a:xfrm>
+      </p:grpSpPr>
+      <p:sp>
+        <p:nvSpPr>
+          <p:cNvPr id="4" name="Title"/>
+          <p:cNvSpPr>
+            <a:spLocks noGrp="1"/>
+          </p:cNvSpPr>
+          <p:nvPr>
+            <p:ph type="title"/>
+          </p:nvPr>
+        </p:nvSpPr>
+        <p:spPr bwMode="gray">
+          <a:xfrm>
+            <a:off x="504001" y="504000"/>
+            <a:ext cx="11186476" cy="646331"/>
+          </a:xfrm>
+        </p:spPr>
+        <p:txBody>
+          <a:bodyPr/>
+          <a:lstStyle/>
+          <a:p>
+            <a:r>
+              <a:rPr lang="en-US" dirty="0"/>
+              <a:t>Insert page title (sentence case)</a:t>
+            </a:r>
+            <a:br>
+              <a:rPr lang="en-US" dirty="0"/>
+            </a:br>
+            <a:r>
+              <a:rPr lang="en-US" sz="1800" b="0" dirty="0" err="1"/>
+              <a:t>Subheadline</a:t>
+            </a:r>
+            <a:endParaRPr lang="en-US" b="0" dirty="0"/>
+          </a:p>
+        </p:txBody>
+      </p:sp>
+    </p:spTree>
+    <p:extLst>
+      <p:ext uri="{BB962C8B-B14F-4D97-AF65-F5344CB8AC3E}">
+        <p14:creationId xmlns:p14="http://schemas.microsoft.com/office/powerpoint/2010/main" val="2852808963"/>
+      </p:ext>
+    </p:extLst>
+  </p:cSld>
+  <p:clrMapOvr>
+    <a:masterClrMapping/>
+  </p:clrMapOvr>
+</p:sld>
+</file>
+
+<file path=ppt/slides/slide14.xml><?xml version="1.0" encoding="utf-8"?>
+<p:sld xmlns:a="http://schemas.openxmlformats.org/drawingml/2006/main" xmlns:r="http://schemas.openxmlformats.org/officeDocument/2006/relationships" xmlns:p="http://schemas.openxmlformats.org/presentationml/2006/main">
+  <p:cSld>
+    <p:spTree>
+      <p:nvGrpSpPr>
+        <p:cNvPr id="1" name=""/>
+        <p:cNvGrpSpPr/>
+        <p:nvPr/>
+      </p:nvGrpSpPr>
+      <p:grpSpPr>
+        <a:xfrm>
+          <a:off x="0" y="0"/>
+          <a:ext cx="0" cy="0"/>
+          <a:chOff x="0" y="0"/>
+          <a:chExt cx="0" cy="0"/>
+        </a:xfrm>
+      </p:grpSpPr>
+      <p:sp>
+        <p:nvSpPr>
+          <p:cNvPr id="4" name="Title"/>
+          <p:cNvSpPr>
+            <a:spLocks noGrp="1"/>
+          </p:cNvSpPr>
+          <p:nvPr>
+            <p:ph type="title"/>
+          </p:nvPr>
+        </p:nvSpPr>
+        <p:spPr bwMode="gray">
+          <a:xfrm>
+            <a:off x="504001" y="504000"/>
+            <a:ext cx="11186476" cy="646331"/>
+          </a:xfrm>
+        </p:spPr>
+        <p:txBody>
+          <a:bodyPr/>
+          <a:lstStyle/>
+          <a:p>
+            <a:r>
+              <a:rPr lang="en-US" dirty="0"/>
+              <a:t>Insert page title (sentence case)</a:t>
+            </a:r>
+            <a:br>
+              <a:rPr lang="en-US" dirty="0"/>
+            </a:br>
+            <a:r>
+              <a:rPr lang="en-US" sz="1800" b="0" dirty="0" err="1"/>
+              <a:t>Subheadline</a:t>
+            </a:r>
+            <a:endParaRPr lang="en-US" b="0" dirty="0"/>
+          </a:p>
+        </p:txBody>
+      </p:sp>
+    </p:spTree>
+    <p:extLst>
+      <p:ext uri="{BB962C8B-B14F-4D97-AF65-F5344CB8AC3E}">
+        <p14:creationId xmlns:p14="http://schemas.microsoft.com/office/powerpoint/2010/main" val="4241709822"/>
+      </p:ext>
+    </p:extLst>
+  </p:cSld>
+  <p:clrMapOvr>
+    <a:masterClrMapping/>
+  </p:clrMapOvr>
+</p:sld>
+</file>
+
+<file path=ppt/slides/slide15.xml><?xml version="1.0" encoding="utf-8"?>
 <p:sld xmlns:a="http://schemas.openxmlformats.org/drawingml/2006/main" xmlns:r="http://schemas.openxmlformats.org/officeDocument/2006/relationships" xmlns:p="http://schemas.openxmlformats.org/presentationml/2006/main">
   <p:cSld>
     <p:spTree>
@@ -9063,7 +9636,7 @@
 </p:sld>
 </file>
 
-<file path=ppt/slides/slide13.xml><?xml version="1.0" encoding="utf-8"?>
+<file path=ppt/slides/slide16.xml><?xml version="1.0" encoding="utf-8"?>
 <p:sld xmlns:a="http://schemas.openxmlformats.org/drawingml/2006/main" xmlns:r="http://schemas.openxmlformats.org/officeDocument/2006/relationships" xmlns:p="http://schemas.openxmlformats.org/presentationml/2006/main">
   <p:cSld>
     <p:spTree>
@@ -9172,7 +9745,7 @@
 </p:sld>
 </file>
 
-<file path=ppt/slides/slide14.xml><?xml version="1.0" encoding="utf-8"?>
+<file path=ppt/slides/slide17.xml><?xml version="1.0" encoding="utf-8"?>
 <p:sld xmlns:a="http://schemas.openxmlformats.org/drawingml/2006/main" xmlns:r="http://schemas.openxmlformats.org/officeDocument/2006/relationships" xmlns:p="http://schemas.openxmlformats.org/presentationml/2006/main">
   <p:cSld>
     <p:spTree>
@@ -9332,7 +9905,7 @@
 </p:sld>
 </file>
 
-<file path=ppt/slides/slide15.xml><?xml version="1.0" encoding="utf-8"?>
+<file path=ppt/slides/slide18.xml><?xml version="1.0" encoding="utf-8"?>
 <p:sld xmlns:a="http://schemas.openxmlformats.org/drawingml/2006/main" xmlns:r="http://schemas.openxmlformats.org/officeDocument/2006/relationships" xmlns:p="http://schemas.openxmlformats.org/presentationml/2006/main" show="0">
   <p:cSld>
     <p:spTree>
@@ -9358,7 +9931,7 @@
 </p:sld>
 </file>
 
-<file path=ppt/slides/slide16.xml><?xml version="1.0" encoding="utf-8"?>
+<file path=ppt/slides/slide19.xml><?xml version="1.0" encoding="utf-8"?>
 <p:sld xmlns:a="http://schemas.openxmlformats.org/drawingml/2006/main" xmlns:r="http://schemas.openxmlformats.org/officeDocument/2006/relationships" xmlns:p="http://schemas.openxmlformats.org/presentationml/2006/main">
   <p:cSld>
     <p:spTree>
@@ -9452,7 +10025,7 @@
 </p:sld>
 </file>
 
-<file path=ppt/slides/slide17.xml><?xml version="1.0" encoding="utf-8"?>
+<file path=ppt/slides/slide2.xml><?xml version="1.0" encoding="utf-8"?>
 <p:sld xmlns:a="http://schemas.openxmlformats.org/drawingml/2006/main" xmlns:r="http://schemas.openxmlformats.org/officeDocument/2006/relationships" xmlns:p="http://schemas.openxmlformats.org/presentationml/2006/main">
   <p:cSld>
     <p:spTree>
@@ -9471,7 +10044,80 @@
       </p:grpSpPr>
       <p:sp>
         <p:nvSpPr>
-          <p:cNvPr id="24" name="Title"/>
+          <p:cNvPr id="3" name="Agenda items"/>
+          <p:cNvSpPr>
+            <a:spLocks noGrp="1"/>
+          </p:cNvSpPr>
+          <p:nvPr>
+            <p:ph type="body" sz="quarter" idx="10"/>
+          </p:nvPr>
+        </p:nvSpPr>
+        <p:spPr bwMode="gray"/>
+        <p:txBody>
+          <a:bodyPr/>
+          <a:lstStyle/>
+          <a:p>
+            <a:r>
+              <a:rPr lang="en-US" b="1" dirty="0"/>
+              <a:t>Graph </a:t>
+            </a:r>
+            <a:r>
+              <a:rPr lang="en-US" altLang="zh-CN" b="1" dirty="0"/>
+              <a:t>Database Concepts</a:t>
+            </a:r>
+            <a:endParaRPr lang="en-US" b="1" dirty="0"/>
+          </a:p>
+          <a:p>
+            <a:pPr lvl="1"/>
+            <a:r>
+              <a:rPr lang="en-US" dirty="0"/>
+              <a:t>Details</a:t>
+            </a:r>
+          </a:p>
+          <a:p>
+            <a:r>
+              <a:rPr lang="en-US" b="1" dirty="0"/>
+              <a:t>The Introduction of Cypher</a:t>
+            </a:r>
+          </a:p>
+          <a:p>
+            <a:pPr lvl="1"/>
+            <a:r>
+              <a:rPr lang="en-US" dirty="0"/>
+              <a:t>The Graph query language</a:t>
+            </a:r>
+          </a:p>
+          <a:p>
+            <a:r>
+              <a:rPr lang="en-US" dirty="0"/>
+              <a:t>Agenda item/divider headline</a:t>
+            </a:r>
+          </a:p>
+          <a:p>
+            <a:pPr lvl="1"/>
+            <a:r>
+              <a:rPr lang="en-US" dirty="0"/>
+              <a:t>Details</a:t>
+            </a:r>
+          </a:p>
+          <a:p>
+            <a:r>
+              <a:rPr lang="en-US" dirty="0"/>
+              <a:t>Agenda item/divider headline</a:t>
+            </a:r>
+          </a:p>
+          <a:p>
+            <a:pPr lvl="1"/>
+            <a:r>
+              <a:rPr lang="en-US" dirty="0"/>
+              <a:t>Details</a:t>
+            </a:r>
+          </a:p>
+        </p:txBody>
+      </p:sp>
+      <p:sp>
+        <p:nvSpPr>
+          <p:cNvPr id="2" name="Agenda"/>
           <p:cNvSpPr>
             <a:spLocks noGrp="1"/>
           </p:cNvSpPr>
@@ -9486,17 +10132,12 @@
           <a:p>
             <a:r>
               <a:rPr lang="en-US" dirty="0"/>
-              <a:t>Insert page title (sentence case)</a:t>
+              <a:t>Agenda</a:t>
             </a:r>
           </a:p>
         </p:txBody>
       </p:sp>
     </p:spTree>
-    <p:extLst>
-      <p:ext uri="{BB962C8B-B14F-4D97-AF65-F5344CB8AC3E}">
-        <p14:creationId xmlns:p14="http://schemas.microsoft.com/office/powerpoint/2010/main" val="3602749482"/>
-      </p:ext>
-    </p:extLst>
   </p:cSld>
   <p:clrMapOvr>
     <a:masterClrMapping/>
@@ -9504,7 +10145,7 @@
 </p:sld>
 </file>
 
-<file path=ppt/slides/slide18.xml><?xml version="1.0" encoding="utf-8"?>
+<file path=ppt/slides/slide20.xml><?xml version="1.0" encoding="utf-8"?>
 <p:sld xmlns:a="http://schemas.openxmlformats.org/drawingml/2006/main" xmlns:r="http://schemas.openxmlformats.org/officeDocument/2006/relationships" xmlns:p="http://schemas.openxmlformats.org/presentationml/2006/main">
   <p:cSld>
     <p:spTree>
@@ -9546,6 +10187,58 @@
     </p:spTree>
     <p:extLst>
       <p:ext uri="{BB962C8B-B14F-4D97-AF65-F5344CB8AC3E}">
+        <p14:creationId xmlns:p14="http://schemas.microsoft.com/office/powerpoint/2010/main" val="3602749482"/>
+      </p:ext>
+    </p:extLst>
+  </p:cSld>
+  <p:clrMapOvr>
+    <a:masterClrMapping/>
+  </p:clrMapOvr>
+</p:sld>
+</file>
+
+<file path=ppt/slides/slide21.xml><?xml version="1.0" encoding="utf-8"?>
+<p:sld xmlns:a="http://schemas.openxmlformats.org/drawingml/2006/main" xmlns:r="http://schemas.openxmlformats.org/officeDocument/2006/relationships" xmlns:p="http://schemas.openxmlformats.org/presentationml/2006/main">
+  <p:cSld>
+    <p:spTree>
+      <p:nvGrpSpPr>
+        <p:cNvPr id="1" name=""/>
+        <p:cNvGrpSpPr/>
+        <p:nvPr/>
+      </p:nvGrpSpPr>
+      <p:grpSpPr>
+        <a:xfrm>
+          <a:off x="0" y="0"/>
+          <a:ext cx="0" cy="0"/>
+          <a:chOff x="0" y="0"/>
+          <a:chExt cx="0" cy="0"/>
+        </a:xfrm>
+      </p:grpSpPr>
+      <p:sp>
+        <p:nvSpPr>
+          <p:cNvPr id="24" name="Title"/>
+          <p:cNvSpPr>
+            <a:spLocks noGrp="1"/>
+          </p:cNvSpPr>
+          <p:nvPr>
+            <p:ph type="title"/>
+          </p:nvPr>
+        </p:nvSpPr>
+        <p:spPr bwMode="gray"/>
+        <p:txBody>
+          <a:bodyPr/>
+          <a:lstStyle/>
+          <a:p>
+            <a:r>
+              <a:rPr lang="en-US" dirty="0"/>
+              <a:t>Insert page title (sentence case)</a:t>
+            </a:r>
+          </a:p>
+        </p:txBody>
+      </p:sp>
+    </p:spTree>
+    <p:extLst>
+      <p:ext uri="{BB962C8B-B14F-4D97-AF65-F5344CB8AC3E}">
         <p14:creationId xmlns:p14="http://schemas.microsoft.com/office/powerpoint/2010/main" val="2992388039"/>
       </p:ext>
     </p:extLst>
@@ -9556,7 +10249,7 @@
 </p:sld>
 </file>
 
-<file path=ppt/slides/slide19.xml><?xml version="1.0" encoding="utf-8"?>
+<file path=ppt/slides/slide22.xml><?xml version="1.0" encoding="utf-8"?>
 <p:sld xmlns:a="http://schemas.openxmlformats.org/drawingml/2006/main" xmlns:r="http://schemas.openxmlformats.org/officeDocument/2006/relationships" xmlns:p="http://schemas.openxmlformats.org/presentationml/2006/main">
   <p:cSld>
     <p:spTree>
@@ -10024,401 +10717,6 @@
 </p:sld>
 </file>
 
-<file path=ppt/slides/slide2.xml><?xml version="1.0" encoding="utf-8"?>
-<p:sld xmlns:a="http://schemas.openxmlformats.org/drawingml/2006/main" xmlns:r="http://schemas.openxmlformats.org/officeDocument/2006/relationships" xmlns:p="http://schemas.openxmlformats.org/presentationml/2006/main">
-  <p:cSld>
-    <p:spTree>
-      <p:nvGrpSpPr>
-        <p:cNvPr id="1" name=""/>
-        <p:cNvGrpSpPr/>
-        <p:nvPr/>
-      </p:nvGrpSpPr>
-      <p:grpSpPr>
-        <a:xfrm>
-          <a:off x="0" y="0"/>
-          <a:ext cx="0" cy="0"/>
-          <a:chOff x="0" y="0"/>
-          <a:chExt cx="0" cy="0"/>
-        </a:xfrm>
-      </p:grpSpPr>
-      <p:sp>
-        <p:nvSpPr>
-          <p:cNvPr id="3" name="Agenda items"/>
-          <p:cNvSpPr>
-            <a:spLocks noGrp="1"/>
-          </p:cNvSpPr>
-          <p:nvPr>
-            <p:ph type="body" sz="quarter" idx="10"/>
-          </p:nvPr>
-        </p:nvSpPr>
-        <p:spPr bwMode="gray"/>
-        <p:txBody>
-          <a:bodyPr/>
-          <a:lstStyle/>
-          <a:p>
-            <a:r>
-              <a:rPr lang="en-US" b="1" dirty="0"/>
-              <a:t>Graph </a:t>
-            </a:r>
-            <a:r>
-              <a:rPr lang="en-US" altLang="zh-CN" b="1" dirty="0"/>
-              <a:t>Database Concepts</a:t>
-            </a:r>
-            <a:endParaRPr lang="en-US" b="1" dirty="0"/>
-          </a:p>
-          <a:p>
-            <a:pPr lvl="1"/>
-            <a:r>
-              <a:rPr lang="en-US" dirty="0"/>
-              <a:t>Details</a:t>
-            </a:r>
-          </a:p>
-          <a:p>
-            <a:r>
-              <a:rPr lang="en-US" b="1" dirty="0"/>
-              <a:t>The Introduction of Cypher</a:t>
-            </a:r>
-          </a:p>
-          <a:p>
-            <a:pPr lvl="1"/>
-            <a:r>
-              <a:rPr lang="en-US" dirty="0"/>
-              <a:t>The Graph query language</a:t>
-            </a:r>
-          </a:p>
-          <a:p>
-            <a:r>
-              <a:rPr lang="en-US" dirty="0"/>
-              <a:t>Agenda item/divider headline</a:t>
-            </a:r>
-          </a:p>
-          <a:p>
-            <a:pPr lvl="1"/>
-            <a:r>
-              <a:rPr lang="en-US" dirty="0"/>
-              <a:t>Details</a:t>
-            </a:r>
-          </a:p>
-          <a:p>
-            <a:r>
-              <a:rPr lang="en-US" dirty="0"/>
-              <a:t>Agenda item/divider headline</a:t>
-            </a:r>
-          </a:p>
-          <a:p>
-            <a:pPr lvl="1"/>
-            <a:r>
-              <a:rPr lang="en-US" dirty="0"/>
-              <a:t>Details</a:t>
-            </a:r>
-          </a:p>
-        </p:txBody>
-      </p:sp>
-      <p:sp>
-        <p:nvSpPr>
-          <p:cNvPr id="2" name="Agenda"/>
-          <p:cNvSpPr>
-            <a:spLocks noGrp="1"/>
-          </p:cNvSpPr>
-          <p:nvPr>
-            <p:ph type="title"/>
-          </p:nvPr>
-        </p:nvSpPr>
-        <p:spPr bwMode="gray"/>
-        <p:txBody>
-          <a:bodyPr/>
-          <a:lstStyle/>
-          <a:p>
-            <a:r>
-              <a:rPr lang="en-US" dirty="0"/>
-              <a:t>Agenda</a:t>
-            </a:r>
-          </a:p>
-        </p:txBody>
-      </p:sp>
-    </p:spTree>
-  </p:cSld>
-  <p:clrMapOvr>
-    <a:masterClrMapping/>
-  </p:clrMapOvr>
-</p:sld>
-</file>
-
-<file path=ppt/slides/slide20.xml><?xml version="1.0" encoding="utf-8"?>
-<p:sld xmlns:a="http://schemas.openxmlformats.org/drawingml/2006/main" xmlns:r="http://schemas.openxmlformats.org/officeDocument/2006/relationships" xmlns:p="http://schemas.openxmlformats.org/presentationml/2006/main">
-  <p:cSld>
-    <p:spTree>
-      <p:nvGrpSpPr>
-        <p:cNvPr id="1" name=""/>
-        <p:cNvGrpSpPr/>
-        <p:nvPr/>
-      </p:nvGrpSpPr>
-      <p:grpSpPr>
-        <a:xfrm>
-          <a:off x="0" y="0"/>
-          <a:ext cx="0" cy="0"/>
-          <a:chOff x="0" y="0"/>
-          <a:chExt cx="0" cy="0"/>
-        </a:xfrm>
-      </p:grpSpPr>
-      <p:sp>
-        <p:nvSpPr>
-          <p:cNvPr id="2" name="Text Placeholder">
-            <a:extLst>
-              <a:ext uri="{FF2B5EF4-FFF2-40B4-BE49-F238E27FC236}">
-                <a16:creationId xmlns:a16="http://schemas.microsoft.com/office/drawing/2014/main" id="{FD8B0406-B42D-4E48-A077-1006CEECE8B8}"/>
-              </a:ext>
-            </a:extLst>
-          </p:cNvPr>
-          <p:cNvSpPr>
-            <a:spLocks noGrp="1"/>
-          </p:cNvSpPr>
-          <p:nvPr>
-            <p:ph type="body" sz="quarter" idx="10"/>
-          </p:nvPr>
-        </p:nvSpPr>
-        <p:spPr/>
-        <p:txBody>
-          <a:bodyPr/>
-          <a:lstStyle/>
-          <a:p>
-            <a:pPr lvl="0"/>
-            <a:r>
-              <a:rPr lang="en-US" dirty="0"/>
-              <a:t>First level</a:t>
-            </a:r>
-          </a:p>
-          <a:p>
-            <a:pPr lvl="1"/>
-            <a:r>
-              <a:rPr lang="en-US" dirty="0"/>
-              <a:t>Second level</a:t>
-            </a:r>
-          </a:p>
-          <a:p>
-            <a:pPr lvl="2"/>
-            <a:r>
-              <a:rPr lang="en-US" dirty="0"/>
-              <a:t>Third level</a:t>
-            </a:r>
-          </a:p>
-        </p:txBody>
-      </p:sp>
-      <p:sp>
-        <p:nvSpPr>
-          <p:cNvPr id="3" name="Title">
-            <a:extLst>
-              <a:ext uri="{FF2B5EF4-FFF2-40B4-BE49-F238E27FC236}">
-                <a16:creationId xmlns:a16="http://schemas.microsoft.com/office/drawing/2014/main" id="{D36C6BFD-B684-44BB-8F4D-37456D097F1B}"/>
-              </a:ext>
-            </a:extLst>
-          </p:cNvPr>
-          <p:cNvSpPr>
-            <a:spLocks noGrp="1"/>
-          </p:cNvSpPr>
-          <p:nvPr>
-            <p:ph type="title"/>
-          </p:nvPr>
-        </p:nvSpPr>
-        <p:spPr/>
-        <p:txBody>
-          <a:bodyPr/>
-          <a:lstStyle/>
-          <a:p>
-            <a:r>
-              <a:rPr lang="en-US" dirty="0"/>
-              <a:t>Insert page title (sentence case)</a:t>
-            </a:r>
-          </a:p>
-        </p:txBody>
-      </p:sp>
-    </p:spTree>
-    <p:extLst>
-      <p:ext uri="{BB962C8B-B14F-4D97-AF65-F5344CB8AC3E}">
-        <p14:creationId xmlns:p14="http://schemas.microsoft.com/office/powerpoint/2010/main" val="4007524871"/>
-      </p:ext>
-    </p:extLst>
-  </p:cSld>
-  <p:clrMapOvr>
-    <a:masterClrMapping/>
-  </p:clrMapOvr>
-</p:sld>
-</file>
-
-<file path=ppt/slides/slide21.xml><?xml version="1.0" encoding="utf-8"?>
-<p:sld xmlns:a="http://schemas.openxmlformats.org/drawingml/2006/main" xmlns:r="http://schemas.openxmlformats.org/officeDocument/2006/relationships" xmlns:p="http://schemas.openxmlformats.org/presentationml/2006/main">
-  <p:cSld>
-    <p:spTree>
-      <p:nvGrpSpPr>
-        <p:cNvPr id="1" name=""/>
-        <p:cNvGrpSpPr/>
-        <p:nvPr/>
-      </p:nvGrpSpPr>
-      <p:grpSpPr>
-        <a:xfrm>
-          <a:off x="0" y="0"/>
-          <a:ext cx="0" cy="0"/>
-          <a:chOff x="0" y="0"/>
-          <a:chExt cx="0" cy="0"/>
-        </a:xfrm>
-      </p:grpSpPr>
-      <p:sp>
-        <p:nvSpPr>
-          <p:cNvPr id="11" name="Text Placeholder"/>
-          <p:cNvSpPr>
-            <a:spLocks noGrp="1"/>
-          </p:cNvSpPr>
-          <p:nvPr>
-            <p:ph type="body" sz="quarter" idx="10"/>
-          </p:nvPr>
-        </p:nvSpPr>
-        <p:spPr bwMode="gray"/>
-        <p:txBody>
-          <a:bodyPr/>
-          <a:lstStyle/>
-          <a:p>
-            <a:pPr lvl="0"/>
-            <a:r>
-              <a:rPr lang="en-US" dirty="0"/>
-              <a:t>First level</a:t>
-            </a:r>
-          </a:p>
-          <a:p>
-            <a:pPr lvl="1"/>
-            <a:r>
-              <a:rPr lang="en-US" dirty="0"/>
-              <a:t>Second level</a:t>
-            </a:r>
-          </a:p>
-          <a:p>
-            <a:pPr lvl="2"/>
-            <a:r>
-              <a:rPr lang="en-US" dirty="0"/>
-              <a:t>Third level</a:t>
-            </a:r>
-          </a:p>
-        </p:txBody>
-      </p:sp>
-      <p:sp>
-        <p:nvSpPr>
-          <p:cNvPr id="4" name="Title"/>
-          <p:cNvSpPr>
-            <a:spLocks noGrp="1"/>
-          </p:cNvSpPr>
-          <p:nvPr>
-            <p:ph type="title"/>
-          </p:nvPr>
-        </p:nvSpPr>
-        <p:spPr bwMode="gray">
-          <a:xfrm>
-            <a:off x="504001" y="504000"/>
-            <a:ext cx="11186476" cy="646331"/>
-          </a:xfrm>
-        </p:spPr>
-        <p:txBody>
-          <a:bodyPr/>
-          <a:lstStyle/>
-          <a:p>
-            <a:r>
-              <a:rPr lang="en-US" dirty="0"/>
-              <a:t>Insert page title (sentence case)</a:t>
-            </a:r>
-            <a:br>
-              <a:rPr lang="en-US" dirty="0"/>
-            </a:br>
-            <a:r>
-              <a:rPr lang="en-US" sz="1800" b="0" dirty="0" err="1"/>
-              <a:t>Subheadline</a:t>
-            </a:r>
-            <a:endParaRPr lang="en-US" b="0" dirty="0"/>
-          </a:p>
-        </p:txBody>
-      </p:sp>
-    </p:spTree>
-    <p:extLst>
-      <p:ext uri="{BB962C8B-B14F-4D97-AF65-F5344CB8AC3E}">
-        <p14:creationId xmlns:p14="http://schemas.microsoft.com/office/powerpoint/2010/main" val="1196408533"/>
-      </p:ext>
-    </p:extLst>
-  </p:cSld>
-  <p:clrMapOvr>
-    <a:masterClrMapping/>
-  </p:clrMapOvr>
-</p:sld>
-</file>
-
-<file path=ppt/slides/slide22.xml><?xml version="1.0" encoding="utf-8"?>
-<p:sld xmlns:a="http://schemas.openxmlformats.org/drawingml/2006/main" xmlns:r="http://schemas.openxmlformats.org/officeDocument/2006/relationships" xmlns:p="http://schemas.openxmlformats.org/presentationml/2006/main">
-  <p:cSld>
-    <p:spTree>
-      <p:nvGrpSpPr>
-        <p:cNvPr id="1" name=""/>
-        <p:cNvGrpSpPr/>
-        <p:nvPr/>
-      </p:nvGrpSpPr>
-      <p:grpSpPr>
-        <a:xfrm>
-          <a:off x="0" y="0"/>
-          <a:ext cx="0" cy="0"/>
-          <a:chOff x="0" y="0"/>
-          <a:chExt cx="0" cy="0"/>
-        </a:xfrm>
-      </p:grpSpPr>
-      <p:sp>
-        <p:nvSpPr>
-          <p:cNvPr id="11" name="Quote placeholder"/>
-          <p:cNvSpPr>
-            <a:spLocks noGrp="1"/>
-          </p:cNvSpPr>
-          <p:nvPr>
-            <p:ph type="body" sz="quarter" idx="10"/>
-          </p:nvPr>
-        </p:nvSpPr>
-        <p:spPr bwMode="gray"/>
-        <p:txBody>
-          <a:bodyPr/>
-          <a:lstStyle/>
-          <a:p>
-            <a:pPr lvl="0"/>
-            <a:r>
-              <a:rPr lang="en-US" dirty="0"/>
-              <a:t>“Quote goes here and here </a:t>
-            </a:r>
-            <a:r>
-              <a:rPr lang="en-US" dirty="0">
-                <a:solidFill>
-                  <a:schemeClr val="accent1"/>
-                </a:solidFill>
-              </a:rPr>
-              <a:t>and here</a:t>
-            </a:r>
-            <a:r>
-              <a:rPr lang="en-US" dirty="0"/>
-              <a:t>.”</a:t>
-            </a:r>
-          </a:p>
-          <a:p>
-            <a:pPr lvl="1"/>
-            <a:r>
-              <a:rPr lang="en-US" dirty="0"/>
-              <a:t>Source</a:t>
-            </a:r>
-          </a:p>
-        </p:txBody>
-      </p:sp>
-    </p:spTree>
-    <p:extLst>
-      <p:ext uri="{BB962C8B-B14F-4D97-AF65-F5344CB8AC3E}">
-        <p14:creationId xmlns:p14="http://schemas.microsoft.com/office/powerpoint/2010/main" val="3295641251"/>
-      </p:ext>
-    </p:extLst>
-  </p:cSld>
-  <p:clrMapOvr>
-    <a:masterClrMapping/>
-  </p:clrMapOvr>
-</p:sld>
-</file>
-
 <file path=ppt/slides/slide23.xml><?xml version="1.0" encoding="utf-8"?>
 <p:sld xmlns:a="http://schemas.openxmlformats.org/drawingml/2006/main" xmlns:r="http://schemas.openxmlformats.org/officeDocument/2006/relationships" xmlns:p="http://schemas.openxmlformats.org/presentationml/2006/main">
   <p:cSld>
@@ -10438,7 +10736,13 @@
       </p:grpSpPr>
       <p:sp>
         <p:nvSpPr>
-          <p:cNvPr id="11" name="Quote placeholder"/>
+          <p:cNvPr id="2" name="Text Placeholder">
+            <a:extLst>
+              <a:ext uri="{FF2B5EF4-FFF2-40B4-BE49-F238E27FC236}">
+                <a16:creationId xmlns:a16="http://schemas.microsoft.com/office/drawing/2014/main" id="{FD8B0406-B42D-4E48-A077-1006CEECE8B8}"/>
+              </a:ext>
+            </a:extLst>
+          </p:cNvPr>
           <p:cNvSpPr>
             <a:spLocks noGrp="1"/>
           </p:cNvSpPr>
@@ -10446,7 +10750,7 @@
             <p:ph type="body" sz="quarter" idx="10"/>
           </p:nvPr>
         </p:nvSpPr>
-        <p:spPr bwMode="gray"/>
+        <p:spPr/>
         <p:txBody>
           <a:bodyPr/>
           <a:lstStyle/>
@@ -10454,26 +10758,49 @@
             <a:pPr lvl="0"/>
             <a:r>
               <a:rPr lang="en-US" dirty="0"/>
-              <a:t>“Quote goes here and here </a:t>
-            </a:r>
-            <a:r>
-              <a:rPr lang="en-US" dirty="0">
-                <a:solidFill>
-                  <a:schemeClr val="accent1"/>
-                </a:solidFill>
-              </a:rPr>
-              <a:t>and here</a:t>
-            </a:r>
-            <a:r>
-              <a:rPr lang="en-US" dirty="0"/>
-              <a:t>.”</a:t>
+              <a:t>First level</a:t>
             </a:r>
           </a:p>
           <a:p>
             <a:pPr lvl="1"/>
             <a:r>
               <a:rPr lang="en-US" dirty="0"/>
-              <a:t>Source</a:t>
+              <a:t>Second level</a:t>
+            </a:r>
+          </a:p>
+          <a:p>
+            <a:pPr lvl="2"/>
+            <a:r>
+              <a:rPr lang="en-US" dirty="0"/>
+              <a:t>Third level</a:t>
+            </a:r>
+          </a:p>
+        </p:txBody>
+      </p:sp>
+      <p:sp>
+        <p:nvSpPr>
+          <p:cNvPr id="3" name="Title">
+            <a:extLst>
+              <a:ext uri="{FF2B5EF4-FFF2-40B4-BE49-F238E27FC236}">
+                <a16:creationId xmlns:a16="http://schemas.microsoft.com/office/drawing/2014/main" id="{D36C6BFD-B684-44BB-8F4D-37456D097F1B}"/>
+              </a:ext>
+            </a:extLst>
+          </p:cNvPr>
+          <p:cNvSpPr>
+            <a:spLocks noGrp="1"/>
+          </p:cNvSpPr>
+          <p:nvPr>
+            <p:ph type="title"/>
+          </p:nvPr>
+        </p:nvSpPr>
+        <p:spPr/>
+        <p:txBody>
+          <a:bodyPr/>
+          <a:lstStyle/>
+          <a:p>
+            <a:r>
+              <a:rPr lang="en-US" dirty="0"/>
+              <a:t>Insert page title (sentence case)</a:t>
             </a:r>
           </a:p>
         </p:txBody>
@@ -10481,7 +10808,7 @@
     </p:spTree>
     <p:extLst>
       <p:ext uri="{BB962C8B-B14F-4D97-AF65-F5344CB8AC3E}">
-        <p14:creationId xmlns:p14="http://schemas.microsoft.com/office/powerpoint/2010/main" val="2010228457"/>
+        <p14:creationId xmlns:p14="http://schemas.microsoft.com/office/powerpoint/2010/main" val="4007524871"/>
       </p:ext>
     </p:extLst>
   </p:cSld>
@@ -10510,24 +10837,12 @@
       </p:grpSpPr>
       <p:sp>
         <p:nvSpPr>
-          <p:cNvPr id="6" name="Picture Placeholder" descr="Placeholder for an image" title="Image placeholder content slide"/>
+          <p:cNvPr id="11" name="Text Placeholder"/>
           <p:cNvSpPr>
             <a:spLocks noGrp="1"/>
           </p:cNvSpPr>
           <p:nvPr>
-            <p:ph type="pic" sz="quarter" idx="10"/>
-          </p:nvPr>
-        </p:nvSpPr>
-        <p:spPr bwMode="gray"/>
-      </p:sp>
-      <p:sp>
-        <p:nvSpPr>
-          <p:cNvPr id="4" name="Text Placeholder"/>
-          <p:cNvSpPr>
-            <a:spLocks noGrp="1"/>
-          </p:cNvSpPr>
-          <p:nvPr>
-            <p:ph type="body" sz="quarter" idx="11"/>
+            <p:ph type="body" sz="quarter" idx="10"/>
           </p:nvPr>
         </p:nvSpPr>
         <p:spPr bwMode="gray"/>
@@ -10559,7 +10874,7 @@
       </p:sp>
       <p:sp>
         <p:nvSpPr>
-          <p:cNvPr id="2" name="Title"/>
+          <p:cNvPr id="4" name="Title"/>
           <p:cNvSpPr>
             <a:spLocks noGrp="1"/>
           </p:cNvSpPr>
@@ -10567,7 +10882,12 @@
             <p:ph type="title"/>
           </p:nvPr>
         </p:nvSpPr>
-        <p:spPr bwMode="gray"/>
+        <p:spPr bwMode="gray">
+          <a:xfrm>
+            <a:off x="504001" y="504000"/>
+            <a:ext cx="11186476" cy="646331"/>
+          </a:xfrm>
+        </p:spPr>
         <p:txBody>
           <a:bodyPr/>
           <a:lstStyle/>
@@ -10576,13 +10896,21 @@
               <a:rPr lang="en-US" dirty="0"/>
               <a:t>Insert page title (sentence case)</a:t>
             </a:r>
+            <a:br>
+              <a:rPr lang="en-US" dirty="0"/>
+            </a:br>
+            <a:r>
+              <a:rPr lang="en-US" sz="1800" b="0" dirty="0" err="1"/>
+              <a:t>Subheadline</a:t>
+            </a:r>
+            <a:endParaRPr lang="en-US" b="0" dirty="0"/>
           </a:p>
         </p:txBody>
       </p:sp>
     </p:spTree>
     <p:extLst>
       <p:ext uri="{BB962C8B-B14F-4D97-AF65-F5344CB8AC3E}">
-        <p14:creationId xmlns:p14="http://schemas.microsoft.com/office/powerpoint/2010/main" val="2468716513"/>
+        <p14:creationId xmlns:p14="http://schemas.microsoft.com/office/powerpoint/2010/main" val="1196408533"/>
       </p:ext>
     </p:extLst>
   </p:cSld>
@@ -10611,24 +10939,12 @@
       </p:grpSpPr>
       <p:sp>
         <p:nvSpPr>
-          <p:cNvPr id="6" name="Picture Placeholder" descr="Placeholder for an image" title="Image placeholder content slide"/>
+          <p:cNvPr id="11" name="Quote placeholder"/>
           <p:cNvSpPr>
             <a:spLocks noGrp="1"/>
           </p:cNvSpPr>
           <p:nvPr>
-            <p:ph type="pic" sz="quarter" idx="10"/>
-          </p:nvPr>
-        </p:nvSpPr>
-        <p:spPr bwMode="gray"/>
-      </p:sp>
-      <p:sp>
-        <p:nvSpPr>
-          <p:cNvPr id="4" name="Text Placeholder"/>
-          <p:cNvSpPr>
-            <a:spLocks noGrp="1"/>
-          </p:cNvSpPr>
-          <p:nvPr>
-            <p:ph type="body" sz="quarter" idx="11"/>
+            <p:ph type="body" sz="quarter" idx="10"/>
           </p:nvPr>
         </p:nvSpPr>
         <p:spPr bwMode="gray"/>
@@ -10638,45 +10954,27 @@
           <a:p>
             <a:pPr lvl="0"/>
             <a:r>
-              <a:rPr lang="en-US"/>
-              <a:t>First level</a:t>
+              <a:rPr lang="en-US" dirty="0"/>
+              <a:t>“Quote goes here and here </a:t>
+            </a:r>
+            <a:r>
+              <a:rPr lang="en-US" dirty="0">
+                <a:solidFill>
+                  <a:schemeClr val="accent1"/>
+                </a:solidFill>
+              </a:rPr>
+              <a:t>and here</a:t>
+            </a:r>
+            <a:r>
+              <a:rPr lang="en-US" dirty="0"/>
+              <a:t>.”</a:t>
             </a:r>
           </a:p>
           <a:p>
             <a:pPr lvl="1"/>
             <a:r>
-              <a:rPr lang="en-US"/>
-              <a:t>Second level</a:t>
-            </a:r>
-          </a:p>
-          <a:p>
-            <a:pPr lvl="2"/>
-            <a:r>
-              <a:rPr lang="en-US"/>
-              <a:t>Third level</a:t>
-            </a:r>
-            <a:endParaRPr lang="en-US" dirty="0"/>
-          </a:p>
-        </p:txBody>
-      </p:sp>
-      <p:sp>
-        <p:nvSpPr>
-          <p:cNvPr id="2" name="Title"/>
-          <p:cNvSpPr>
-            <a:spLocks noGrp="1"/>
-          </p:cNvSpPr>
-          <p:nvPr>
-            <p:ph type="title"/>
-          </p:nvPr>
-        </p:nvSpPr>
-        <p:spPr bwMode="gray"/>
-        <p:txBody>
-          <a:bodyPr/>
-          <a:lstStyle/>
-          <a:p>
-            <a:r>
-              <a:rPr lang="en-US" dirty="0"/>
-              <a:t>Insert page title (sentence case)</a:t>
+              <a:rPr lang="en-US" dirty="0"/>
+              <a:t>Source</a:t>
             </a:r>
           </a:p>
         </p:txBody>
@@ -10684,7 +10982,7 @@
     </p:spTree>
     <p:extLst>
       <p:ext uri="{BB962C8B-B14F-4D97-AF65-F5344CB8AC3E}">
-        <p14:creationId xmlns:p14="http://schemas.microsoft.com/office/powerpoint/2010/main" val="4154867534"/>
+        <p14:creationId xmlns:p14="http://schemas.microsoft.com/office/powerpoint/2010/main" val="3295641251"/>
       </p:ext>
     </p:extLst>
   </p:cSld>
@@ -10713,20 +11011,50 @@
       </p:grpSpPr>
       <p:sp>
         <p:nvSpPr>
-          <p:cNvPr id="8" name="Picture Placeholder 7" descr="Image Placeholder" title="Image Placeholder"/>
+          <p:cNvPr id="11" name="Quote placeholder"/>
           <p:cNvSpPr>
             <a:spLocks noGrp="1"/>
           </p:cNvSpPr>
           <p:nvPr>
-            <p:ph type="pic" sz="quarter" idx="10"/>
+            <p:ph type="body" sz="quarter" idx="10"/>
           </p:nvPr>
         </p:nvSpPr>
         <p:spPr bwMode="gray"/>
+        <p:txBody>
+          <a:bodyPr/>
+          <a:lstStyle/>
+          <a:p>
+            <a:pPr lvl="0"/>
+            <a:r>
+              <a:rPr lang="en-US" dirty="0"/>
+              <a:t>“Quote goes here and here </a:t>
+            </a:r>
+            <a:r>
+              <a:rPr lang="en-US" dirty="0">
+                <a:solidFill>
+                  <a:schemeClr val="accent1"/>
+                </a:solidFill>
+              </a:rPr>
+              <a:t>and here</a:t>
+            </a:r>
+            <a:r>
+              <a:rPr lang="en-US" dirty="0"/>
+              <a:t>.”</a:t>
+            </a:r>
+          </a:p>
+          <a:p>
+            <a:pPr lvl="1"/>
+            <a:r>
+              <a:rPr lang="en-US" dirty="0"/>
+              <a:t>Source</a:t>
+            </a:r>
+          </a:p>
+        </p:txBody>
       </p:sp>
     </p:spTree>
     <p:extLst>
       <p:ext uri="{BB962C8B-B14F-4D97-AF65-F5344CB8AC3E}">
-        <p14:creationId xmlns:p14="http://schemas.microsoft.com/office/powerpoint/2010/main" val="1840057824"/>
+        <p14:creationId xmlns:p14="http://schemas.microsoft.com/office/powerpoint/2010/main" val="2010228457"/>
       </p:ext>
     </p:extLst>
   </p:cSld>
@@ -10755,7 +11083,19 @@
       </p:grpSpPr>
       <p:sp>
         <p:nvSpPr>
-          <p:cNvPr id="9" name="Text Placeholder column 2"/>
+          <p:cNvPr id="6" name="Picture Placeholder" descr="Placeholder for an image" title="Image placeholder content slide"/>
+          <p:cNvSpPr>
+            <a:spLocks noGrp="1"/>
+          </p:cNvSpPr>
+          <p:nvPr>
+            <p:ph type="pic" sz="quarter" idx="10"/>
+          </p:nvPr>
+        </p:nvSpPr>
+        <p:spPr bwMode="gray"/>
+      </p:sp>
+      <p:sp>
+        <p:nvSpPr>
+          <p:cNvPr id="4" name="Text Placeholder"/>
           <p:cNvSpPr>
             <a:spLocks noGrp="1"/>
           </p:cNvSpPr>
@@ -10770,68 +11110,29 @@
           <a:p>
             <a:pPr lvl="0"/>
             <a:r>
-              <a:rPr lang="en-US"/>
+              <a:rPr lang="en-US" dirty="0"/>
               <a:t>First level</a:t>
             </a:r>
           </a:p>
           <a:p>
             <a:pPr lvl="1"/>
             <a:r>
-              <a:rPr lang="en-US"/>
+              <a:rPr lang="en-US" dirty="0"/>
               <a:t>Second level</a:t>
             </a:r>
           </a:p>
           <a:p>
             <a:pPr lvl="2"/>
             <a:r>
-              <a:rPr lang="en-US"/>
+              <a:rPr lang="en-US" dirty="0"/>
               <a:t>Third level</a:t>
             </a:r>
-            <a:endParaRPr lang="en-US" dirty="0"/>
-          </a:p>
-        </p:txBody>
-      </p:sp>
-      <p:sp>
-        <p:nvSpPr>
-          <p:cNvPr id="8" name="Text Placeholder column 1"/>
-          <p:cNvSpPr>
-            <a:spLocks noGrp="1"/>
-          </p:cNvSpPr>
-          <p:nvPr>
-            <p:ph type="body" sz="quarter" idx="10"/>
-          </p:nvPr>
-        </p:nvSpPr>
-        <p:spPr bwMode="gray"/>
-        <p:txBody>
-          <a:bodyPr/>
-          <a:lstStyle/>
-          <a:p>
-            <a:pPr lvl="0"/>
-            <a:r>
-              <a:rPr lang="en-US"/>
-              <a:t>First level</a:t>
-            </a:r>
-          </a:p>
-          <a:p>
-            <a:pPr lvl="1"/>
-            <a:r>
-              <a:rPr lang="en-US"/>
-              <a:t>Second level</a:t>
-            </a:r>
-          </a:p>
-          <a:p>
-            <a:pPr lvl="2"/>
-            <a:r>
-              <a:rPr lang="en-US"/>
-              <a:t>Third level</a:t>
-            </a:r>
-            <a:endParaRPr lang="en-US" dirty="0"/>
-          </a:p>
-        </p:txBody>
-      </p:sp>
-      <p:sp>
-        <p:nvSpPr>
-          <p:cNvPr id="7" name="Title"/>
+          </a:p>
+        </p:txBody>
+      </p:sp>
+      <p:sp>
+        <p:nvSpPr>
+          <p:cNvPr id="2" name="Title"/>
           <p:cNvSpPr>
             <a:spLocks noGrp="1"/>
           </p:cNvSpPr>
@@ -10854,7 +11155,7 @@
     </p:spTree>
     <p:extLst>
       <p:ext uri="{BB962C8B-B14F-4D97-AF65-F5344CB8AC3E}">
-        <p14:creationId xmlns:p14="http://schemas.microsoft.com/office/powerpoint/2010/main" val="854015491"/>
+        <p14:creationId xmlns:p14="http://schemas.microsoft.com/office/powerpoint/2010/main" val="2468716513"/>
       </p:ext>
     </p:extLst>
   </p:cSld>
@@ -10883,50 +11184,24 @@
       </p:grpSpPr>
       <p:sp>
         <p:nvSpPr>
-          <p:cNvPr id="5" name="Text Placeholder column 3"/>
+          <p:cNvPr id="6" name="Picture Placeholder" descr="Placeholder for an image" title="Image placeholder content slide"/>
           <p:cNvSpPr>
             <a:spLocks noGrp="1"/>
           </p:cNvSpPr>
           <p:nvPr>
-            <p:ph type="body" sz="quarter" idx="13"/>
+            <p:ph type="pic" sz="quarter" idx="10"/>
           </p:nvPr>
         </p:nvSpPr>
         <p:spPr bwMode="gray"/>
-        <p:txBody>
-          <a:bodyPr/>
-          <a:lstStyle/>
-          <a:p>
-            <a:pPr lvl="0"/>
-            <a:r>
-              <a:rPr lang="en-US"/>
-              <a:t>First level</a:t>
-            </a:r>
-          </a:p>
-          <a:p>
-            <a:pPr lvl="1"/>
-            <a:r>
-              <a:rPr lang="en-US"/>
-              <a:t>Second level</a:t>
-            </a:r>
-          </a:p>
-          <a:p>
-            <a:pPr lvl="2"/>
-            <a:r>
-              <a:rPr lang="en-US"/>
-              <a:t>Third level</a:t>
-            </a:r>
-            <a:endParaRPr lang="en-US" dirty="0"/>
-          </a:p>
-        </p:txBody>
-      </p:sp>
-      <p:sp>
-        <p:nvSpPr>
-          <p:cNvPr id="4" name="Text Placeholder column 2"/>
+      </p:sp>
+      <p:sp>
+        <p:nvSpPr>
+          <p:cNvPr id="4" name="Text Placeholder"/>
           <p:cNvSpPr>
             <a:spLocks noGrp="1"/>
           </p:cNvSpPr>
           <p:nvPr>
-            <p:ph type="body" sz="quarter" idx="12"/>
+            <p:ph type="body" sz="quarter" idx="11"/>
           </p:nvPr>
         </p:nvSpPr>
         <p:spPr bwMode="gray"/>
@@ -10954,43 +11229,6 @@
               <a:t>Third level</a:t>
             </a:r>
             <a:endParaRPr lang="en-US" dirty="0"/>
-          </a:p>
-        </p:txBody>
-      </p:sp>
-      <p:sp>
-        <p:nvSpPr>
-          <p:cNvPr id="3" name="Text Placeholder column 1"/>
-          <p:cNvSpPr>
-            <a:spLocks noGrp="1"/>
-          </p:cNvSpPr>
-          <p:nvPr>
-            <p:ph type="body" sz="quarter" idx="10"/>
-          </p:nvPr>
-        </p:nvSpPr>
-        <p:spPr bwMode="gray"/>
-        <p:txBody>
-          <a:bodyPr/>
-          <a:lstStyle/>
-          <a:p>
-            <a:pPr lvl="0"/>
-            <a:r>
-              <a:rPr lang="en-US" dirty="0"/>
-              <a:t>First level</a:t>
-            </a:r>
-          </a:p>
-          <a:p>
-            <a:pPr lvl="1"/>
-            <a:r>
-              <a:rPr lang="en-US" dirty="0"/>
-              <a:t>Second level</a:t>
-            </a:r>
-          </a:p>
-          <a:p>
-            <a:pPr lvl="2"/>
-            <a:r>
-              <a:rPr lang="en-US" dirty="0"/>
-              <a:t>Third level</a:t>
-            </a:r>
           </a:p>
         </p:txBody>
       </p:sp>
@@ -11019,7 +11257,7 @@
     </p:spTree>
     <p:extLst>
       <p:ext uri="{BB962C8B-B14F-4D97-AF65-F5344CB8AC3E}">
-        <p14:creationId xmlns:p14="http://schemas.microsoft.com/office/powerpoint/2010/main" val="94846162"/>
+        <p14:creationId xmlns:p14="http://schemas.microsoft.com/office/powerpoint/2010/main" val="4154867534"/>
       </p:ext>
     </p:extLst>
   </p:cSld>
@@ -11048,114 +11286,20 @@
       </p:grpSpPr>
       <p:sp>
         <p:nvSpPr>
-          <p:cNvPr id="10" name="Text Placeholder column 2"/>
+          <p:cNvPr id="8" name="Picture Placeholder 7" descr="Image Placeholder" title="Image Placeholder"/>
           <p:cNvSpPr>
             <a:spLocks noGrp="1"/>
           </p:cNvSpPr>
           <p:nvPr>
-            <p:ph type="body" sz="quarter" idx="13"/>
+            <p:ph type="pic" sz="quarter" idx="10"/>
           </p:nvPr>
         </p:nvSpPr>
         <p:spPr bwMode="gray"/>
-        <p:txBody>
-          <a:bodyPr/>
-          <a:lstStyle/>
-          <a:p>
-            <a:pPr lvl="0"/>
-            <a:r>
-              <a:rPr lang="en-US" dirty="0"/>
-              <a:t>First level</a:t>
-            </a:r>
-          </a:p>
-          <a:p>
-            <a:pPr lvl="1"/>
-            <a:r>
-              <a:rPr lang="en-US" dirty="0"/>
-              <a:t>Second level</a:t>
-            </a:r>
-          </a:p>
-        </p:txBody>
-      </p:sp>
-      <p:sp>
-        <p:nvSpPr>
-          <p:cNvPr id="16" name="Picture Placeholder 2" descr="Image placeholder right" title="Image placeholder"/>
-          <p:cNvSpPr>
-            <a:spLocks noGrp="1"/>
-          </p:cNvSpPr>
-          <p:nvPr>
-            <p:ph type="pic" sz="quarter" idx="14"/>
-          </p:nvPr>
-        </p:nvSpPr>
-        <p:spPr bwMode="gray"/>
-      </p:sp>
-      <p:sp>
-        <p:nvSpPr>
-          <p:cNvPr id="3" name="Text Placeholder column 1"/>
-          <p:cNvSpPr>
-            <a:spLocks noGrp="1"/>
-          </p:cNvSpPr>
-          <p:nvPr>
-            <p:ph type="body" sz="quarter" idx="10"/>
-          </p:nvPr>
-        </p:nvSpPr>
-        <p:spPr bwMode="gray"/>
-        <p:txBody>
-          <a:bodyPr/>
-          <a:lstStyle/>
-          <a:p>
-            <a:pPr lvl="0"/>
-            <a:r>
-              <a:rPr lang="en-US" dirty="0"/>
-              <a:t>First level</a:t>
-            </a:r>
-          </a:p>
-          <a:p>
-            <a:pPr lvl="1"/>
-            <a:r>
-              <a:rPr lang="en-US" dirty="0"/>
-              <a:t>Second level</a:t>
-            </a:r>
-          </a:p>
-        </p:txBody>
-      </p:sp>
-      <p:sp>
-        <p:nvSpPr>
-          <p:cNvPr id="15" name="Picture Placeholder 1" descr="Image placeholder left" title="Image placeholde"/>
-          <p:cNvSpPr>
-            <a:spLocks noGrp="1"/>
-          </p:cNvSpPr>
-          <p:nvPr>
-            <p:ph type="pic" sz="quarter" idx="12"/>
-          </p:nvPr>
-        </p:nvSpPr>
-        <p:spPr bwMode="gray"/>
-      </p:sp>
-      <p:sp>
-        <p:nvSpPr>
-          <p:cNvPr id="8" name="Title"/>
-          <p:cNvSpPr>
-            <a:spLocks noGrp="1"/>
-          </p:cNvSpPr>
-          <p:nvPr>
-            <p:ph type="title"/>
-          </p:nvPr>
-        </p:nvSpPr>
-        <p:spPr bwMode="gray"/>
-        <p:txBody>
-          <a:bodyPr/>
-          <a:lstStyle/>
-          <a:p>
-            <a:r>
-              <a:rPr lang="en-US" dirty="0"/>
-              <a:t>Insert page title (sentence case)</a:t>
-            </a:r>
-          </a:p>
-        </p:txBody>
       </p:sp>
     </p:spTree>
     <p:extLst>
       <p:ext uri="{BB962C8B-B14F-4D97-AF65-F5344CB8AC3E}">
-        <p14:creationId xmlns:p14="http://schemas.microsoft.com/office/powerpoint/2010/main" val="1504049518"/>
+        <p14:creationId xmlns:p14="http://schemas.microsoft.com/office/powerpoint/2010/main" val="1840057824"/>
       </p:ext>
     </p:extLst>
   </p:cSld>
@@ -11264,12 +11408,12 @@
       </p:grpSpPr>
       <p:sp>
         <p:nvSpPr>
-          <p:cNvPr id="12" name="Text Placeholder column 3"/>
+          <p:cNvPr id="9" name="Text Placeholder column 2"/>
           <p:cNvSpPr>
             <a:spLocks noGrp="1"/>
           </p:cNvSpPr>
           <p:nvPr>
-            <p:ph type="body" sz="quarter" idx="13"/>
+            <p:ph type="body" sz="quarter" idx="11"/>
           </p:nvPr>
         </p:nvSpPr>
         <p:spPr bwMode="gray"/>
@@ -11279,76 +11423,30 @@
           <a:p>
             <a:pPr lvl="0"/>
             <a:r>
-              <a:rPr lang="en-US" dirty="0"/>
+              <a:rPr lang="en-US"/>
               <a:t>First level</a:t>
             </a:r>
           </a:p>
           <a:p>
             <a:pPr lvl="1"/>
             <a:r>
-              <a:rPr lang="en-US" dirty="0"/>
+              <a:rPr lang="en-US"/>
               <a:t>Second level</a:t>
             </a:r>
           </a:p>
-        </p:txBody>
-      </p:sp>
-      <p:sp>
-        <p:nvSpPr>
-          <p:cNvPr id="13" name="Picture Placeholder 3" descr="Image placeholder 3/3" title="Image placeholder 3/3"/>
-          <p:cNvSpPr>
-            <a:spLocks noGrp="1"/>
-          </p:cNvSpPr>
-          <p:nvPr>
-            <p:ph type="pic" sz="quarter" idx="14"/>
-          </p:nvPr>
-        </p:nvSpPr>
-        <p:spPr bwMode="gray"/>
-      </p:sp>
-      <p:sp>
-        <p:nvSpPr>
-          <p:cNvPr id="14" name="Text Placeholder column 2"/>
-          <p:cNvSpPr>
-            <a:spLocks noGrp="1"/>
-          </p:cNvSpPr>
-          <p:nvPr>
-            <p:ph type="body" sz="quarter" idx="15"/>
-          </p:nvPr>
-        </p:nvSpPr>
-        <p:spPr bwMode="gray"/>
-        <p:txBody>
-          <a:bodyPr/>
-          <a:lstStyle/>
-          <a:p>
-            <a:pPr lvl="0"/>
-            <a:r>
-              <a:rPr lang="en-US" dirty="0"/>
-              <a:t>First level</a:t>
-            </a:r>
-          </a:p>
-          <a:p>
-            <a:pPr lvl="1"/>
-            <a:r>
-              <a:rPr lang="en-US" dirty="0"/>
-              <a:t>Second level</a:t>
-            </a:r>
-          </a:p>
-        </p:txBody>
-      </p:sp>
-      <p:sp>
-        <p:nvSpPr>
-          <p:cNvPr id="15" name="Picture Placeholder 2" descr="Image placeholder 2/3" title="Image placeholder 2/3"/>
-          <p:cNvSpPr>
-            <a:spLocks noGrp="1"/>
-          </p:cNvSpPr>
-          <p:nvPr>
-            <p:ph type="pic" sz="quarter" idx="16"/>
-          </p:nvPr>
-        </p:nvSpPr>
-        <p:spPr bwMode="gray"/>
-      </p:sp>
-      <p:sp>
-        <p:nvSpPr>
-          <p:cNvPr id="10" name="Text Placeholder column 1"/>
+          <a:p>
+            <a:pPr lvl="2"/>
+            <a:r>
+              <a:rPr lang="en-US"/>
+              <a:t>Third level</a:t>
+            </a:r>
+            <a:endParaRPr lang="en-US" dirty="0"/>
+          </a:p>
+        </p:txBody>
+      </p:sp>
+      <p:sp>
+        <p:nvSpPr>
+          <p:cNvPr id="8" name="Text Placeholder column 1"/>
           <p:cNvSpPr>
             <a:spLocks noGrp="1"/>
           </p:cNvSpPr>
@@ -11363,34 +11461,30 @@
           <a:p>
             <a:pPr lvl="0"/>
             <a:r>
-              <a:rPr lang="en-US" dirty="0"/>
+              <a:rPr lang="en-US"/>
               <a:t>First level</a:t>
             </a:r>
           </a:p>
           <a:p>
             <a:pPr lvl="1"/>
             <a:r>
-              <a:rPr lang="en-US" dirty="0"/>
+              <a:rPr lang="en-US"/>
               <a:t>Second level</a:t>
             </a:r>
           </a:p>
-        </p:txBody>
-      </p:sp>
-      <p:sp>
-        <p:nvSpPr>
-          <p:cNvPr id="11" name="Picture Placeholder 1" descr="Image placeholder 1/3" title="Image placeholder 1/3"/>
-          <p:cNvSpPr>
-            <a:spLocks noGrp="1"/>
-          </p:cNvSpPr>
-          <p:nvPr>
-            <p:ph type="pic" sz="quarter" idx="12"/>
-          </p:nvPr>
-        </p:nvSpPr>
-        <p:spPr bwMode="gray"/>
-      </p:sp>
-      <p:sp>
-        <p:nvSpPr>
-          <p:cNvPr id="2" name="Title"/>
+          <a:p>
+            <a:pPr lvl="2"/>
+            <a:r>
+              <a:rPr lang="en-US"/>
+              <a:t>Third level</a:t>
+            </a:r>
+            <a:endParaRPr lang="en-US" dirty="0"/>
+          </a:p>
+        </p:txBody>
+      </p:sp>
+      <p:sp>
+        <p:nvSpPr>
+          <p:cNvPr id="7" name="Title"/>
           <p:cNvSpPr>
             <a:spLocks noGrp="1"/>
           </p:cNvSpPr>
@@ -11413,7 +11507,7 @@
     </p:spTree>
     <p:extLst>
       <p:ext uri="{BB962C8B-B14F-4D97-AF65-F5344CB8AC3E}">
-        <p14:creationId xmlns:p14="http://schemas.microsoft.com/office/powerpoint/2010/main" val="1175416068"/>
+        <p14:creationId xmlns:p14="http://schemas.microsoft.com/office/powerpoint/2010/main" val="854015491"/>
       </p:ext>
     </p:extLst>
   </p:cSld>
@@ -11442,6 +11536,485 @@
       </p:grpSpPr>
       <p:sp>
         <p:nvSpPr>
+          <p:cNvPr id="5" name="Text Placeholder column 3"/>
+          <p:cNvSpPr>
+            <a:spLocks noGrp="1"/>
+          </p:cNvSpPr>
+          <p:nvPr>
+            <p:ph type="body" sz="quarter" idx="13"/>
+          </p:nvPr>
+        </p:nvSpPr>
+        <p:spPr bwMode="gray"/>
+        <p:txBody>
+          <a:bodyPr/>
+          <a:lstStyle/>
+          <a:p>
+            <a:pPr lvl="0"/>
+            <a:r>
+              <a:rPr lang="en-US"/>
+              <a:t>First level</a:t>
+            </a:r>
+          </a:p>
+          <a:p>
+            <a:pPr lvl="1"/>
+            <a:r>
+              <a:rPr lang="en-US"/>
+              <a:t>Second level</a:t>
+            </a:r>
+          </a:p>
+          <a:p>
+            <a:pPr lvl="2"/>
+            <a:r>
+              <a:rPr lang="en-US"/>
+              <a:t>Third level</a:t>
+            </a:r>
+            <a:endParaRPr lang="en-US" dirty="0"/>
+          </a:p>
+        </p:txBody>
+      </p:sp>
+      <p:sp>
+        <p:nvSpPr>
+          <p:cNvPr id="4" name="Text Placeholder column 2"/>
+          <p:cNvSpPr>
+            <a:spLocks noGrp="1"/>
+          </p:cNvSpPr>
+          <p:nvPr>
+            <p:ph type="body" sz="quarter" idx="12"/>
+          </p:nvPr>
+        </p:nvSpPr>
+        <p:spPr bwMode="gray"/>
+        <p:txBody>
+          <a:bodyPr/>
+          <a:lstStyle/>
+          <a:p>
+            <a:pPr lvl="0"/>
+            <a:r>
+              <a:rPr lang="en-US"/>
+              <a:t>First level</a:t>
+            </a:r>
+          </a:p>
+          <a:p>
+            <a:pPr lvl="1"/>
+            <a:r>
+              <a:rPr lang="en-US"/>
+              <a:t>Second level</a:t>
+            </a:r>
+          </a:p>
+          <a:p>
+            <a:pPr lvl="2"/>
+            <a:r>
+              <a:rPr lang="en-US"/>
+              <a:t>Third level</a:t>
+            </a:r>
+            <a:endParaRPr lang="en-US" dirty="0"/>
+          </a:p>
+        </p:txBody>
+      </p:sp>
+      <p:sp>
+        <p:nvSpPr>
+          <p:cNvPr id="3" name="Text Placeholder column 1"/>
+          <p:cNvSpPr>
+            <a:spLocks noGrp="1"/>
+          </p:cNvSpPr>
+          <p:nvPr>
+            <p:ph type="body" sz="quarter" idx="10"/>
+          </p:nvPr>
+        </p:nvSpPr>
+        <p:spPr bwMode="gray"/>
+        <p:txBody>
+          <a:bodyPr/>
+          <a:lstStyle/>
+          <a:p>
+            <a:pPr lvl="0"/>
+            <a:r>
+              <a:rPr lang="en-US" dirty="0"/>
+              <a:t>First level</a:t>
+            </a:r>
+          </a:p>
+          <a:p>
+            <a:pPr lvl="1"/>
+            <a:r>
+              <a:rPr lang="en-US" dirty="0"/>
+              <a:t>Second level</a:t>
+            </a:r>
+          </a:p>
+          <a:p>
+            <a:pPr lvl="2"/>
+            <a:r>
+              <a:rPr lang="en-US" dirty="0"/>
+              <a:t>Third level</a:t>
+            </a:r>
+          </a:p>
+        </p:txBody>
+      </p:sp>
+      <p:sp>
+        <p:nvSpPr>
+          <p:cNvPr id="2" name="Title"/>
+          <p:cNvSpPr>
+            <a:spLocks noGrp="1"/>
+          </p:cNvSpPr>
+          <p:nvPr>
+            <p:ph type="title"/>
+          </p:nvPr>
+        </p:nvSpPr>
+        <p:spPr bwMode="gray"/>
+        <p:txBody>
+          <a:bodyPr/>
+          <a:lstStyle/>
+          <a:p>
+            <a:r>
+              <a:rPr lang="en-US" dirty="0"/>
+              <a:t>Insert page title (sentence case)</a:t>
+            </a:r>
+          </a:p>
+        </p:txBody>
+      </p:sp>
+    </p:spTree>
+    <p:extLst>
+      <p:ext uri="{BB962C8B-B14F-4D97-AF65-F5344CB8AC3E}">
+        <p14:creationId xmlns:p14="http://schemas.microsoft.com/office/powerpoint/2010/main" val="94846162"/>
+      </p:ext>
+    </p:extLst>
+  </p:cSld>
+  <p:clrMapOvr>
+    <a:masterClrMapping/>
+  </p:clrMapOvr>
+</p:sld>
+</file>
+
+<file path=ppt/slides/slide32.xml><?xml version="1.0" encoding="utf-8"?>
+<p:sld xmlns:a="http://schemas.openxmlformats.org/drawingml/2006/main" xmlns:r="http://schemas.openxmlformats.org/officeDocument/2006/relationships" xmlns:p="http://schemas.openxmlformats.org/presentationml/2006/main">
+  <p:cSld>
+    <p:spTree>
+      <p:nvGrpSpPr>
+        <p:cNvPr id="1" name=""/>
+        <p:cNvGrpSpPr/>
+        <p:nvPr/>
+      </p:nvGrpSpPr>
+      <p:grpSpPr>
+        <a:xfrm>
+          <a:off x="0" y="0"/>
+          <a:ext cx="0" cy="0"/>
+          <a:chOff x="0" y="0"/>
+          <a:chExt cx="0" cy="0"/>
+        </a:xfrm>
+      </p:grpSpPr>
+      <p:sp>
+        <p:nvSpPr>
+          <p:cNvPr id="10" name="Text Placeholder column 2"/>
+          <p:cNvSpPr>
+            <a:spLocks noGrp="1"/>
+          </p:cNvSpPr>
+          <p:nvPr>
+            <p:ph type="body" sz="quarter" idx="13"/>
+          </p:nvPr>
+        </p:nvSpPr>
+        <p:spPr bwMode="gray"/>
+        <p:txBody>
+          <a:bodyPr/>
+          <a:lstStyle/>
+          <a:p>
+            <a:pPr lvl="0"/>
+            <a:r>
+              <a:rPr lang="en-US" dirty="0"/>
+              <a:t>First level</a:t>
+            </a:r>
+          </a:p>
+          <a:p>
+            <a:pPr lvl="1"/>
+            <a:r>
+              <a:rPr lang="en-US" dirty="0"/>
+              <a:t>Second level</a:t>
+            </a:r>
+          </a:p>
+        </p:txBody>
+      </p:sp>
+      <p:sp>
+        <p:nvSpPr>
+          <p:cNvPr id="16" name="Picture Placeholder 2" descr="Image placeholder right" title="Image placeholder"/>
+          <p:cNvSpPr>
+            <a:spLocks noGrp="1"/>
+          </p:cNvSpPr>
+          <p:nvPr>
+            <p:ph type="pic" sz="quarter" idx="14"/>
+          </p:nvPr>
+        </p:nvSpPr>
+        <p:spPr bwMode="gray"/>
+      </p:sp>
+      <p:sp>
+        <p:nvSpPr>
+          <p:cNvPr id="3" name="Text Placeholder column 1"/>
+          <p:cNvSpPr>
+            <a:spLocks noGrp="1"/>
+          </p:cNvSpPr>
+          <p:nvPr>
+            <p:ph type="body" sz="quarter" idx="10"/>
+          </p:nvPr>
+        </p:nvSpPr>
+        <p:spPr bwMode="gray"/>
+        <p:txBody>
+          <a:bodyPr/>
+          <a:lstStyle/>
+          <a:p>
+            <a:pPr lvl="0"/>
+            <a:r>
+              <a:rPr lang="en-US" dirty="0"/>
+              <a:t>First level</a:t>
+            </a:r>
+          </a:p>
+          <a:p>
+            <a:pPr lvl="1"/>
+            <a:r>
+              <a:rPr lang="en-US" dirty="0"/>
+              <a:t>Second level</a:t>
+            </a:r>
+          </a:p>
+        </p:txBody>
+      </p:sp>
+      <p:sp>
+        <p:nvSpPr>
+          <p:cNvPr id="15" name="Picture Placeholder 1" descr="Image placeholder left" title="Image placeholde"/>
+          <p:cNvSpPr>
+            <a:spLocks noGrp="1"/>
+          </p:cNvSpPr>
+          <p:nvPr>
+            <p:ph type="pic" sz="quarter" idx="12"/>
+          </p:nvPr>
+        </p:nvSpPr>
+        <p:spPr bwMode="gray"/>
+      </p:sp>
+      <p:sp>
+        <p:nvSpPr>
+          <p:cNvPr id="8" name="Title"/>
+          <p:cNvSpPr>
+            <a:spLocks noGrp="1"/>
+          </p:cNvSpPr>
+          <p:nvPr>
+            <p:ph type="title"/>
+          </p:nvPr>
+        </p:nvSpPr>
+        <p:spPr bwMode="gray"/>
+        <p:txBody>
+          <a:bodyPr/>
+          <a:lstStyle/>
+          <a:p>
+            <a:r>
+              <a:rPr lang="en-US" dirty="0"/>
+              <a:t>Insert page title (sentence case)</a:t>
+            </a:r>
+          </a:p>
+        </p:txBody>
+      </p:sp>
+    </p:spTree>
+    <p:extLst>
+      <p:ext uri="{BB962C8B-B14F-4D97-AF65-F5344CB8AC3E}">
+        <p14:creationId xmlns:p14="http://schemas.microsoft.com/office/powerpoint/2010/main" val="1504049518"/>
+      </p:ext>
+    </p:extLst>
+  </p:cSld>
+  <p:clrMapOvr>
+    <a:masterClrMapping/>
+  </p:clrMapOvr>
+</p:sld>
+</file>
+
+<file path=ppt/slides/slide33.xml><?xml version="1.0" encoding="utf-8"?>
+<p:sld xmlns:a="http://schemas.openxmlformats.org/drawingml/2006/main" xmlns:r="http://schemas.openxmlformats.org/officeDocument/2006/relationships" xmlns:p="http://schemas.openxmlformats.org/presentationml/2006/main">
+  <p:cSld>
+    <p:spTree>
+      <p:nvGrpSpPr>
+        <p:cNvPr id="1" name=""/>
+        <p:cNvGrpSpPr/>
+        <p:nvPr/>
+      </p:nvGrpSpPr>
+      <p:grpSpPr>
+        <a:xfrm>
+          <a:off x="0" y="0"/>
+          <a:ext cx="0" cy="0"/>
+          <a:chOff x="0" y="0"/>
+          <a:chExt cx="0" cy="0"/>
+        </a:xfrm>
+      </p:grpSpPr>
+      <p:sp>
+        <p:nvSpPr>
+          <p:cNvPr id="12" name="Text Placeholder column 3"/>
+          <p:cNvSpPr>
+            <a:spLocks noGrp="1"/>
+          </p:cNvSpPr>
+          <p:nvPr>
+            <p:ph type="body" sz="quarter" idx="13"/>
+          </p:nvPr>
+        </p:nvSpPr>
+        <p:spPr bwMode="gray"/>
+        <p:txBody>
+          <a:bodyPr/>
+          <a:lstStyle/>
+          <a:p>
+            <a:pPr lvl="0"/>
+            <a:r>
+              <a:rPr lang="en-US" dirty="0"/>
+              <a:t>First level</a:t>
+            </a:r>
+          </a:p>
+          <a:p>
+            <a:pPr lvl="1"/>
+            <a:r>
+              <a:rPr lang="en-US" dirty="0"/>
+              <a:t>Second level</a:t>
+            </a:r>
+          </a:p>
+        </p:txBody>
+      </p:sp>
+      <p:sp>
+        <p:nvSpPr>
+          <p:cNvPr id="13" name="Picture Placeholder 3" descr="Image placeholder 3/3" title="Image placeholder 3/3"/>
+          <p:cNvSpPr>
+            <a:spLocks noGrp="1"/>
+          </p:cNvSpPr>
+          <p:nvPr>
+            <p:ph type="pic" sz="quarter" idx="14"/>
+          </p:nvPr>
+        </p:nvSpPr>
+        <p:spPr bwMode="gray"/>
+      </p:sp>
+      <p:sp>
+        <p:nvSpPr>
+          <p:cNvPr id="14" name="Text Placeholder column 2"/>
+          <p:cNvSpPr>
+            <a:spLocks noGrp="1"/>
+          </p:cNvSpPr>
+          <p:nvPr>
+            <p:ph type="body" sz="quarter" idx="15"/>
+          </p:nvPr>
+        </p:nvSpPr>
+        <p:spPr bwMode="gray"/>
+        <p:txBody>
+          <a:bodyPr/>
+          <a:lstStyle/>
+          <a:p>
+            <a:pPr lvl="0"/>
+            <a:r>
+              <a:rPr lang="en-US" dirty="0"/>
+              <a:t>First level</a:t>
+            </a:r>
+          </a:p>
+          <a:p>
+            <a:pPr lvl="1"/>
+            <a:r>
+              <a:rPr lang="en-US" dirty="0"/>
+              <a:t>Second level</a:t>
+            </a:r>
+          </a:p>
+        </p:txBody>
+      </p:sp>
+      <p:sp>
+        <p:nvSpPr>
+          <p:cNvPr id="15" name="Picture Placeholder 2" descr="Image placeholder 2/3" title="Image placeholder 2/3"/>
+          <p:cNvSpPr>
+            <a:spLocks noGrp="1"/>
+          </p:cNvSpPr>
+          <p:nvPr>
+            <p:ph type="pic" sz="quarter" idx="16"/>
+          </p:nvPr>
+        </p:nvSpPr>
+        <p:spPr bwMode="gray"/>
+      </p:sp>
+      <p:sp>
+        <p:nvSpPr>
+          <p:cNvPr id="10" name="Text Placeholder column 1"/>
+          <p:cNvSpPr>
+            <a:spLocks noGrp="1"/>
+          </p:cNvSpPr>
+          <p:nvPr>
+            <p:ph type="body" sz="quarter" idx="10"/>
+          </p:nvPr>
+        </p:nvSpPr>
+        <p:spPr bwMode="gray"/>
+        <p:txBody>
+          <a:bodyPr/>
+          <a:lstStyle/>
+          <a:p>
+            <a:pPr lvl="0"/>
+            <a:r>
+              <a:rPr lang="en-US" dirty="0"/>
+              <a:t>First level</a:t>
+            </a:r>
+          </a:p>
+          <a:p>
+            <a:pPr lvl="1"/>
+            <a:r>
+              <a:rPr lang="en-US" dirty="0"/>
+              <a:t>Second level</a:t>
+            </a:r>
+          </a:p>
+        </p:txBody>
+      </p:sp>
+      <p:sp>
+        <p:nvSpPr>
+          <p:cNvPr id="11" name="Picture Placeholder 1" descr="Image placeholder 1/3" title="Image placeholder 1/3"/>
+          <p:cNvSpPr>
+            <a:spLocks noGrp="1"/>
+          </p:cNvSpPr>
+          <p:nvPr>
+            <p:ph type="pic" sz="quarter" idx="12"/>
+          </p:nvPr>
+        </p:nvSpPr>
+        <p:spPr bwMode="gray"/>
+      </p:sp>
+      <p:sp>
+        <p:nvSpPr>
+          <p:cNvPr id="2" name="Title"/>
+          <p:cNvSpPr>
+            <a:spLocks noGrp="1"/>
+          </p:cNvSpPr>
+          <p:nvPr>
+            <p:ph type="title"/>
+          </p:nvPr>
+        </p:nvSpPr>
+        <p:spPr bwMode="gray"/>
+        <p:txBody>
+          <a:bodyPr/>
+          <a:lstStyle/>
+          <a:p>
+            <a:r>
+              <a:rPr lang="en-US" dirty="0"/>
+              <a:t>Insert page title (sentence case)</a:t>
+            </a:r>
+          </a:p>
+        </p:txBody>
+      </p:sp>
+    </p:spTree>
+    <p:extLst>
+      <p:ext uri="{BB962C8B-B14F-4D97-AF65-F5344CB8AC3E}">
+        <p14:creationId xmlns:p14="http://schemas.microsoft.com/office/powerpoint/2010/main" val="1175416068"/>
+      </p:ext>
+    </p:extLst>
+  </p:cSld>
+  <p:clrMapOvr>
+    <a:masterClrMapping/>
+  </p:clrMapOvr>
+</p:sld>
+</file>
+
+<file path=ppt/slides/slide34.xml><?xml version="1.0" encoding="utf-8"?>
+<p:sld xmlns:a="http://schemas.openxmlformats.org/drawingml/2006/main" xmlns:r="http://schemas.openxmlformats.org/officeDocument/2006/relationships" xmlns:p="http://schemas.openxmlformats.org/presentationml/2006/main">
+  <p:cSld>
+    <p:spTree>
+      <p:nvGrpSpPr>
+        <p:cNvPr id="1" name=""/>
+        <p:cNvGrpSpPr/>
+        <p:nvPr/>
+      </p:nvGrpSpPr>
+      <p:grpSpPr>
+        <a:xfrm>
+          <a:off x="0" y="0"/>
+          <a:ext cx="0" cy="0"/>
+          <a:chOff x="0" y="0"/>
+          <a:chExt cx="0" cy="0"/>
+        </a:xfrm>
+      </p:grpSpPr>
+      <p:sp>
+        <p:nvSpPr>
           <p:cNvPr id="4" name="Placeholder Partner logo"/>
           <p:cNvSpPr/>
           <p:nvPr/>
@@ -11583,7 +12156,7 @@
 </p:sld>
 </file>
 
-<file path=ppt/slides/slide32.xml><?xml version="1.0" encoding="utf-8"?>
+<file path=ppt/slides/slide35.xml><?xml version="1.0" encoding="utf-8"?>
 <p:sld xmlns:a="http://schemas.openxmlformats.org/drawingml/2006/main" xmlns:r="http://schemas.openxmlformats.org/officeDocument/2006/relationships" xmlns:p="http://schemas.openxmlformats.org/presentationml/2006/main" show="0">
   <p:cSld>
     <p:spTree>
@@ -11609,7 +12182,7 @@
 </p:sld>
 </file>
 
-<file path=ppt/slides/slide33.xml><?xml version="1.0" encoding="utf-8"?>
+<file path=ppt/slides/slide36.xml><?xml version="1.0" encoding="utf-8"?>
 <p:sld xmlns:a="http://schemas.openxmlformats.org/drawingml/2006/main" xmlns:r="http://schemas.openxmlformats.org/officeDocument/2006/relationships" xmlns:p="http://schemas.openxmlformats.org/presentationml/2006/main" show="0">
   <p:cSld>
     <p:spTree>
@@ -14495,29 +15068,43 @@
             <p:ph type="body" sz="quarter" idx="10"/>
           </p:nvPr>
         </p:nvSpPr>
-        <p:spPr bwMode="gray"/>
+        <p:spPr bwMode="gray">
+          <a:xfrm>
+            <a:off x="790398" y="2545976"/>
+            <a:ext cx="3073390" cy="2021558"/>
+          </a:xfrm>
+        </p:spPr>
         <p:txBody>
           <a:bodyPr/>
           <a:lstStyle/>
           <a:p>
-            <a:pPr lvl="0"/>
-            <a:r>
-              <a:rPr lang="en-US" dirty="0"/>
-              <a:t>First level</a:t>
-            </a:r>
-          </a:p>
-          <a:p>
-            <a:pPr lvl="1"/>
-            <a:r>
-              <a:rPr lang="en-US" dirty="0"/>
-              <a:t>Second level</a:t>
-            </a:r>
-          </a:p>
-          <a:p>
-            <a:pPr lvl="2"/>
-            <a:r>
-              <a:rPr lang="en-US" dirty="0"/>
-              <a:t>Third level</a:t>
+            <a:pPr marL="342900" lvl="0" indent="-342900">
+              <a:buFont typeface="Wingdings" panose="05000000000000000000" pitchFamily="2" charset="2"/>
+              <a:buChar char="n"/>
+            </a:pPr>
+            <a:r>
+              <a:rPr lang="en-US" dirty="0"/>
+              <a:t>Creating data</a:t>
+            </a:r>
+          </a:p>
+          <a:p>
+            <a:pPr marL="342900" lvl="0" indent="-342900">
+              <a:buFont typeface="Wingdings" panose="05000000000000000000" pitchFamily="2" charset="2"/>
+              <a:buChar char="n"/>
+            </a:pPr>
+            <a:r>
+              <a:rPr lang="en-US" dirty="0"/>
+              <a:t>Matching patterns</a:t>
+            </a:r>
+          </a:p>
+          <a:p>
+            <a:pPr marL="342900" lvl="0" indent="-342900">
+              <a:buFont typeface="Wingdings" panose="05000000000000000000" pitchFamily="2" charset="2"/>
+              <a:buChar char="n"/>
+            </a:pPr>
+            <a:r>
+              <a:rPr lang="en-US" dirty="0"/>
+              <a:t>Attaching structures</a:t>
             </a:r>
           </a:p>
         </p:txBody>
@@ -14535,7 +15122,7 @@
         <p:spPr bwMode="gray">
           <a:xfrm>
             <a:off x="504001" y="504000"/>
-            <a:ext cx="11186476" cy="646331"/>
+            <a:ext cx="11186476" cy="369332"/>
           </a:xfrm>
         </p:spPr>
         <p:txBody>
@@ -14543,20 +15130,238 @@
           <a:lstStyle/>
           <a:p>
             <a:r>
-              <a:rPr lang="en-US" dirty="0"/>
-              <a:t>Insert page title (sentence case)</a:t>
-            </a:r>
-            <a:br>
-              <a:rPr lang="en-US" dirty="0"/>
-            </a:br>
-            <a:r>
-              <a:rPr lang="en-US" sz="1800" b="0" dirty="0" err="1"/>
-              <a:t>Subheadline</a:t>
+              <a:rPr lang="en-US" altLang="zh-CN" dirty="0"/>
+              <a:t>Patterns in practice</a:t>
             </a:r>
             <a:endParaRPr lang="en-US" b="0" dirty="0"/>
           </a:p>
         </p:txBody>
       </p:sp>
+      <p:pic>
+        <p:nvPicPr>
+          <p:cNvPr id="2" name="图片 1">
+            <a:extLst>
+              <a:ext uri="{FF2B5EF4-FFF2-40B4-BE49-F238E27FC236}">
+                <a16:creationId xmlns:a16="http://schemas.microsoft.com/office/drawing/2014/main" id="{C13169AF-38A3-42AD-A1D4-AA37A0305321}"/>
+              </a:ext>
+            </a:extLst>
+          </p:cNvPr>
+          <p:cNvPicPr>
+            <a:picLocks noChangeAspect="1"/>
+          </p:cNvPicPr>
+          <p:nvPr/>
+        </p:nvPicPr>
+        <p:blipFill>
+          <a:blip r:embed="rId2"/>
+          <a:stretch>
+            <a:fillRect/>
+          </a:stretch>
+        </p:blipFill>
+        <p:spPr>
+          <a:xfrm>
+            <a:off x="5979459" y="1122257"/>
+            <a:ext cx="5946575" cy="483749"/>
+          </a:xfrm>
+          <a:prstGeom prst="rect">
+            <a:avLst/>
+          </a:prstGeom>
+        </p:spPr>
+      </p:pic>
+      <p:pic>
+        <p:nvPicPr>
+          <p:cNvPr id="5" name="图片 4">
+            <a:extLst>
+              <a:ext uri="{FF2B5EF4-FFF2-40B4-BE49-F238E27FC236}">
+                <a16:creationId xmlns:a16="http://schemas.microsoft.com/office/drawing/2014/main" id="{90F26A60-1E33-43CA-9E80-D30F1CF0B9BC}"/>
+              </a:ext>
+            </a:extLst>
+          </p:cNvPr>
+          <p:cNvPicPr>
+            <a:picLocks noChangeAspect="1"/>
+          </p:cNvPicPr>
+          <p:nvPr/>
+        </p:nvPicPr>
+        <p:blipFill>
+          <a:blip r:embed="rId3"/>
+          <a:stretch>
+            <a:fillRect/>
+          </a:stretch>
+        </p:blipFill>
+        <p:spPr>
+          <a:xfrm>
+            <a:off x="6097588" y="2131539"/>
+            <a:ext cx="6014079" cy="2209440"/>
+          </a:xfrm>
+          <a:prstGeom prst="rect">
+            <a:avLst/>
+          </a:prstGeom>
+        </p:spPr>
+      </p:pic>
+      <p:pic>
+        <p:nvPicPr>
+          <p:cNvPr id="6" name="图片 5">
+            <a:extLst>
+              <a:ext uri="{FF2B5EF4-FFF2-40B4-BE49-F238E27FC236}">
+                <a16:creationId xmlns:a16="http://schemas.microsoft.com/office/drawing/2014/main" id="{D01F17FB-9512-446E-9B3F-C503DCC5873E}"/>
+              </a:ext>
+            </a:extLst>
+          </p:cNvPr>
+          <p:cNvPicPr>
+            <a:picLocks noChangeAspect="1"/>
+          </p:cNvPicPr>
+          <p:nvPr/>
+        </p:nvPicPr>
+        <p:blipFill>
+          <a:blip r:embed="rId4"/>
+          <a:stretch>
+            <a:fillRect/>
+          </a:stretch>
+        </p:blipFill>
+        <p:spPr>
+          <a:xfrm>
+            <a:off x="6097588" y="5015743"/>
+            <a:ext cx="6113179" cy="1064593"/>
+          </a:xfrm>
+          <a:prstGeom prst="rect">
+            <a:avLst/>
+          </a:prstGeom>
+        </p:spPr>
+      </p:pic>
+      <p:cxnSp>
+        <p:nvCxnSpPr>
+          <p:cNvPr id="9" name="直接箭头连接符 8">
+            <a:extLst>
+              <a:ext uri="{FF2B5EF4-FFF2-40B4-BE49-F238E27FC236}">
+                <a16:creationId xmlns:a16="http://schemas.microsoft.com/office/drawing/2014/main" id="{2BEA1A60-955A-4F7A-8E17-0CB6EF6937AE}"/>
+              </a:ext>
+            </a:extLst>
+          </p:cNvPr>
+          <p:cNvCxnSpPr>
+            <a:cxnSpLocks/>
+          </p:cNvCxnSpPr>
+          <p:nvPr/>
+        </p:nvCxnSpPr>
+        <p:spPr>
+          <a:xfrm flipV="1">
+            <a:off x="3118129" y="1364131"/>
+            <a:ext cx="2798577" cy="1337134"/>
+          </a:xfrm>
+          <a:prstGeom prst="straightConnector1">
+            <a:avLst/>
+          </a:prstGeom>
+          <a:ln w="25400">
+            <a:solidFill>
+              <a:schemeClr val="tx1"/>
+            </a:solidFill>
+            <a:headEnd type="none" w="med" len="med"/>
+            <a:tailEnd type="triangle"/>
+          </a:ln>
+        </p:spPr>
+        <p:style>
+          <a:lnRef idx="1">
+            <a:schemeClr val="accent1"/>
+          </a:lnRef>
+          <a:fillRef idx="0">
+            <a:schemeClr val="accent1"/>
+          </a:fillRef>
+          <a:effectRef idx="0">
+            <a:schemeClr val="accent1"/>
+          </a:effectRef>
+          <a:fontRef idx="minor">
+            <a:schemeClr val="tx1"/>
+          </a:fontRef>
+        </p:style>
+      </p:cxnSp>
+      <p:cxnSp>
+        <p:nvCxnSpPr>
+          <p:cNvPr id="12" name="直接箭头连接符 11">
+            <a:extLst>
+              <a:ext uri="{FF2B5EF4-FFF2-40B4-BE49-F238E27FC236}">
+                <a16:creationId xmlns:a16="http://schemas.microsoft.com/office/drawing/2014/main" id="{FE7AD16F-5802-479B-9EBE-A14D6EF980AA}"/>
+              </a:ext>
+            </a:extLst>
+          </p:cNvPr>
+          <p:cNvCxnSpPr>
+            <a:cxnSpLocks/>
+          </p:cNvCxnSpPr>
+          <p:nvPr/>
+        </p:nvCxnSpPr>
+        <p:spPr>
+          <a:xfrm>
+            <a:off x="3639671" y="3236259"/>
+            <a:ext cx="2277035" cy="0"/>
+          </a:xfrm>
+          <a:prstGeom prst="straightConnector1">
+            <a:avLst/>
+          </a:prstGeom>
+          <a:ln w="25400">
+            <a:solidFill>
+              <a:schemeClr val="tx1"/>
+            </a:solidFill>
+            <a:headEnd type="none" w="med" len="med"/>
+            <a:tailEnd type="triangle"/>
+          </a:ln>
+        </p:spPr>
+        <p:style>
+          <a:lnRef idx="1">
+            <a:schemeClr val="accent1"/>
+          </a:lnRef>
+          <a:fillRef idx="0">
+            <a:schemeClr val="accent1"/>
+          </a:fillRef>
+          <a:effectRef idx="0">
+            <a:schemeClr val="accent1"/>
+          </a:effectRef>
+          <a:fontRef idx="minor">
+            <a:schemeClr val="tx1"/>
+          </a:fontRef>
+        </p:style>
+      </p:cxnSp>
+      <p:cxnSp>
+        <p:nvCxnSpPr>
+          <p:cNvPr id="14" name="直接箭头连接符 13">
+            <a:extLst>
+              <a:ext uri="{FF2B5EF4-FFF2-40B4-BE49-F238E27FC236}">
+                <a16:creationId xmlns:a16="http://schemas.microsoft.com/office/drawing/2014/main" id="{A61E4D46-726D-495D-A971-C3BA14615BD1}"/>
+              </a:ext>
+            </a:extLst>
+          </p:cNvPr>
+          <p:cNvCxnSpPr>
+            <a:cxnSpLocks/>
+          </p:cNvCxnSpPr>
+          <p:nvPr/>
+        </p:nvCxnSpPr>
+        <p:spPr>
+          <a:xfrm>
+            <a:off x="3639671" y="3944471"/>
+            <a:ext cx="2339788" cy="1603568"/>
+          </a:xfrm>
+          <a:prstGeom prst="straightConnector1">
+            <a:avLst/>
+          </a:prstGeom>
+          <a:ln w="25400">
+            <a:solidFill>
+              <a:schemeClr val="tx1"/>
+            </a:solidFill>
+            <a:headEnd type="none" w="med" len="med"/>
+            <a:tailEnd type="triangle"/>
+          </a:ln>
+        </p:spPr>
+        <p:style>
+          <a:lnRef idx="1">
+            <a:schemeClr val="accent1"/>
+          </a:lnRef>
+          <a:fillRef idx="0">
+            <a:schemeClr val="accent1"/>
+          </a:fillRef>
+          <a:effectRef idx="0">
+            <a:schemeClr val="accent1"/>
+          </a:effectRef>
+          <a:fontRef idx="minor">
+            <a:schemeClr val="tx1"/>
+          </a:fontRef>
+        </p:style>
+      </p:cxnSp>
     </p:spTree>
     <p:extLst>
       <p:ext uri="{BB962C8B-B14F-4D97-AF65-F5344CB8AC3E}">

--- a/NoSQL/The_Survey_On_Neo4j.pptx
+++ b/NoSQL/The_Survey_On_Neo4j.pptx
@@ -6,10 +6,10 @@
     <p:sldMasterId id="2147483782" r:id="rId5"/>
   </p:sldMasterIdLst>
   <p:notesMasterIdLst>
-    <p:notesMasterId r:id="rId42"/>
+    <p:notesMasterId r:id="rId24"/>
   </p:notesMasterIdLst>
   <p:handoutMasterIdLst>
-    <p:handoutMasterId r:id="rId43"/>
+    <p:handoutMasterId r:id="rId25"/>
   </p:handoutMasterIdLst>
   <p:sldIdLst>
     <p:sldId id="439" r:id="rId6"/>
@@ -22,32 +22,14 @@
     <p:sldId id="457" r:id="rId13"/>
     <p:sldId id="458" r:id="rId14"/>
     <p:sldId id="451" r:id="rId15"/>
-    <p:sldId id="471" r:id="rId16"/>
-    <p:sldId id="472" r:id="rId17"/>
-    <p:sldId id="473" r:id="rId18"/>
-    <p:sldId id="474" r:id="rId19"/>
+    <p:sldId id="476" r:id="rId16"/>
+    <p:sldId id="478" r:id="rId17"/>
+    <p:sldId id="477" r:id="rId18"/>
+    <p:sldId id="479" r:id="rId19"/>
     <p:sldId id="452" r:id="rId20"/>
     <p:sldId id="468" r:id="rId21"/>
     <p:sldId id="469" r:id="rId22"/>
     <p:sldId id="470" r:id="rId23"/>
-    <p:sldId id="429" r:id="rId24"/>
-    <p:sldId id="364" r:id="rId25"/>
-    <p:sldId id="448" r:id="rId26"/>
-    <p:sldId id="382" r:id="rId27"/>
-    <p:sldId id="441" r:id="rId28"/>
-    <p:sldId id="449" r:id="rId29"/>
-    <p:sldId id="374" r:id="rId30"/>
-    <p:sldId id="445" r:id="rId31"/>
-    <p:sldId id="380" r:id="rId32"/>
-    <p:sldId id="379" r:id="rId33"/>
-    <p:sldId id="423" r:id="rId34"/>
-    <p:sldId id="387" r:id="rId35"/>
-    <p:sldId id="390" r:id="rId36"/>
-    <p:sldId id="420" r:id="rId37"/>
-    <p:sldId id="421" r:id="rId38"/>
-    <p:sldId id="413" r:id="rId39"/>
-    <p:sldId id="265" r:id="rId40"/>
-    <p:sldId id="435" r:id="rId41"/>
   </p:sldIdLst>
   <p:sldSz cx="12195175" cy="6858000"/>
   <p:notesSz cx="6858000" cy="9144000"/>
@@ -744,98 +726,6 @@
               <a:rPr lang="de-DE" smtClean="0"/>
               <a:pPr/>
               <a:t>18</a:t>
-            </a:fld>
-            <a:endParaRPr lang="de-DE" dirty="0"/>
-          </a:p>
-        </p:txBody>
-      </p:sp>
-      <p:sp>
-        <p:nvSpPr>
-          <p:cNvPr id="6" name="Slide Image Placeholder 5"/>
-          <p:cNvSpPr>
-            <a:spLocks noGrp="1" noRot="1" noChangeAspect="1"/>
-          </p:cNvSpPr>
-          <p:nvPr>
-            <p:ph type="sldImg"/>
-          </p:nvPr>
-        </p:nvSpPr>
-        <p:spPr>
-          <a:xfrm>
-            <a:off x="547688" y="612775"/>
-            <a:ext cx="5762625" cy="3241675"/>
-          </a:xfrm>
-        </p:spPr>
-      </p:sp>
-      <p:sp>
-        <p:nvSpPr>
-          <p:cNvPr id="7" name="Notes Placeholder 6"/>
-          <p:cNvSpPr>
-            <a:spLocks noGrp="1"/>
-          </p:cNvSpPr>
-          <p:nvPr>
-            <p:ph type="body" idx="1"/>
-          </p:nvPr>
-        </p:nvSpPr>
-        <p:spPr/>
-        <p:txBody>
-          <a:bodyPr>
-            <a:normAutofit/>
-          </a:bodyPr>
-          <a:lstStyle/>
-          <a:p>
-            <a:endParaRPr lang="en-US"/>
-          </a:p>
-        </p:txBody>
-      </p:sp>
-    </p:spTree>
-    <p:extLst>
-      <p:ext uri="{BB962C8B-B14F-4D97-AF65-F5344CB8AC3E}">
-        <p14:creationId xmlns:p14="http://schemas.microsoft.com/office/powerpoint/2010/main" val="2544264309"/>
-      </p:ext>
-    </p:extLst>
-  </p:cSld>
-  <p:clrMapOvr>
-    <a:masterClrMapping/>
-  </p:clrMapOvr>
-</p:notes>
-</file>
-
-<file path=ppt/notesSlides/notesSlide4.xml><?xml version="1.0" encoding="utf-8"?>
-<p:notes xmlns:a="http://schemas.openxmlformats.org/drawingml/2006/main" xmlns:r="http://schemas.openxmlformats.org/officeDocument/2006/relationships" xmlns:p="http://schemas.openxmlformats.org/presentationml/2006/main">
-  <p:cSld>
-    <p:spTree>
-      <p:nvGrpSpPr>
-        <p:cNvPr id="1" name=""/>
-        <p:cNvGrpSpPr/>
-        <p:nvPr/>
-      </p:nvGrpSpPr>
-      <p:grpSpPr>
-        <a:xfrm>
-          <a:off x="0" y="0"/>
-          <a:ext cx="0" cy="0"/>
-          <a:chOff x="0" y="0"/>
-          <a:chExt cx="0" cy="0"/>
-        </a:xfrm>
-      </p:grpSpPr>
-      <p:sp>
-        <p:nvSpPr>
-          <p:cNvPr id="4" name="Slide Number Placeholder 3"/>
-          <p:cNvSpPr>
-            <a:spLocks noGrp="1"/>
-          </p:cNvSpPr>
-          <p:nvPr>
-            <p:ph type="sldNum" sz="quarter" idx="10"/>
-          </p:nvPr>
-        </p:nvSpPr>
-        <p:spPr/>
-        <p:txBody>
-          <a:bodyPr/>
-          <a:lstStyle/>
-          <a:p>
-            <a:fld id="{7D8C2C35-2B8A-446E-BEC0-FD36716C29AC}" type="slidenum">
-              <a:rPr lang="de-DE" smtClean="0"/>
-              <a:pPr/>
-              <a:t>35</a:t>
             </a:fld>
             <a:endParaRPr lang="de-DE" dirty="0"/>
           </a:p>
@@ -8837,8 +8727,12 @@
           <a:lstStyle/>
           <a:p>
             <a:r>
+              <a:rPr lang="en-US" altLang="zh-CN" dirty="0"/>
+              <a:t>Techniques of</a:t>
+            </a:r>
+            <a:r>
               <a:rPr lang="en-US" dirty="0"/>
-              <a:t>Divider </a:t>
+              <a:t> </a:t>
             </a:r>
             <a:r>
               <a:rPr lang="en-US" dirty="0">
@@ -8846,7 +8740,7 @@
                   <a:schemeClr val="accent1"/>
                 </a:solidFill>
               </a:rPr>
-              <a:t>page</a:t>
+              <a:t>Neo4j</a:t>
             </a:r>
             <a:endParaRPr lang="en-US" dirty="0"/>
           </a:p>
@@ -8914,7 +8808,7 @@
         <p:spPr bwMode="gray">
           <a:xfrm>
             <a:off x="504001" y="504000"/>
-            <a:ext cx="11186476" cy="369332"/>
+            <a:ext cx="11186476" cy="646331"/>
           </a:xfrm>
         </p:spPr>
         <p:txBody>
@@ -8922,8 +8816,15 @@
           <a:lstStyle/>
           <a:p>
             <a:r>
-              <a:rPr lang="en-US" altLang="zh-CN" dirty="0" err="1"/>
-              <a:t>OpenTSDB</a:t>
+              <a:rPr lang="en-US" dirty="0"/>
+              <a:t>Data Model</a:t>
+            </a:r>
+            <a:br>
+              <a:rPr lang="en-US" dirty="0"/>
+            </a:br>
+            <a:r>
+              <a:rPr lang="en-US" sz="1800" b="0" dirty="0"/>
+              <a:t>Neo4j Property Graph Data model</a:t>
             </a:r>
             <a:endParaRPr lang="en-US" b="0" dirty="0"/>
           </a:p>
@@ -8931,10 +8832,10 @@
       </p:sp>
       <p:sp>
         <p:nvSpPr>
-          <p:cNvPr id="3" name="文本框 2">
+          <p:cNvPr id="2" name="文本框 1">
             <a:extLst>
               <a:ext uri="{FF2B5EF4-FFF2-40B4-BE49-F238E27FC236}">
-                <a16:creationId xmlns:a16="http://schemas.microsoft.com/office/drawing/2014/main" id="{1FF6A478-A8DF-44DB-A4F6-3F2E65817EC4}"/>
+                <a16:creationId xmlns:a16="http://schemas.microsoft.com/office/drawing/2014/main" id="{640545E5-D100-480F-AF30-D534D61EA01F}"/>
               </a:ext>
             </a:extLst>
           </p:cNvPr>
@@ -8943,8 +8844,8 @@
         </p:nvSpPr>
         <p:spPr>
           <a:xfrm>
-            <a:off x="636121" y="1493979"/>
-            <a:ext cx="10711782" cy="4016484"/>
+            <a:off x="644859" y="2061411"/>
+            <a:ext cx="11046315" cy="3262432"/>
           </a:xfrm>
           <a:prstGeom prst="rect">
             <a:avLst/>
@@ -8972,16 +8873,15 @@
               <a:buChar char="n"/>
             </a:pPr>
             <a:r>
-              <a:rPr lang="en-US" altLang="zh-CN" sz="1800" b="1" dirty="0" err="1"/>
-              <a:t>OpenTSDB</a:t>
-            </a:r>
-            <a:endParaRPr lang="en-US" altLang="zh-CN" sz="1800" b="1" kern="0" dirty="0">
-              <a:ea typeface="Arial Unicode MS" pitchFamily="34" charset="-128"/>
-              <a:cs typeface="Arial Unicode MS" pitchFamily="34" charset="-128"/>
-            </a:endParaRPr>
-          </a:p>
-          <a:p>
-            <a:pPr marL="830138" lvl="1" indent="-285750" fontAlgn="base">
+              <a:rPr lang="en-US" altLang="zh-CN" sz="2000" kern="0" dirty="0">
+                <a:ea typeface="Arial Unicode MS" pitchFamily="34" charset="-128"/>
+                <a:cs typeface="Arial Unicode MS" pitchFamily="34" charset="-128"/>
+              </a:rPr>
+              <a:t>Neo4j Graph Database follows the property graph model to store and manage its data.</a:t>
+            </a:r>
+          </a:p>
+          <a:p>
+            <a:pPr marL="285750" indent="-285750" fontAlgn="base">
               <a:spcBef>
                 <a:spcPct val="50000"/>
               </a:spcBef>
@@ -8996,11 +8896,11 @@
               <a:buChar char="n"/>
             </a:pPr>
             <a:r>
-              <a:rPr lang="en-US" altLang="zh-CN" sz="1800" kern="0" dirty="0">
+              <a:rPr lang="en-US" altLang="zh-CN" sz="2000" kern="0" dirty="0">
                 <a:ea typeface="Arial Unicode MS" pitchFamily="34" charset="-128"/>
                 <a:cs typeface="Arial Unicode MS" pitchFamily="34" charset="-128"/>
               </a:rPr>
-              <a:t>a distributed Time Series Database (TSDB) based on HBase. </a:t>
+              <a:t>Following are the key features of property graph model:</a:t>
             </a:r>
           </a:p>
           <a:p>
@@ -9023,35 +8923,7 @@
                 <a:ea typeface="Arial Unicode MS" pitchFamily="34" charset="-128"/>
                 <a:cs typeface="Arial Unicode MS" pitchFamily="34" charset="-128"/>
               </a:rPr>
-              <a:t>written by Benoit </a:t>
-            </a:r>
-            <a:r>
-              <a:rPr lang="en-US" altLang="zh-CN" sz="1800" kern="0" dirty="0" err="1">
-                <a:ea typeface="Arial Unicode MS" pitchFamily="34" charset="-128"/>
-                <a:cs typeface="Arial Unicode MS" pitchFamily="34" charset="-128"/>
-              </a:rPr>
-              <a:t>Sigoure</a:t>
-            </a:r>
-            <a:r>
-              <a:rPr lang="en-US" altLang="zh-CN" sz="1800" kern="0" dirty="0">
-                <a:ea typeface="Arial Unicode MS" pitchFamily="34" charset="-128"/>
-                <a:cs typeface="Arial Unicode MS" pitchFamily="34" charset="-128"/>
-              </a:rPr>
-              <a:t> to </a:t>
-            </a:r>
-            <a:r>
-              <a:rPr lang="en-US" altLang="zh-CN" sz="1800" b="1" kern="0" dirty="0">
-                <a:ea typeface="Arial Unicode MS" pitchFamily="34" charset="-128"/>
-                <a:cs typeface="Arial Unicode MS" pitchFamily="34" charset="-128"/>
-              </a:rPr>
-              <a:t>collect, store and display metrics of various computer systems </a:t>
-            </a:r>
-            <a:r>
-              <a:rPr lang="en-US" altLang="zh-CN" sz="1800" kern="0" dirty="0">
-                <a:ea typeface="Arial Unicode MS" pitchFamily="34" charset="-128"/>
-                <a:cs typeface="Arial Unicode MS" pitchFamily="34" charset="-128"/>
-              </a:rPr>
-              <a:t>(network gears, operating systems, applications), and generate readable data graphs easily. </a:t>
+              <a:t>The model represents data in Nodes, relationships and Properties.</a:t>
             </a:r>
           </a:p>
           <a:p>
@@ -9074,7 +8946,7 @@
                 <a:ea typeface="Arial Unicode MS" pitchFamily="34" charset="-128"/>
                 <a:cs typeface="Arial Unicode MS" pitchFamily="34" charset="-128"/>
               </a:rPr>
-              <a:t>the first open-source monitoring system built on an open-source distributed database.</a:t>
+              <a:t>Properties are key-value pairs</a:t>
             </a:r>
           </a:p>
           <a:p>
@@ -9097,11 +8969,11 @@
                 <a:ea typeface="Arial Unicode MS" pitchFamily="34" charset="-128"/>
                 <a:cs typeface="Arial Unicode MS" pitchFamily="34" charset="-128"/>
               </a:rPr>
-              <a:t>written in Java.</a:t>
-            </a:r>
-          </a:p>
-          <a:p>
-            <a:pPr marL="285750" indent="-285750" fontAlgn="base">
+              <a:t>Relationships  have directions: Unidirectional and Bidirectional</a:t>
+            </a:r>
+          </a:p>
+          <a:p>
+            <a:pPr marL="830138" lvl="1" indent="-285750" fontAlgn="base">
               <a:spcBef>
                 <a:spcPct val="50000"/>
               </a:spcBef>
@@ -9116,11 +8988,11 @@
               <a:buChar char="n"/>
             </a:pPr>
             <a:r>
-              <a:rPr lang="en-US" altLang="zh-CN" sz="1800" b="1" kern="0" dirty="0">
+              <a:rPr lang="en-US" altLang="zh-CN" sz="1800" kern="0" dirty="0">
                 <a:ea typeface="Arial Unicode MS" pitchFamily="34" charset="-128"/>
                 <a:cs typeface="Arial Unicode MS" pitchFamily="34" charset="-128"/>
               </a:rPr>
-              <a:t>History</a:t>
+              <a:t>Each Relationship contains “Start Node” and “To Node”.</a:t>
             </a:r>
           </a:p>
           <a:p>
@@ -9139,22 +9011,15 @@
               <a:buChar char="n"/>
             </a:pPr>
             <a:r>
-              <a:rPr lang="en-US" altLang="zh-CN" sz="1800" kern="0" dirty="0" err="1">
-                <a:ea typeface="Arial Unicode MS" pitchFamily="34" charset="-128"/>
-                <a:cs typeface="Arial Unicode MS" pitchFamily="34" charset="-128"/>
-              </a:rPr>
-              <a:t>OpenTSDB</a:t>
-            </a:r>
-            <a:r>
               <a:rPr lang="en-US" altLang="zh-CN" sz="1800" kern="0" dirty="0">
                 <a:ea typeface="Arial Unicode MS" pitchFamily="34" charset="-128"/>
                 <a:cs typeface="Arial Unicode MS" pitchFamily="34" charset="-128"/>
               </a:rPr>
-              <a:t> was originally written to monitor metrics of the StumbleUpon search engine which requires storing over 1 billion data points per day. </a:t>
-            </a:r>
-          </a:p>
-          <a:p>
-            <a:pPr marL="830138" lvl="1" indent="-285750" fontAlgn="base">
+              <a:t>Both Nodes and Relationships contain properties</a:t>
+            </a:r>
+          </a:p>
+          <a:p>
+            <a:pPr fontAlgn="base">
               <a:spcBef>
                 <a:spcPct val="50000"/>
               </a:spcBef>
@@ -9165,30 +9030,7 @@
                 <a:srgbClr val="F0AB00"/>
               </a:buClr>
               <a:buSzPct val="80000"/>
-              <a:buFont typeface="Wingdings" panose="05000000000000000000" pitchFamily="2" charset="2"/>
-              <a:buChar char="n"/>
             </a:pPr>
-            <a:r>
-              <a:rPr lang="en-US" altLang="zh-CN" sz="1800" kern="0" dirty="0">
-                <a:ea typeface="Arial Unicode MS" pitchFamily="34" charset="-128"/>
-                <a:cs typeface="Arial Unicode MS" pitchFamily="34" charset="-128"/>
-              </a:rPr>
-              <a:t>StumbleUpon was in charge of the initial development and its open-source release. Yahoo! is currently maintaining </a:t>
-            </a:r>
-            <a:r>
-              <a:rPr lang="en-US" altLang="zh-CN" sz="1800" kern="0" dirty="0" err="1">
-                <a:ea typeface="Arial Unicode MS" pitchFamily="34" charset="-128"/>
-                <a:cs typeface="Arial Unicode MS" pitchFamily="34" charset="-128"/>
-              </a:rPr>
-              <a:t>OpenTSDB</a:t>
-            </a:r>
-            <a:r>
-              <a:rPr lang="en-US" altLang="zh-CN" sz="1800" kern="0" dirty="0">
-                <a:ea typeface="Arial Unicode MS" pitchFamily="34" charset="-128"/>
-                <a:cs typeface="Arial Unicode MS" pitchFamily="34" charset="-128"/>
-              </a:rPr>
-              <a:t> along with the open-source community.</a:t>
-            </a:r>
             <a:endParaRPr lang="zh-CN" altLang="en-US" sz="1800" kern="0" dirty="0" err="1">
               <a:ea typeface="Arial Unicode MS" pitchFamily="34" charset="-128"/>
               <a:cs typeface="Arial Unicode MS" pitchFamily="34" charset="-128"/>
@@ -9199,7 +9041,7 @@
     </p:spTree>
     <p:extLst>
       <p:ext uri="{BB962C8B-B14F-4D97-AF65-F5344CB8AC3E}">
-        <p14:creationId xmlns:p14="http://schemas.microsoft.com/office/powerpoint/2010/main" val="1132192457"/>
+        <p14:creationId xmlns:p14="http://schemas.microsoft.com/office/powerpoint/2010/main" val="291274664"/>
       </p:ext>
     </p:extLst>
   </p:cSld>
@@ -9247,15 +9089,15 @@
           <a:lstStyle/>
           <a:p>
             <a:r>
-              <a:rPr lang="en-US" dirty="0" err="1"/>
-              <a:t>OpenTSDB</a:t>
+              <a:rPr lang="en-US" dirty="0"/>
+              <a:t>Data Model</a:t>
             </a:r>
             <a:br>
               <a:rPr lang="en-US" dirty="0"/>
             </a:br>
             <a:r>
               <a:rPr lang="en-US" sz="1800" b="0" dirty="0"/>
-              <a:t>Techniques</a:t>
+              <a:t>Neo4j Property Graph Data model</a:t>
             </a:r>
             <a:endParaRPr lang="en-US" b="0" dirty="0"/>
           </a:p>
@@ -9266,7 +9108,7 @@
           <p:cNvPr id="3" name="文本框 2">
             <a:extLst>
               <a:ext uri="{FF2B5EF4-FFF2-40B4-BE49-F238E27FC236}">
-                <a16:creationId xmlns:a16="http://schemas.microsoft.com/office/drawing/2014/main" id="{EF2C64E3-0243-43DD-A317-2CEC58A4B0CD}"/>
+                <a16:creationId xmlns:a16="http://schemas.microsoft.com/office/drawing/2014/main" id="{7C2D8313-C046-42C5-B930-482E95249DB4}"/>
               </a:ext>
             </a:extLst>
           </p:cNvPr>
@@ -9275,8 +9117,8 @@
         </p:nvSpPr>
         <p:spPr>
           <a:xfrm>
-            <a:off x="669208" y="1488142"/>
-            <a:ext cx="10856759" cy="2908489"/>
+            <a:off x="605825" y="1773137"/>
+            <a:ext cx="6539046" cy="3693319"/>
           </a:xfrm>
           <a:prstGeom prst="rect">
             <a:avLst/>
@@ -9289,134 +9131,131 @@
           </a:bodyPr>
           <a:lstStyle/>
           <a:p>
-            <a:pPr fontAlgn="base">
-              <a:spcBef>
-                <a:spcPct val="50000"/>
-              </a:spcBef>
-              <a:spcAft>
-                <a:spcPct val="0"/>
-              </a:spcAft>
-              <a:buClr>
-                <a:srgbClr val="F0AB00"/>
-              </a:buClr>
-              <a:buSzPct val="80000"/>
+            <a:pPr marL="342900" indent="-342900">
+              <a:buFont typeface="Wingdings" panose="05000000000000000000" pitchFamily="2" charset="2"/>
+              <a:buChar char="n"/>
             </a:pPr>
             <a:r>
-              <a:rPr lang="en-US" altLang="zh-CN" sz="1800" b="1" kern="0" dirty="0">
-                <a:ea typeface="Arial Unicode MS" pitchFamily="34" charset="-128"/>
-                <a:cs typeface="Arial Unicode MS" pitchFamily="34" charset="-128"/>
-              </a:rPr>
-              <a:t>Compression: Naïve (Page-Level) Naïve (Record-Level)</a:t>
-            </a:r>
-          </a:p>
-          <a:p>
-            <a:pPr fontAlgn="base">
-              <a:spcBef>
-                <a:spcPct val="50000"/>
-              </a:spcBef>
-              <a:spcAft>
-                <a:spcPct val="0"/>
-              </a:spcAft>
-              <a:buClr>
-                <a:srgbClr val="F0AB00"/>
-              </a:buClr>
-              <a:buSzPct val="80000"/>
+              <a:rPr lang="en-US" altLang="zh-CN" sz="2000" dirty="0"/>
+              <a:t>Neo4j Graph Database stores all of its data in Nodes and Relationships. </a:t>
+            </a:r>
+          </a:p>
+          <a:p>
+            <a:pPr marL="342900" indent="-342900">
+              <a:buFont typeface="Wingdings" panose="05000000000000000000" pitchFamily="2" charset="2"/>
+              <a:buChar char="n"/>
             </a:pPr>
             <a:r>
-              <a:rPr lang="en-US" altLang="zh-CN" sz="1800" kern="0" dirty="0" err="1">
-                <a:ea typeface="Arial Unicode MS" pitchFamily="34" charset="-128"/>
-                <a:cs typeface="Arial Unicode MS" pitchFamily="34" charset="-128"/>
-              </a:rPr>
-              <a:t>OpenTSDB</a:t>
-            </a:r>
-            <a:r>
-              <a:rPr lang="en-US" altLang="zh-CN" sz="1800" kern="0" dirty="0">
-                <a:ea typeface="Arial Unicode MS" pitchFamily="34" charset="-128"/>
-                <a:cs typeface="Arial Unicode MS" pitchFamily="34" charset="-128"/>
-              </a:rPr>
-              <a:t> uses Row Compaction to compress data. Whenever a cell is to be written, its row key is pushed into a compaction queue. There is a separate thread that periodically goes through the queue and aggregate data with the same key into a big cell. It then writes the big cell and deletes the individual cells in the queue. This process is effective because in HBase the row key is repeated for every single cell, and there is no way to efficiently append byte at the end of a cell.</a:t>
-            </a:r>
-          </a:p>
-          <a:p>
-            <a:pPr fontAlgn="base">
-              <a:spcBef>
-                <a:spcPct val="50000"/>
-              </a:spcBef>
-              <a:spcAft>
-                <a:spcPct val="0"/>
-              </a:spcAft>
-              <a:buClr>
-                <a:srgbClr val="F0AB00"/>
-              </a:buClr>
-              <a:buSzPct val="80000"/>
+              <a:rPr lang="en-US" altLang="zh-CN" sz="2000" dirty="0"/>
+              <a:t>We neither need any additional RRBMS Database nor any SQL database to store Neo4j database data.</a:t>
+            </a:r>
+          </a:p>
+          <a:p>
+            <a:pPr marL="342900" indent="-342900">
+              <a:buFont typeface="Wingdings" panose="05000000000000000000" pitchFamily="2" charset="2"/>
+              <a:buChar char="n"/>
             </a:pPr>
             <a:r>
-              <a:rPr lang="en-US" altLang="zh-CN" sz="1800" kern="0" dirty="0">
-                <a:ea typeface="Arial Unicode MS" pitchFamily="34" charset="-128"/>
-                <a:cs typeface="Arial Unicode MS" pitchFamily="34" charset="-128"/>
-              </a:rPr>
-              <a:t>At data level, </a:t>
-            </a:r>
-            <a:r>
-              <a:rPr lang="en-US" altLang="zh-CN" sz="1800" kern="0" dirty="0" err="1">
-                <a:ea typeface="Arial Unicode MS" pitchFamily="34" charset="-128"/>
-                <a:cs typeface="Arial Unicode MS" pitchFamily="34" charset="-128"/>
-              </a:rPr>
-              <a:t>OpenTSDB</a:t>
-            </a:r>
-            <a:r>
-              <a:rPr lang="en-US" altLang="zh-CN" sz="1800" kern="0" dirty="0">
-                <a:ea typeface="Arial Unicode MS" pitchFamily="34" charset="-128"/>
-                <a:cs typeface="Arial Unicode MS" pitchFamily="34" charset="-128"/>
-              </a:rPr>
-              <a:t> uses LZO compression algorithm.</a:t>
-            </a:r>
-          </a:p>
-          <a:p>
-            <a:pPr fontAlgn="base">
-              <a:spcBef>
-                <a:spcPct val="50000"/>
-              </a:spcBef>
-              <a:spcAft>
-                <a:spcPct val="0"/>
-              </a:spcAft>
-              <a:buClr>
-                <a:srgbClr val="F0AB00"/>
-              </a:buClr>
-              <a:buSzPct val="80000"/>
+              <a:rPr lang="en-US" altLang="zh-CN" sz="2000" dirty="0"/>
+              <a:t> It stores its data in terms of Graphs in its native format.</a:t>
+            </a:r>
+          </a:p>
+          <a:p>
+            <a:pPr marL="342900" indent="-342900">
+              <a:buFont typeface="Wingdings" panose="05000000000000000000" pitchFamily="2" charset="2"/>
+              <a:buChar char="n"/>
             </a:pPr>
             <a:r>
-              <a:rPr lang="en-US" altLang="zh-CN" sz="1800" kern="0" dirty="0">
-                <a:ea typeface="Arial Unicode MS" pitchFamily="34" charset="-128"/>
-                <a:cs typeface="Arial Unicode MS" pitchFamily="34" charset="-128"/>
-              </a:rPr>
-              <a:t>With these two techniques, </a:t>
-            </a:r>
-            <a:r>
-              <a:rPr lang="en-US" altLang="zh-CN" sz="1800" kern="0" dirty="0" err="1">
-                <a:ea typeface="Arial Unicode MS" pitchFamily="34" charset="-128"/>
-                <a:cs typeface="Arial Unicode MS" pitchFamily="34" charset="-128"/>
-              </a:rPr>
-              <a:t>OpenTSDB</a:t>
-            </a:r>
-            <a:r>
-              <a:rPr lang="en-US" altLang="zh-CN" sz="1800" kern="0" dirty="0">
-                <a:ea typeface="Arial Unicode MS" pitchFamily="34" charset="-128"/>
-                <a:cs typeface="Arial Unicode MS" pitchFamily="34" charset="-128"/>
-              </a:rPr>
-              <a:t> is able to reduce the average size of one data point from 12 bytes to 2-3 bytes.</a:t>
-            </a:r>
-            <a:endParaRPr lang="zh-CN" altLang="en-US" sz="1800" kern="0" dirty="0" err="1">
-              <a:ea typeface="Arial Unicode MS" pitchFamily="34" charset="-128"/>
-              <a:cs typeface="Arial Unicode MS" pitchFamily="34" charset="-128"/>
-            </a:endParaRPr>
+              <a:rPr lang="en-US" altLang="zh-CN" sz="2000" dirty="0"/>
+              <a:t>Neo4j uses Native GPE (Graph Processing Engine) to work with its Native graph storage format.</a:t>
+            </a:r>
+          </a:p>
+          <a:p>
+            <a:pPr marL="342900" indent="-342900">
+              <a:buFont typeface="Wingdings" panose="05000000000000000000" pitchFamily="2" charset="2"/>
+              <a:buChar char="n"/>
+            </a:pPr>
+            <a:r>
+              <a:rPr lang="en-US" altLang="zh-CN" sz="2000" dirty="0"/>
+              <a:t>The main building blocks of Graph DB Data Model are </a:t>
+            </a:r>
+          </a:p>
+          <a:p>
+            <a:pPr marL="887288" lvl="1" indent="-342900">
+              <a:buFont typeface="Wingdings" panose="05000000000000000000" pitchFamily="2" charset="2"/>
+              <a:buChar char="n"/>
+            </a:pPr>
+            <a:r>
+              <a:rPr lang="en-US" altLang="zh-CN" sz="1800" dirty="0"/>
+              <a:t>Nodes</a:t>
+            </a:r>
+          </a:p>
+          <a:p>
+            <a:pPr marL="887288" lvl="1" indent="-342900">
+              <a:buFont typeface="Wingdings" panose="05000000000000000000" pitchFamily="2" charset="2"/>
+              <a:buChar char="n"/>
+            </a:pPr>
+            <a:r>
+              <a:rPr lang="en-US" altLang="zh-CN" sz="1800" dirty="0"/>
+              <a:t>Relationships</a:t>
+            </a:r>
+          </a:p>
+          <a:p>
+            <a:pPr marL="887288" lvl="1" indent="-342900">
+              <a:buFont typeface="Wingdings" panose="05000000000000000000" pitchFamily="2" charset="2"/>
+              <a:buChar char="n"/>
+            </a:pPr>
+            <a:r>
+              <a:rPr lang="en-US" altLang="zh-CN" sz="1800" dirty="0"/>
+              <a:t>Properties</a:t>
+            </a:r>
+          </a:p>
+          <a:p>
+            <a:pPr marL="342900" indent="-342900">
+              <a:buFont typeface="Wingdings" panose="05000000000000000000" pitchFamily="2" charset="2"/>
+              <a:buChar char="n"/>
+            </a:pPr>
+            <a:r>
+              <a:rPr lang="en-US" altLang="zh-CN" sz="2000" dirty="0"/>
+              <a:t>Following is a simple example of a Property Graph.</a:t>
+            </a:r>
           </a:p>
         </p:txBody>
       </p:sp>
+      <p:pic>
+        <p:nvPicPr>
+          <p:cNvPr id="5" name="图片 4">
+            <a:extLst>
+              <a:ext uri="{FF2B5EF4-FFF2-40B4-BE49-F238E27FC236}">
+                <a16:creationId xmlns:a16="http://schemas.microsoft.com/office/drawing/2014/main" id="{A9F32F24-C85E-4245-B9DC-CF3A207EF782}"/>
+              </a:ext>
+            </a:extLst>
+          </p:cNvPr>
+          <p:cNvPicPr>
+            <a:picLocks noChangeAspect="1"/>
+          </p:cNvPicPr>
+          <p:nvPr/>
+        </p:nvPicPr>
+        <p:blipFill>
+          <a:blip r:embed="rId2"/>
+          <a:stretch>
+            <a:fillRect/>
+          </a:stretch>
+        </p:blipFill>
+        <p:spPr>
+          <a:xfrm>
+            <a:off x="7611939" y="2278561"/>
+            <a:ext cx="4221846" cy="2682472"/>
+          </a:xfrm>
+          <a:prstGeom prst="rect">
+            <a:avLst/>
+          </a:prstGeom>
+        </p:spPr>
+      </p:pic>
     </p:spTree>
     <p:extLst>
       <p:ext uri="{BB962C8B-B14F-4D97-AF65-F5344CB8AC3E}">
-        <p14:creationId xmlns:p14="http://schemas.microsoft.com/office/powerpoint/2010/main" val="203468643"/>
+        <p14:creationId xmlns:p14="http://schemas.microsoft.com/office/powerpoint/2010/main" val="3611989941"/>
       </p:ext>
     </p:extLst>
   </p:cSld>
@@ -9465,23 +9304,235 @@
           <a:p>
             <a:r>
               <a:rPr lang="en-US" dirty="0"/>
-              <a:t>Insert page title (sentence case)</a:t>
+              <a:t>Neo4j</a:t>
             </a:r>
             <a:br>
               <a:rPr lang="en-US" dirty="0"/>
             </a:br>
             <a:r>
-              <a:rPr lang="en-US" sz="1800" b="0" dirty="0" err="1"/>
-              <a:t>Subheadline</a:t>
-            </a:r>
-            <a:endParaRPr lang="en-US" b="0" dirty="0"/>
+              <a:rPr lang="en-US" sz="1800" b="0" dirty="0"/>
+              <a:t>Features</a:t>
+            </a:r>
+          </a:p>
+        </p:txBody>
+      </p:sp>
+      <p:sp>
+        <p:nvSpPr>
+          <p:cNvPr id="5" name="文本框 4">
+            <a:extLst>
+              <a:ext uri="{FF2B5EF4-FFF2-40B4-BE49-F238E27FC236}">
+                <a16:creationId xmlns:a16="http://schemas.microsoft.com/office/drawing/2014/main" id="{F2739510-DD16-4AA2-A240-73213194D994}"/>
+              </a:ext>
+            </a:extLst>
+          </p:cNvPr>
+          <p:cNvSpPr txBox="1"/>
+          <p:nvPr/>
+        </p:nvSpPr>
+        <p:spPr>
+          <a:xfrm>
+            <a:off x="779330" y="1619250"/>
+            <a:ext cx="11046315" cy="3847207"/>
+          </a:xfrm>
+          <a:prstGeom prst="rect">
+            <a:avLst/>
+          </a:prstGeom>
+          <a:noFill/>
+        </p:spPr>
+        <p:txBody>
+          <a:bodyPr wrap="square" lIns="0" tIns="0" rIns="0" bIns="0" rtlCol="0">
+            <a:spAutoFit/>
+          </a:bodyPr>
+          <a:lstStyle/>
+          <a:p>
+            <a:pPr marL="285750" indent="-285750" fontAlgn="base">
+              <a:spcBef>
+                <a:spcPct val="50000"/>
+              </a:spcBef>
+              <a:spcAft>
+                <a:spcPct val="0"/>
+              </a:spcAft>
+              <a:buClr>
+                <a:srgbClr val="F0AB00"/>
+              </a:buClr>
+              <a:buSzPct val="80000"/>
+              <a:buFont typeface="Wingdings" panose="05000000000000000000" pitchFamily="2" charset="2"/>
+              <a:buChar char="n"/>
+            </a:pPr>
+            <a:r>
+              <a:rPr lang="en-US" altLang="zh-CN" sz="2000" kern="0" dirty="0">
+                <a:ea typeface="Arial Unicode MS" pitchFamily="34" charset="-128"/>
+                <a:cs typeface="Arial Unicode MS" pitchFamily="34" charset="-128"/>
+              </a:rPr>
+              <a:t>It follows Property Graph Data Model</a:t>
+            </a:r>
+          </a:p>
+          <a:p>
+            <a:pPr marL="285750" indent="-285750" fontAlgn="base">
+              <a:spcBef>
+                <a:spcPct val="50000"/>
+              </a:spcBef>
+              <a:spcAft>
+                <a:spcPct val="0"/>
+              </a:spcAft>
+              <a:buClr>
+                <a:srgbClr val="F0AB00"/>
+              </a:buClr>
+              <a:buSzPct val="80000"/>
+              <a:buFont typeface="Wingdings" panose="05000000000000000000" pitchFamily="2" charset="2"/>
+              <a:buChar char="n"/>
+            </a:pPr>
+            <a:r>
+              <a:rPr lang="en-US" altLang="zh-CN" sz="2000" kern="0" dirty="0">
+                <a:ea typeface="Arial Unicode MS" pitchFamily="34" charset="-128"/>
+                <a:cs typeface="Arial Unicode MS" pitchFamily="34" charset="-128"/>
+              </a:rPr>
+              <a:t>It supports Indexes by using Apache Lucence</a:t>
+            </a:r>
+          </a:p>
+          <a:p>
+            <a:pPr marL="285750" indent="-285750" fontAlgn="base">
+              <a:spcBef>
+                <a:spcPct val="50000"/>
+              </a:spcBef>
+              <a:spcAft>
+                <a:spcPct val="0"/>
+              </a:spcAft>
+              <a:buClr>
+                <a:srgbClr val="F0AB00"/>
+              </a:buClr>
+              <a:buSzPct val="80000"/>
+              <a:buFont typeface="Wingdings" panose="05000000000000000000" pitchFamily="2" charset="2"/>
+              <a:buChar char="n"/>
+            </a:pPr>
+            <a:r>
+              <a:rPr lang="en-US" altLang="zh-CN" sz="2000" kern="0" dirty="0">
+                <a:ea typeface="Arial Unicode MS" pitchFamily="34" charset="-128"/>
+                <a:cs typeface="Arial Unicode MS" pitchFamily="34" charset="-128"/>
+              </a:rPr>
+              <a:t>It supports UNIQUE constraints</a:t>
+            </a:r>
+          </a:p>
+          <a:p>
+            <a:pPr marL="285750" indent="-285750" fontAlgn="base">
+              <a:spcBef>
+                <a:spcPct val="50000"/>
+              </a:spcBef>
+              <a:spcAft>
+                <a:spcPct val="0"/>
+              </a:spcAft>
+              <a:buClr>
+                <a:srgbClr val="F0AB00"/>
+              </a:buClr>
+              <a:buSzPct val="80000"/>
+              <a:buFont typeface="Wingdings" panose="05000000000000000000" pitchFamily="2" charset="2"/>
+              <a:buChar char="n"/>
+            </a:pPr>
+            <a:r>
+              <a:rPr lang="en-US" altLang="zh-CN" sz="2000" kern="0" dirty="0">
+                <a:ea typeface="Arial Unicode MS" pitchFamily="34" charset="-128"/>
+                <a:cs typeface="Arial Unicode MS" pitchFamily="34" charset="-128"/>
+              </a:rPr>
+              <a:t>It contains a UI to execute CQL Commands : Neo4j Data Browser</a:t>
+            </a:r>
+          </a:p>
+          <a:p>
+            <a:pPr marL="285750" indent="-285750" fontAlgn="base">
+              <a:spcBef>
+                <a:spcPct val="50000"/>
+              </a:spcBef>
+              <a:spcAft>
+                <a:spcPct val="0"/>
+              </a:spcAft>
+              <a:buClr>
+                <a:srgbClr val="F0AB00"/>
+              </a:buClr>
+              <a:buSzPct val="80000"/>
+              <a:buFont typeface="Wingdings" panose="05000000000000000000" pitchFamily="2" charset="2"/>
+              <a:buChar char="n"/>
+            </a:pPr>
+            <a:r>
+              <a:rPr lang="en-US" altLang="zh-CN" sz="2000" kern="0" dirty="0">
+                <a:ea typeface="Arial Unicode MS" pitchFamily="34" charset="-128"/>
+                <a:cs typeface="Arial Unicode MS" pitchFamily="34" charset="-128"/>
+              </a:rPr>
+              <a:t>It supports exporting of query data to JSON and XLS format</a:t>
+            </a:r>
+          </a:p>
+          <a:p>
+            <a:pPr marL="285750" indent="-285750" fontAlgn="base">
+              <a:spcBef>
+                <a:spcPct val="50000"/>
+              </a:spcBef>
+              <a:spcAft>
+                <a:spcPct val="0"/>
+              </a:spcAft>
+              <a:buClr>
+                <a:srgbClr val="F0AB00"/>
+              </a:buClr>
+              <a:buSzPct val="80000"/>
+              <a:buFont typeface="Wingdings" panose="05000000000000000000" pitchFamily="2" charset="2"/>
+              <a:buChar char="n"/>
+            </a:pPr>
+            <a:r>
+              <a:rPr lang="en-US" altLang="zh-CN" sz="2000" kern="0" dirty="0">
+                <a:ea typeface="Arial Unicode MS" pitchFamily="34" charset="-128"/>
+                <a:cs typeface="Arial Unicode MS" pitchFamily="34" charset="-128"/>
+              </a:rPr>
+              <a:t>It provides REST API to be accessed by any Programming Language like Java, Spring, Scale etc.</a:t>
+            </a:r>
+          </a:p>
+          <a:p>
+            <a:pPr marL="285750" indent="-285750" fontAlgn="base">
+              <a:spcBef>
+                <a:spcPct val="50000"/>
+              </a:spcBef>
+              <a:spcAft>
+                <a:spcPct val="0"/>
+              </a:spcAft>
+              <a:buClr>
+                <a:srgbClr val="F0AB00"/>
+              </a:buClr>
+              <a:buSzPct val="80000"/>
+              <a:buFont typeface="Wingdings" panose="05000000000000000000" pitchFamily="2" charset="2"/>
+              <a:buChar char="n"/>
+            </a:pPr>
+            <a:r>
+              <a:rPr lang="en-US" altLang="zh-CN" sz="2000" kern="0" dirty="0">
+                <a:ea typeface="Arial Unicode MS" pitchFamily="34" charset="-128"/>
+                <a:cs typeface="Arial Unicode MS" pitchFamily="34" charset="-128"/>
+              </a:rPr>
+              <a:t>It provides Java Script to be accessed by any UI MVC Framework like Node JS.</a:t>
+            </a:r>
+          </a:p>
+          <a:p>
+            <a:pPr marL="285750" indent="-285750" fontAlgn="base">
+              <a:spcBef>
+                <a:spcPct val="50000"/>
+              </a:spcBef>
+              <a:spcAft>
+                <a:spcPct val="0"/>
+              </a:spcAft>
+              <a:buClr>
+                <a:srgbClr val="F0AB00"/>
+              </a:buClr>
+              <a:buSzPct val="80000"/>
+              <a:buFont typeface="Wingdings" panose="05000000000000000000" pitchFamily="2" charset="2"/>
+              <a:buChar char="n"/>
+            </a:pPr>
+            <a:r>
+              <a:rPr lang="en-US" altLang="zh-CN" sz="2000" kern="0" dirty="0">
+                <a:ea typeface="Arial Unicode MS" pitchFamily="34" charset="-128"/>
+                <a:cs typeface="Arial Unicode MS" pitchFamily="34" charset="-128"/>
+              </a:rPr>
+              <a:t>It supports two kinds of java API: Cypher API and Native Java API to develop Java application</a:t>
+            </a:r>
           </a:p>
         </p:txBody>
       </p:sp>
     </p:spTree>
     <p:extLst>
       <p:ext uri="{BB962C8B-B14F-4D97-AF65-F5344CB8AC3E}">
-        <p14:creationId xmlns:p14="http://schemas.microsoft.com/office/powerpoint/2010/main" val="2852808963"/>
+        <p14:creationId xmlns:p14="http://schemas.microsoft.com/office/powerpoint/2010/main" val="2906357877"/>
       </p:ext>
     </p:extLst>
   </p:cSld>
@@ -9530,23 +9581,273 @@
           <a:p>
             <a:r>
               <a:rPr lang="en-US" dirty="0"/>
-              <a:t>Insert page title (sentence case)</a:t>
+              <a:t>Neo4j</a:t>
             </a:r>
             <a:br>
               <a:rPr lang="en-US" dirty="0"/>
             </a:br>
             <a:r>
-              <a:rPr lang="en-US" sz="1800" b="0" dirty="0" err="1"/>
-              <a:t>Subheadline</a:t>
+              <a:rPr lang="en-US" sz="1800" b="0" dirty="0"/>
+              <a:t>Advantages and Drawbacks</a:t>
             </a:r>
             <a:endParaRPr lang="en-US" b="0" dirty="0"/>
+          </a:p>
+        </p:txBody>
+      </p:sp>
+      <p:sp>
+        <p:nvSpPr>
+          <p:cNvPr id="3" name="文本框 2">
+            <a:extLst>
+              <a:ext uri="{FF2B5EF4-FFF2-40B4-BE49-F238E27FC236}">
+                <a16:creationId xmlns:a16="http://schemas.microsoft.com/office/drawing/2014/main" id="{BA086CE9-A1E9-44CF-9DCB-45EE3A3687F5}"/>
+              </a:ext>
+            </a:extLst>
+          </p:cNvPr>
+          <p:cNvSpPr txBox="1"/>
+          <p:nvPr/>
+        </p:nvSpPr>
+        <p:spPr>
+          <a:xfrm>
+            <a:off x="778633" y="1348422"/>
+            <a:ext cx="11046315" cy="4355038"/>
+          </a:xfrm>
+          <a:prstGeom prst="rect">
+            <a:avLst/>
+          </a:prstGeom>
+          <a:noFill/>
+        </p:spPr>
+        <p:txBody>
+          <a:bodyPr wrap="square" lIns="0" tIns="0" rIns="0" bIns="0" rtlCol="0">
+            <a:spAutoFit/>
+          </a:bodyPr>
+          <a:lstStyle/>
+          <a:p>
+            <a:pPr marL="285750" indent="-285750" fontAlgn="base">
+              <a:spcBef>
+                <a:spcPct val="50000"/>
+              </a:spcBef>
+              <a:spcAft>
+                <a:spcPct val="0"/>
+              </a:spcAft>
+              <a:buClr>
+                <a:srgbClr val="F0AB00"/>
+              </a:buClr>
+              <a:buSzPct val="80000"/>
+              <a:buFont typeface="Wingdings" panose="05000000000000000000" pitchFamily="2" charset="2"/>
+              <a:buChar char="n"/>
+            </a:pPr>
+            <a:r>
+              <a:rPr lang="en-US" altLang="zh-CN" sz="2000" kern="0" dirty="0">
+                <a:ea typeface="Arial Unicode MS" pitchFamily="34" charset="-128"/>
+                <a:cs typeface="Arial Unicode MS" pitchFamily="34" charset="-128"/>
+              </a:rPr>
+              <a:t>Advantages</a:t>
+            </a:r>
+          </a:p>
+          <a:p>
+            <a:pPr marL="830138" lvl="1" indent="-285750" fontAlgn="base">
+              <a:spcBef>
+                <a:spcPct val="50000"/>
+              </a:spcBef>
+              <a:spcAft>
+                <a:spcPct val="0"/>
+              </a:spcAft>
+              <a:buClr>
+                <a:srgbClr val="F0AB00"/>
+              </a:buClr>
+              <a:buSzPct val="80000"/>
+              <a:buFont typeface="Wingdings" panose="05000000000000000000" pitchFamily="2" charset="2"/>
+              <a:buChar char="n"/>
+            </a:pPr>
+            <a:r>
+              <a:rPr lang="en-US" altLang="zh-CN" sz="1800" kern="0" dirty="0">
+                <a:ea typeface="Arial Unicode MS" pitchFamily="34" charset="-128"/>
+                <a:cs typeface="Arial Unicode MS" pitchFamily="34" charset="-128"/>
+              </a:rPr>
+              <a:t>Easy to represent connected data.</a:t>
+            </a:r>
+          </a:p>
+          <a:p>
+            <a:pPr marL="830138" lvl="1" indent="-285750" fontAlgn="base">
+              <a:spcBef>
+                <a:spcPct val="50000"/>
+              </a:spcBef>
+              <a:spcAft>
+                <a:spcPct val="0"/>
+              </a:spcAft>
+              <a:buClr>
+                <a:srgbClr val="F0AB00"/>
+              </a:buClr>
+              <a:buSzPct val="80000"/>
+              <a:buFont typeface="Wingdings" panose="05000000000000000000" pitchFamily="2" charset="2"/>
+              <a:buChar char="n"/>
+            </a:pPr>
+            <a:r>
+              <a:rPr lang="en-US" altLang="zh-CN" sz="1800" kern="0" dirty="0">
+                <a:ea typeface="Arial Unicode MS" pitchFamily="34" charset="-128"/>
+                <a:cs typeface="Arial Unicode MS" pitchFamily="34" charset="-128"/>
+              </a:rPr>
+              <a:t>Easy and faster to retrieve/traversal/navigation of more Connected data.</a:t>
+            </a:r>
+          </a:p>
+          <a:p>
+            <a:pPr marL="830138" lvl="1" indent="-285750" fontAlgn="base">
+              <a:spcBef>
+                <a:spcPct val="50000"/>
+              </a:spcBef>
+              <a:spcAft>
+                <a:spcPct val="0"/>
+              </a:spcAft>
+              <a:buClr>
+                <a:srgbClr val="F0AB00"/>
+              </a:buClr>
+              <a:buSzPct val="80000"/>
+              <a:buFont typeface="Wingdings" panose="05000000000000000000" pitchFamily="2" charset="2"/>
+              <a:buChar char="n"/>
+            </a:pPr>
+            <a:r>
+              <a:rPr lang="en-US" altLang="zh-CN" sz="1800" kern="0" dirty="0">
+                <a:ea typeface="Arial Unicode MS" pitchFamily="34" charset="-128"/>
+                <a:cs typeface="Arial Unicode MS" pitchFamily="34" charset="-128"/>
+              </a:rPr>
+              <a:t>CQL are in humane readable format and very easy to learn.</a:t>
+            </a:r>
+          </a:p>
+          <a:p>
+            <a:pPr marL="830138" lvl="1" indent="-285750" fontAlgn="base">
+              <a:spcBef>
+                <a:spcPct val="50000"/>
+              </a:spcBef>
+              <a:spcAft>
+                <a:spcPct val="0"/>
+              </a:spcAft>
+              <a:buClr>
+                <a:srgbClr val="F0AB00"/>
+              </a:buClr>
+              <a:buSzPct val="80000"/>
+              <a:buFont typeface="Wingdings" panose="05000000000000000000" pitchFamily="2" charset="2"/>
+              <a:buChar char="n"/>
+            </a:pPr>
+            <a:r>
+              <a:rPr lang="en-US" altLang="zh-CN" sz="1800" kern="0" dirty="0">
+                <a:ea typeface="Arial Unicode MS" pitchFamily="34" charset="-128"/>
+                <a:cs typeface="Arial Unicode MS" pitchFamily="34" charset="-128"/>
+              </a:rPr>
+              <a:t>Simple and powerful data model</a:t>
+            </a:r>
+          </a:p>
+          <a:p>
+            <a:pPr marL="830138" lvl="1" indent="-285750" fontAlgn="base">
+              <a:spcBef>
+                <a:spcPct val="50000"/>
+              </a:spcBef>
+              <a:spcAft>
+                <a:spcPct val="0"/>
+              </a:spcAft>
+              <a:buClr>
+                <a:srgbClr val="F0AB00"/>
+              </a:buClr>
+              <a:buSzPct val="80000"/>
+              <a:buFont typeface="Wingdings" panose="05000000000000000000" pitchFamily="2" charset="2"/>
+              <a:buChar char="n"/>
+            </a:pPr>
+            <a:r>
+              <a:rPr lang="en-US" altLang="zh-CN" sz="1800" kern="0" dirty="0">
+                <a:ea typeface="Arial Unicode MS" pitchFamily="34" charset="-128"/>
+                <a:cs typeface="Arial Unicode MS" pitchFamily="34" charset="-128"/>
+              </a:rPr>
+              <a:t>It does NOT require complex Joins to retrieve connected/related data as it is vey easy to retrieve it’s a adjacent node or relationship details without Joins or Indexes.</a:t>
+            </a:r>
+          </a:p>
+          <a:p>
+            <a:pPr marL="285750" indent="-285750" fontAlgn="base">
+              <a:spcBef>
+                <a:spcPct val="50000"/>
+              </a:spcBef>
+              <a:spcAft>
+                <a:spcPct val="0"/>
+              </a:spcAft>
+              <a:buClr>
+                <a:srgbClr val="F0AB00"/>
+              </a:buClr>
+              <a:buSzPct val="80000"/>
+              <a:buFont typeface="Wingdings" panose="05000000000000000000" pitchFamily="2" charset="2"/>
+              <a:buChar char="n"/>
+            </a:pPr>
+            <a:r>
+              <a:rPr lang="en-US" altLang="zh-CN" sz="2000" kern="0" dirty="0">
+                <a:ea typeface="Arial Unicode MS" pitchFamily="34" charset="-128"/>
+                <a:cs typeface="Arial Unicode MS" pitchFamily="34" charset="-128"/>
+              </a:rPr>
+              <a:t>Drawbacks or limitations</a:t>
+            </a:r>
+          </a:p>
+          <a:p>
+            <a:pPr marL="830138" lvl="1" indent="-285750" fontAlgn="base">
+              <a:spcBef>
+                <a:spcPct val="50000"/>
+              </a:spcBef>
+              <a:spcAft>
+                <a:spcPct val="0"/>
+              </a:spcAft>
+              <a:buClr>
+                <a:srgbClr val="F0AB00"/>
+              </a:buClr>
+              <a:buSzPct val="80000"/>
+              <a:buFont typeface="Wingdings" panose="05000000000000000000" pitchFamily="2" charset="2"/>
+              <a:buChar char="n"/>
+            </a:pPr>
+            <a:r>
+              <a:rPr lang="en-US" altLang="zh-CN" sz="1800" kern="0" dirty="0">
+                <a:ea typeface="Arial Unicode MS" pitchFamily="34" charset="-128"/>
+                <a:cs typeface="Arial Unicode MS" pitchFamily="34" charset="-128"/>
+              </a:rPr>
+              <a:t>AS of Neo4j 2.1.3 latest version, it has a limitation of supporting number of Nodes, Relationships and Properties.</a:t>
+            </a:r>
+          </a:p>
+          <a:p>
+            <a:pPr marL="830138" lvl="1" indent="-285750" fontAlgn="base">
+              <a:spcBef>
+                <a:spcPct val="50000"/>
+              </a:spcBef>
+              <a:spcAft>
+                <a:spcPct val="0"/>
+              </a:spcAft>
+              <a:buClr>
+                <a:srgbClr val="F0AB00"/>
+              </a:buClr>
+              <a:buSzPct val="80000"/>
+              <a:buFont typeface="Wingdings" panose="05000000000000000000" pitchFamily="2" charset="2"/>
+              <a:buChar char="n"/>
+            </a:pPr>
+            <a:r>
+              <a:rPr lang="en-US" altLang="zh-CN" sz="1800" kern="0" dirty="0">
+                <a:ea typeface="Arial Unicode MS" pitchFamily="34" charset="-128"/>
+                <a:cs typeface="Arial Unicode MS" pitchFamily="34" charset="-128"/>
+              </a:rPr>
+              <a:t>It does not support </a:t>
+            </a:r>
+            <a:r>
+              <a:rPr lang="en-US" altLang="zh-CN" sz="1800" kern="0" dirty="0" err="1">
+                <a:ea typeface="Arial Unicode MS" pitchFamily="34" charset="-128"/>
+                <a:cs typeface="Arial Unicode MS" pitchFamily="34" charset="-128"/>
+              </a:rPr>
+              <a:t>Sharding</a:t>
+            </a:r>
+            <a:r>
+              <a:rPr lang="en-US" altLang="zh-CN" sz="1800" kern="0" dirty="0">
+                <a:ea typeface="Arial Unicode MS" pitchFamily="34" charset="-128"/>
+                <a:cs typeface="Arial Unicode MS" pitchFamily="34" charset="-128"/>
+              </a:rPr>
+              <a:t>.</a:t>
+            </a:r>
           </a:p>
         </p:txBody>
       </p:sp>
     </p:spTree>
     <p:extLst>
       <p:ext uri="{BB962C8B-B14F-4D97-AF65-F5344CB8AC3E}">
-        <p14:creationId xmlns:p14="http://schemas.microsoft.com/office/powerpoint/2010/main" val="4241709822"/>
+        <p14:creationId xmlns:p14="http://schemas.microsoft.com/office/powerpoint/2010/main" val="432620733"/>
       </p:ext>
     </p:extLst>
   </p:cSld>
@@ -9589,16 +9890,8 @@
           <a:lstStyle/>
           <a:p>
             <a:r>
-              <a:rPr lang="en-US" dirty="0"/>
-              <a:t>Divider </a:t>
-            </a:r>
-            <a:r>
-              <a:rPr lang="en-US" dirty="0">
-                <a:solidFill>
-                  <a:schemeClr val="accent1"/>
-                </a:solidFill>
-              </a:rPr>
-              <a:t>page</a:t>
+              <a:rPr lang="en-US" altLang="zh-CN" dirty="0"/>
+              <a:t>Reference</a:t>
             </a:r>
             <a:endParaRPr lang="en-US" dirty="0"/>
           </a:p>
@@ -9690,7 +9983,7 @@
         <p:spPr>
           <a:xfrm>
             <a:off x="818147" y="1347537"/>
-            <a:ext cx="10603832" cy="276999"/>
+            <a:ext cx="10603832" cy="692497"/>
           </a:xfrm>
           <a:prstGeom prst="rect">
             <a:avLst/>
@@ -9724,6 +10017,34 @@
                 <a:hlinkClick r:id="rId2"/>
               </a:rPr>
               <a:t>Neo4j’s Documentation</a:t>
+            </a:r>
+            <a:endParaRPr lang="en-US" altLang="zh-CN" sz="1800" kern="0" dirty="0">
+              <a:ea typeface="Arial Unicode MS" pitchFamily="34" charset="-128"/>
+              <a:cs typeface="Arial Unicode MS" pitchFamily="34" charset="-128"/>
+            </a:endParaRPr>
+          </a:p>
+          <a:p>
+            <a:pPr marL="285750" indent="-285750" fontAlgn="base">
+              <a:spcBef>
+                <a:spcPct val="50000"/>
+              </a:spcBef>
+              <a:spcAft>
+                <a:spcPct val="0"/>
+              </a:spcAft>
+              <a:buClr>
+                <a:srgbClr val="F0AB00"/>
+              </a:buClr>
+              <a:buSzPct val="80000"/>
+              <a:buFont typeface="Wingdings" panose="05000000000000000000" pitchFamily="2" charset="2"/>
+              <a:buChar char="n"/>
+            </a:pPr>
+            <a:r>
+              <a:rPr lang="en-US" altLang="zh-CN" sz="1800" kern="0" dirty="0">
+                <a:ea typeface="Arial Unicode MS" pitchFamily="34" charset="-128"/>
+                <a:cs typeface="Arial Unicode MS" pitchFamily="34" charset="-128"/>
+                <a:hlinkClick r:id="rId3"/>
+              </a:rPr>
+              <a:t>Neo4j-Features &amp; Advantages</a:t>
             </a:r>
             <a:endParaRPr lang="zh-CN" altLang="en-US" sz="1800" kern="0" dirty="0" err="1">
               <a:ea typeface="Arial Unicode MS" pitchFamily="34" charset="-128"/>
@@ -9931,100 +10252,6 @@
 </p:sld>
 </file>
 
-<file path=ppt/slides/slide19.xml><?xml version="1.0" encoding="utf-8"?>
-<p:sld xmlns:a="http://schemas.openxmlformats.org/drawingml/2006/main" xmlns:r="http://schemas.openxmlformats.org/officeDocument/2006/relationships" xmlns:p="http://schemas.openxmlformats.org/presentationml/2006/main">
-  <p:cSld>
-    <p:spTree>
-      <p:nvGrpSpPr>
-        <p:cNvPr id="1" name=""/>
-        <p:cNvGrpSpPr/>
-        <p:nvPr/>
-      </p:nvGrpSpPr>
-      <p:grpSpPr>
-        <a:xfrm>
-          <a:off x="0" y="0"/>
-          <a:ext cx="0" cy="0"/>
-          <a:chOff x="0" y="0"/>
-          <a:chExt cx="0" cy="0"/>
-        </a:xfrm>
-      </p:grpSpPr>
-      <p:sp>
-        <p:nvSpPr>
-          <p:cNvPr id="3" name="Divider"/>
-          <p:cNvSpPr>
-            <a:spLocks noGrp="1"/>
-          </p:cNvSpPr>
-          <p:nvPr>
-            <p:ph type="ctrTitle"/>
-          </p:nvPr>
-        </p:nvSpPr>
-        <p:spPr bwMode="gray"/>
-        <p:txBody>
-          <a:bodyPr/>
-          <a:lstStyle/>
-          <a:p>
-            <a:r>
-              <a:rPr lang="en-US" dirty="0"/>
-              <a:t>Divider </a:t>
-            </a:r>
-            <a:r>
-              <a:rPr lang="en-US" dirty="0">
-                <a:solidFill>
-                  <a:schemeClr val="accent1"/>
-                </a:solidFill>
-              </a:rPr>
-              <a:t>page</a:t>
-            </a:r>
-            <a:endParaRPr lang="en-US" dirty="0"/>
-          </a:p>
-        </p:txBody>
-      </p:sp>
-      <p:pic>
-        <p:nvPicPr>
-          <p:cNvPr id="7" name="Divider Image Placeholder">
-            <a:extLst>
-              <a:ext uri="{FF2B5EF4-FFF2-40B4-BE49-F238E27FC236}">
-                <a16:creationId xmlns:a16="http://schemas.microsoft.com/office/drawing/2014/main" id="{3FEADB84-4FA8-4F63-8117-D5AD2F9BF195}"/>
-              </a:ext>
-            </a:extLst>
-          </p:cNvPr>
-          <p:cNvPicPr>
-            <a:picLocks noGrp="1" noChangeAspect="1"/>
-          </p:cNvPicPr>
-          <p:nvPr>
-            <p:ph type="pic" sz="quarter" idx="12"/>
-          </p:nvPr>
-        </p:nvPicPr>
-        <p:blipFill rotWithShape="1">
-          <a:blip r:embed="rId2" cstate="screen">
-            <a:extLst>
-              <a:ext uri="{28A0092B-C50C-407E-A947-70E740481C1C}">
-                <a14:useLocalDpi xmlns:a14="http://schemas.microsoft.com/office/drawing/2010/main"/>
-              </a:ext>
-            </a:extLst>
-          </a:blip>
-          <a:srcRect/>
-          <a:stretch/>
-        </p:blipFill>
-        <p:spPr>
-          <a:prstGeom prst="rect">
-            <a:avLst/>
-          </a:prstGeom>
-        </p:spPr>
-      </p:pic>
-    </p:spTree>
-    <p:extLst>
-      <p:ext uri="{BB962C8B-B14F-4D97-AF65-F5344CB8AC3E}">
-        <p14:creationId xmlns:p14="http://schemas.microsoft.com/office/powerpoint/2010/main" val="1693693568"/>
-      </p:ext>
-    </p:extLst>
-  </p:cSld>
-  <p:clrMapOvr>
-    <a:masterClrMapping/>
-  </p:clrMapOvr>
-</p:sld>
-</file>
-
 <file path=ppt/slides/slide2.xml><?xml version="1.0" encoding="utf-8"?>
 <p:sld xmlns:a="http://schemas.openxmlformats.org/drawingml/2006/main" xmlns:r="http://schemas.openxmlformats.org/officeDocument/2006/relationships" xmlns:p="http://schemas.openxmlformats.org/presentationml/2006/main">
   <p:cSld>
@@ -10138,1170 +10365,6 @@
         </p:txBody>
       </p:sp>
     </p:spTree>
-  </p:cSld>
-  <p:clrMapOvr>
-    <a:masterClrMapping/>
-  </p:clrMapOvr>
-</p:sld>
-</file>
-
-<file path=ppt/slides/slide20.xml><?xml version="1.0" encoding="utf-8"?>
-<p:sld xmlns:a="http://schemas.openxmlformats.org/drawingml/2006/main" xmlns:r="http://schemas.openxmlformats.org/officeDocument/2006/relationships" xmlns:p="http://schemas.openxmlformats.org/presentationml/2006/main">
-  <p:cSld>
-    <p:spTree>
-      <p:nvGrpSpPr>
-        <p:cNvPr id="1" name=""/>
-        <p:cNvGrpSpPr/>
-        <p:nvPr/>
-      </p:nvGrpSpPr>
-      <p:grpSpPr>
-        <a:xfrm>
-          <a:off x="0" y="0"/>
-          <a:ext cx="0" cy="0"/>
-          <a:chOff x="0" y="0"/>
-          <a:chExt cx="0" cy="0"/>
-        </a:xfrm>
-      </p:grpSpPr>
-      <p:sp>
-        <p:nvSpPr>
-          <p:cNvPr id="24" name="Title"/>
-          <p:cNvSpPr>
-            <a:spLocks noGrp="1"/>
-          </p:cNvSpPr>
-          <p:nvPr>
-            <p:ph type="title"/>
-          </p:nvPr>
-        </p:nvSpPr>
-        <p:spPr bwMode="gray"/>
-        <p:txBody>
-          <a:bodyPr/>
-          <a:lstStyle/>
-          <a:p>
-            <a:r>
-              <a:rPr lang="en-US" dirty="0"/>
-              <a:t>Insert page title (sentence case)</a:t>
-            </a:r>
-          </a:p>
-        </p:txBody>
-      </p:sp>
-    </p:spTree>
-    <p:extLst>
-      <p:ext uri="{BB962C8B-B14F-4D97-AF65-F5344CB8AC3E}">
-        <p14:creationId xmlns:p14="http://schemas.microsoft.com/office/powerpoint/2010/main" val="3602749482"/>
-      </p:ext>
-    </p:extLst>
-  </p:cSld>
-  <p:clrMapOvr>
-    <a:masterClrMapping/>
-  </p:clrMapOvr>
-</p:sld>
-</file>
-
-<file path=ppt/slides/slide21.xml><?xml version="1.0" encoding="utf-8"?>
-<p:sld xmlns:a="http://schemas.openxmlformats.org/drawingml/2006/main" xmlns:r="http://schemas.openxmlformats.org/officeDocument/2006/relationships" xmlns:p="http://schemas.openxmlformats.org/presentationml/2006/main">
-  <p:cSld>
-    <p:spTree>
-      <p:nvGrpSpPr>
-        <p:cNvPr id="1" name=""/>
-        <p:cNvGrpSpPr/>
-        <p:nvPr/>
-      </p:nvGrpSpPr>
-      <p:grpSpPr>
-        <a:xfrm>
-          <a:off x="0" y="0"/>
-          <a:ext cx="0" cy="0"/>
-          <a:chOff x="0" y="0"/>
-          <a:chExt cx="0" cy="0"/>
-        </a:xfrm>
-      </p:grpSpPr>
-      <p:sp>
-        <p:nvSpPr>
-          <p:cNvPr id="24" name="Title"/>
-          <p:cNvSpPr>
-            <a:spLocks noGrp="1"/>
-          </p:cNvSpPr>
-          <p:nvPr>
-            <p:ph type="title"/>
-          </p:nvPr>
-        </p:nvSpPr>
-        <p:spPr bwMode="gray"/>
-        <p:txBody>
-          <a:bodyPr/>
-          <a:lstStyle/>
-          <a:p>
-            <a:r>
-              <a:rPr lang="en-US" dirty="0"/>
-              <a:t>Insert page title (sentence case)</a:t>
-            </a:r>
-          </a:p>
-        </p:txBody>
-      </p:sp>
-    </p:spTree>
-    <p:extLst>
-      <p:ext uri="{BB962C8B-B14F-4D97-AF65-F5344CB8AC3E}">
-        <p14:creationId xmlns:p14="http://schemas.microsoft.com/office/powerpoint/2010/main" val="2992388039"/>
-      </p:ext>
-    </p:extLst>
-  </p:cSld>
-  <p:clrMapOvr>
-    <a:masterClrMapping/>
-  </p:clrMapOvr>
-</p:sld>
-</file>
-
-<file path=ppt/slides/slide22.xml><?xml version="1.0" encoding="utf-8"?>
-<p:sld xmlns:a="http://schemas.openxmlformats.org/drawingml/2006/main" xmlns:r="http://schemas.openxmlformats.org/officeDocument/2006/relationships" xmlns:p="http://schemas.openxmlformats.org/presentationml/2006/main">
-  <p:cSld>
-    <p:spTree>
-      <p:nvGrpSpPr>
-        <p:cNvPr id="1" name=""/>
-        <p:cNvGrpSpPr/>
-        <p:nvPr/>
-      </p:nvGrpSpPr>
-      <p:grpSpPr>
-        <a:xfrm>
-          <a:off x="0" y="0"/>
-          <a:ext cx="0" cy="0"/>
-          <a:chOff x="0" y="0"/>
-          <a:chExt cx="0" cy="0"/>
-        </a:xfrm>
-      </p:grpSpPr>
-      <p:sp>
-        <p:nvSpPr>
-          <p:cNvPr id="11" name="Text Placeholder"/>
-          <p:cNvSpPr>
-            <a:spLocks noGrp="1"/>
-          </p:cNvSpPr>
-          <p:nvPr>
-            <p:ph type="body" sz="quarter" idx="10"/>
-          </p:nvPr>
-        </p:nvSpPr>
-        <p:spPr bwMode="gray"/>
-        <p:txBody>
-          <a:bodyPr/>
-          <a:lstStyle/>
-          <a:p>
-            <a:pPr lvl="0"/>
-            <a:r>
-              <a:rPr lang="en-US" dirty="0"/>
-              <a:t>First level</a:t>
-            </a:r>
-          </a:p>
-          <a:p>
-            <a:pPr lvl="1"/>
-            <a:r>
-              <a:rPr lang="en-US" dirty="0"/>
-              <a:t>Second level</a:t>
-            </a:r>
-          </a:p>
-          <a:p>
-            <a:pPr lvl="2"/>
-            <a:r>
-              <a:rPr lang="en-US" dirty="0"/>
-              <a:t>Third level</a:t>
-            </a:r>
-          </a:p>
-        </p:txBody>
-      </p:sp>
-      <p:sp>
-        <p:nvSpPr>
-          <p:cNvPr id="4" name="Title"/>
-          <p:cNvSpPr>
-            <a:spLocks noGrp="1"/>
-          </p:cNvSpPr>
-          <p:nvPr>
-            <p:ph type="title"/>
-          </p:nvPr>
-        </p:nvSpPr>
-        <p:spPr bwMode="gray"/>
-        <p:txBody>
-          <a:bodyPr/>
-          <a:lstStyle/>
-          <a:p>
-            <a:r>
-              <a:rPr lang="en-US" dirty="0"/>
-              <a:t>Insert page title (sentence case)</a:t>
-            </a:r>
-          </a:p>
-        </p:txBody>
-      </p:sp>
-      <p:grpSp>
-        <p:nvGrpSpPr>
-          <p:cNvPr id="9" name="Group 8">
-            <a:extLst>
-              <a:ext uri="{FF2B5EF4-FFF2-40B4-BE49-F238E27FC236}">
-                <a16:creationId xmlns:a16="http://schemas.microsoft.com/office/drawing/2014/main" id="{5BF28123-76F7-49B1-8B0B-20245CD7853F}"/>
-              </a:ext>
-            </a:extLst>
-          </p:cNvPr>
-          <p:cNvGrpSpPr/>
-          <p:nvPr/>
-        </p:nvGrpSpPr>
-        <p:grpSpPr>
-          <a:xfrm>
-            <a:off x="2626973" y="1620000"/>
-            <a:ext cx="3118507" cy="3874789"/>
-            <a:chOff x="2626973" y="1620000"/>
-            <a:chExt cx="3118507" cy="3874789"/>
-          </a:xfrm>
-        </p:grpSpPr>
-        <p:sp>
-          <p:nvSpPr>
-            <p:cNvPr id="5" name="Information to list level button" descr="Description of the list level funcionality while working with text placeholders" title="Description list level buttons"/>
-            <p:cNvSpPr/>
-            <p:nvPr/>
-          </p:nvSpPr>
-          <p:spPr bwMode="gray">
-            <a:xfrm>
-              <a:off x="2626973" y="1620000"/>
-              <a:ext cx="3118507" cy="3874789"/>
-            </a:xfrm>
-            <a:prstGeom prst="roundRect">
-              <a:avLst>
-                <a:gd name="adj" fmla="val 5631"/>
-              </a:avLst>
-            </a:prstGeom>
-            <a:solidFill>
-              <a:srgbClr val="FFFF00"/>
-            </a:solidFill>
-            <a:ln w="6350" algn="ctr">
-              <a:noFill/>
-              <a:miter lim="800000"/>
-              <a:headEnd/>
-              <a:tailEnd/>
-            </a:ln>
-          </p:spPr>
-          <p:txBody>
-            <a:bodyPr lIns="90000" tIns="72000" rIns="90000" bIns="72000" rtlCol="0" anchor="t" anchorCtr="0"/>
-            <a:lstStyle/>
-            <a:p>
-              <a:pPr>
-                <a:spcBef>
-                  <a:spcPts val="600"/>
-                </a:spcBef>
-                <a:buClr>
-                  <a:schemeClr val="accent1"/>
-                </a:buClr>
-                <a:buSzPct val="80000"/>
-                <a:defRPr/>
-              </a:pPr>
-              <a:r>
-                <a:rPr lang="en-US" sz="1000" b="1" kern="0" dirty="0">
-                  <a:ea typeface="Arial Unicode MS" pitchFamily="34" charset="-128"/>
-                  <a:cs typeface="Arial Unicode MS" pitchFamily="34" charset="-128"/>
-                  <a:sym typeface="Arial"/>
-                </a:rPr>
-                <a:t>NOTE: </a:t>
-              </a:r>
-              <a:r>
-                <a:rPr lang="en-US" sz="1000" kern="0" dirty="0">
-                  <a:ea typeface="Arial Unicode MS" pitchFamily="34" charset="-128"/>
-                  <a:cs typeface="Arial Unicode MS" pitchFamily="34" charset="-128"/>
-                  <a:sym typeface="Arial"/>
-                </a:rPr>
-                <a:t>Delete the yellow stickers when finished.</a:t>
-              </a:r>
-            </a:p>
-            <a:p>
-              <a:pPr>
-                <a:spcBef>
-                  <a:spcPts val="600"/>
-                </a:spcBef>
-                <a:buClr>
-                  <a:schemeClr val="accent1"/>
-                </a:buClr>
-                <a:buSzPct val="80000"/>
-                <a:defRPr/>
-              </a:pPr>
-              <a:r>
-                <a:rPr lang="en-US" sz="1000" dirty="0"/>
-                <a:t>The text placeholders have different, preformatted text levels. Each level has different formatting </a:t>
-              </a:r>
-              <a:br>
-                <a:rPr lang="en-US" sz="1000" dirty="0"/>
-              </a:br>
-              <a:r>
-                <a:rPr lang="en-US" sz="1000" dirty="0"/>
-                <a:t>(font size, indent, bullet).</a:t>
-              </a:r>
-            </a:p>
-            <a:p>
-              <a:pPr>
-                <a:spcBef>
-                  <a:spcPts val="600"/>
-                </a:spcBef>
-                <a:buClr>
-                  <a:schemeClr val="accent1"/>
-                </a:buClr>
-                <a:buSzPct val="80000"/>
-                <a:defRPr/>
-              </a:pPr>
-              <a:r>
-                <a:rPr lang="en-US" sz="1000" dirty="0"/>
-                <a:t>To jump between the preformatted text levels, use the </a:t>
-              </a:r>
-              <a:r>
-                <a:rPr lang="en-US" sz="1000" i="1" dirty="0"/>
-                <a:t>Increase</a:t>
-              </a:r>
-              <a:r>
-                <a:rPr lang="en-US" sz="1000" dirty="0"/>
-                <a:t> </a:t>
-              </a:r>
-              <a:r>
-                <a:rPr lang="en-US" sz="1000" i="1" dirty="0"/>
-                <a:t>List Level </a:t>
-              </a:r>
-              <a:r>
-                <a:rPr lang="en-US" sz="1000" dirty="0"/>
-                <a:t>and </a:t>
-              </a:r>
-              <a:r>
-                <a:rPr lang="en-US" sz="1000" i="1" dirty="0"/>
-                <a:t>Decrease</a:t>
-              </a:r>
-              <a:r>
-                <a:rPr lang="en-US" sz="1000" dirty="0"/>
-                <a:t> </a:t>
-              </a:r>
-              <a:r>
-                <a:rPr lang="en-US" sz="1000" i="1" dirty="0"/>
-                <a:t>List Level </a:t>
-              </a:r>
-              <a:r>
-                <a:rPr lang="en-US" sz="1000" dirty="0"/>
-                <a:t>buttons in the </a:t>
-              </a:r>
-              <a:r>
-                <a:rPr lang="en-US" sz="1000" i="1" dirty="0"/>
-                <a:t>Paragraph</a:t>
-              </a:r>
-              <a:r>
-                <a:rPr lang="en-US" sz="1000" dirty="0"/>
-                <a:t> toolbar.</a:t>
-              </a:r>
-            </a:p>
-            <a:p>
-              <a:pPr>
-                <a:spcBef>
-                  <a:spcPts val="600"/>
-                </a:spcBef>
-                <a:buClr>
-                  <a:schemeClr val="accent1"/>
-                </a:buClr>
-                <a:buSzPct val="80000"/>
-                <a:defRPr/>
-              </a:pPr>
-              <a:endParaRPr lang="en-US" sz="1000" dirty="0"/>
-            </a:p>
-            <a:p>
-              <a:pPr>
-                <a:spcBef>
-                  <a:spcPts val="600"/>
-                </a:spcBef>
-                <a:buClr>
-                  <a:schemeClr val="accent1"/>
-                </a:buClr>
-                <a:buSzPct val="80000"/>
-                <a:defRPr/>
-              </a:pPr>
-              <a:endParaRPr lang="en-US" sz="1000" dirty="0"/>
-            </a:p>
-            <a:p>
-              <a:pPr>
-                <a:spcBef>
-                  <a:spcPts val="600"/>
-                </a:spcBef>
-                <a:buClr>
-                  <a:schemeClr val="accent1"/>
-                </a:buClr>
-                <a:buSzPct val="80000"/>
-                <a:defRPr/>
-              </a:pPr>
-              <a:endParaRPr lang="en-US" sz="1000" dirty="0"/>
-            </a:p>
-            <a:p>
-              <a:pPr>
-                <a:spcBef>
-                  <a:spcPts val="600"/>
-                </a:spcBef>
-                <a:buClr>
-                  <a:schemeClr val="accent1"/>
-                </a:buClr>
-                <a:buSzPct val="80000"/>
-                <a:defRPr/>
-              </a:pPr>
-              <a:endParaRPr lang="en-US" sz="1000" dirty="0"/>
-            </a:p>
-            <a:p>
-              <a:pPr marL="136525" indent="-136525">
-                <a:spcBef>
-                  <a:spcPts val="1200"/>
-                </a:spcBef>
-                <a:buClr>
-                  <a:schemeClr val="tx1"/>
-                </a:buClr>
-                <a:buSzPct val="100000"/>
-                <a:buFont typeface="Arial" panose="020B0604020202020204" pitchFamily="34" charset="0"/>
-                <a:buChar char="•"/>
-                <a:defRPr/>
-              </a:pPr>
-              <a:r>
-                <a:rPr lang="en-US" sz="1000" dirty="0"/>
-                <a:t>Type your text in the placeholder.</a:t>
-              </a:r>
-            </a:p>
-            <a:p>
-              <a:pPr marL="136525" indent="-136525">
-                <a:spcBef>
-                  <a:spcPts val="600"/>
-                </a:spcBef>
-                <a:buClr>
-                  <a:schemeClr val="tx1"/>
-                </a:buClr>
-                <a:buSzPct val="100000"/>
-                <a:buFont typeface="Arial" panose="020B0604020202020204" pitchFamily="34" charset="0"/>
-                <a:buChar char="•"/>
-                <a:defRPr/>
-              </a:pPr>
-              <a:r>
-                <a:rPr lang="en-US" sz="1000" dirty="0"/>
-                <a:t>Click </a:t>
-              </a:r>
-              <a:r>
-                <a:rPr lang="en-US" sz="1000" i="1" dirty="0"/>
-                <a:t>the Increase List Level </a:t>
-              </a:r>
-              <a:r>
-                <a:rPr lang="en-US" sz="1000" dirty="0"/>
-                <a:t>button in the </a:t>
-              </a:r>
-              <a:r>
-                <a:rPr lang="en-US" sz="1000" i="1" dirty="0"/>
-                <a:t>Paragraph</a:t>
-              </a:r>
-              <a:r>
-                <a:rPr lang="en-US" sz="1000" dirty="0"/>
-                <a:t> toolbar to go to the next level.</a:t>
-              </a:r>
-            </a:p>
-            <a:p>
-              <a:pPr marL="136525" indent="-136525">
-                <a:spcBef>
-                  <a:spcPts val="600"/>
-                </a:spcBef>
-                <a:buClr>
-                  <a:schemeClr val="tx1"/>
-                </a:buClr>
-                <a:buSzPct val="100000"/>
-                <a:buFont typeface="Arial" panose="020B0604020202020204" pitchFamily="34" charset="0"/>
-                <a:buChar char="•"/>
-                <a:defRPr/>
-              </a:pPr>
-              <a:r>
-                <a:rPr lang="en-US" sz="1000" dirty="0"/>
-                <a:t>If you need a bullet list, choose level 2. </a:t>
-              </a:r>
-            </a:p>
-            <a:p>
-              <a:pPr marL="0" indent="0">
-                <a:spcBef>
-                  <a:spcPts val="600"/>
-                </a:spcBef>
-                <a:buClr>
-                  <a:schemeClr val="bg1"/>
-                </a:buClr>
-                <a:buSzPct val="100000"/>
-                <a:buFont typeface="Arial" panose="020B0604020202020204" pitchFamily="34" charset="0"/>
-                <a:buNone/>
-                <a:defRPr/>
-              </a:pPr>
-              <a:r>
-                <a:rPr lang="en-US" sz="1000" dirty="0"/>
-                <a:t>Avoid working with spaces, other bullets, or bullets in the wrong level. Only when you use the right levels it is possible to reset the slide layout.</a:t>
-              </a:r>
-            </a:p>
-          </p:txBody>
-        </p:sp>
-        <p:pic>
-          <p:nvPicPr>
-            <p:cNvPr id="6" name="List level button" descr="Screenshot list level buttons" title="Screenshot list level buttons"/>
-            <p:cNvPicPr>
-              <a:picLocks noChangeAspect="1"/>
-            </p:cNvPicPr>
-            <p:nvPr/>
-          </p:nvPicPr>
-          <p:blipFill rotWithShape="1">
-            <a:blip r:embed="rId2"/>
-            <a:srcRect l="1094"/>
-            <a:stretch/>
-          </p:blipFill>
-          <p:spPr bwMode="gray">
-            <a:xfrm>
-              <a:off x="2790065" y="3002260"/>
-              <a:ext cx="2826492" cy="901766"/>
-            </a:xfrm>
-            <a:prstGeom prst="rect">
-              <a:avLst/>
-            </a:prstGeom>
-          </p:spPr>
-        </p:pic>
-        <p:sp>
-          <p:nvSpPr>
-            <p:cNvPr id="7" name="Highlight list level button" descr="Rectangle for highliting list level buttons " title="Rectangle"/>
-            <p:cNvSpPr/>
-            <p:nvPr/>
-          </p:nvSpPr>
-          <p:spPr bwMode="gray">
-            <a:xfrm>
-              <a:off x="3415863" y="3053531"/>
-              <a:ext cx="543560" cy="311592"/>
-            </a:xfrm>
-            <a:prstGeom prst="rect">
-              <a:avLst/>
-            </a:prstGeom>
-            <a:noFill/>
-            <a:ln w="28575" algn="ctr">
-              <a:solidFill>
-                <a:srgbClr val="FF0000"/>
-              </a:solidFill>
-              <a:miter lim="800000"/>
-              <a:headEnd/>
-              <a:tailEnd/>
-            </a:ln>
-          </p:spPr>
-          <p:txBody>
-            <a:bodyPr lIns="90000" tIns="72000" rIns="90000" bIns="72000" rtlCol="0" anchor="ctr"/>
-            <a:lstStyle/>
-            <a:p>
-              <a:pPr marR="0" algn="ctr" defTabSz="914400" eaLnBrk="1" fontAlgn="base" latinLnBrk="0" hangingPunct="1">
-                <a:lnSpc>
-                  <a:spcPct val="100000"/>
-                </a:lnSpc>
-                <a:spcBef>
-                  <a:spcPct val="50000"/>
-                </a:spcBef>
-                <a:spcAft>
-                  <a:spcPct val="0"/>
-                </a:spcAft>
-                <a:buClr>
-                  <a:srgbClr val="F0AB00"/>
-                </a:buClr>
-                <a:buSzPct val="80000"/>
-                <a:tabLst/>
-              </a:pPr>
-              <a:endParaRPr kumimoji="0" lang="en-US" sz="1800" b="0" i="0" u="none" strike="noStrike" kern="0" cap="none" spc="0" normalizeH="0" baseline="0" noProof="0" dirty="0" err="1">
-                <a:ln>
-                  <a:noFill/>
-                </a:ln>
-                <a:effectLst/>
-                <a:uLnTx/>
-                <a:uFillTx/>
-                <a:ea typeface="Arial Unicode MS" pitchFamily="34" charset="-128"/>
-                <a:cs typeface="Arial Unicode MS" pitchFamily="34" charset="-128"/>
-              </a:endParaRPr>
-            </a:p>
-          </p:txBody>
-        </p:sp>
-      </p:grpSp>
-    </p:spTree>
-    <p:extLst>
-      <p:ext uri="{BB962C8B-B14F-4D97-AF65-F5344CB8AC3E}">
-        <p14:creationId xmlns:p14="http://schemas.microsoft.com/office/powerpoint/2010/main" val="3886438963"/>
-      </p:ext>
-    </p:extLst>
-  </p:cSld>
-  <p:clrMapOvr>
-    <a:masterClrMapping/>
-  </p:clrMapOvr>
-</p:sld>
-</file>
-
-<file path=ppt/slides/slide23.xml><?xml version="1.0" encoding="utf-8"?>
-<p:sld xmlns:a="http://schemas.openxmlformats.org/drawingml/2006/main" xmlns:r="http://schemas.openxmlformats.org/officeDocument/2006/relationships" xmlns:p="http://schemas.openxmlformats.org/presentationml/2006/main">
-  <p:cSld>
-    <p:spTree>
-      <p:nvGrpSpPr>
-        <p:cNvPr id="1" name=""/>
-        <p:cNvGrpSpPr/>
-        <p:nvPr/>
-      </p:nvGrpSpPr>
-      <p:grpSpPr>
-        <a:xfrm>
-          <a:off x="0" y="0"/>
-          <a:ext cx="0" cy="0"/>
-          <a:chOff x="0" y="0"/>
-          <a:chExt cx="0" cy="0"/>
-        </a:xfrm>
-      </p:grpSpPr>
-      <p:sp>
-        <p:nvSpPr>
-          <p:cNvPr id="2" name="Text Placeholder">
-            <a:extLst>
-              <a:ext uri="{FF2B5EF4-FFF2-40B4-BE49-F238E27FC236}">
-                <a16:creationId xmlns:a16="http://schemas.microsoft.com/office/drawing/2014/main" id="{FD8B0406-B42D-4E48-A077-1006CEECE8B8}"/>
-              </a:ext>
-            </a:extLst>
-          </p:cNvPr>
-          <p:cNvSpPr>
-            <a:spLocks noGrp="1"/>
-          </p:cNvSpPr>
-          <p:nvPr>
-            <p:ph type="body" sz="quarter" idx="10"/>
-          </p:nvPr>
-        </p:nvSpPr>
-        <p:spPr/>
-        <p:txBody>
-          <a:bodyPr/>
-          <a:lstStyle/>
-          <a:p>
-            <a:pPr lvl="0"/>
-            <a:r>
-              <a:rPr lang="en-US" dirty="0"/>
-              <a:t>First level</a:t>
-            </a:r>
-          </a:p>
-          <a:p>
-            <a:pPr lvl="1"/>
-            <a:r>
-              <a:rPr lang="en-US" dirty="0"/>
-              <a:t>Second level</a:t>
-            </a:r>
-          </a:p>
-          <a:p>
-            <a:pPr lvl="2"/>
-            <a:r>
-              <a:rPr lang="en-US" dirty="0"/>
-              <a:t>Third level</a:t>
-            </a:r>
-          </a:p>
-        </p:txBody>
-      </p:sp>
-      <p:sp>
-        <p:nvSpPr>
-          <p:cNvPr id="3" name="Title">
-            <a:extLst>
-              <a:ext uri="{FF2B5EF4-FFF2-40B4-BE49-F238E27FC236}">
-                <a16:creationId xmlns:a16="http://schemas.microsoft.com/office/drawing/2014/main" id="{D36C6BFD-B684-44BB-8F4D-37456D097F1B}"/>
-              </a:ext>
-            </a:extLst>
-          </p:cNvPr>
-          <p:cNvSpPr>
-            <a:spLocks noGrp="1"/>
-          </p:cNvSpPr>
-          <p:nvPr>
-            <p:ph type="title"/>
-          </p:nvPr>
-        </p:nvSpPr>
-        <p:spPr/>
-        <p:txBody>
-          <a:bodyPr/>
-          <a:lstStyle/>
-          <a:p>
-            <a:r>
-              <a:rPr lang="en-US" dirty="0"/>
-              <a:t>Insert page title (sentence case)</a:t>
-            </a:r>
-          </a:p>
-        </p:txBody>
-      </p:sp>
-    </p:spTree>
-    <p:extLst>
-      <p:ext uri="{BB962C8B-B14F-4D97-AF65-F5344CB8AC3E}">
-        <p14:creationId xmlns:p14="http://schemas.microsoft.com/office/powerpoint/2010/main" val="4007524871"/>
-      </p:ext>
-    </p:extLst>
-  </p:cSld>
-  <p:clrMapOvr>
-    <a:masterClrMapping/>
-  </p:clrMapOvr>
-</p:sld>
-</file>
-
-<file path=ppt/slides/slide24.xml><?xml version="1.0" encoding="utf-8"?>
-<p:sld xmlns:a="http://schemas.openxmlformats.org/drawingml/2006/main" xmlns:r="http://schemas.openxmlformats.org/officeDocument/2006/relationships" xmlns:p="http://schemas.openxmlformats.org/presentationml/2006/main">
-  <p:cSld>
-    <p:spTree>
-      <p:nvGrpSpPr>
-        <p:cNvPr id="1" name=""/>
-        <p:cNvGrpSpPr/>
-        <p:nvPr/>
-      </p:nvGrpSpPr>
-      <p:grpSpPr>
-        <a:xfrm>
-          <a:off x="0" y="0"/>
-          <a:ext cx="0" cy="0"/>
-          <a:chOff x="0" y="0"/>
-          <a:chExt cx="0" cy="0"/>
-        </a:xfrm>
-      </p:grpSpPr>
-      <p:sp>
-        <p:nvSpPr>
-          <p:cNvPr id="11" name="Text Placeholder"/>
-          <p:cNvSpPr>
-            <a:spLocks noGrp="1"/>
-          </p:cNvSpPr>
-          <p:nvPr>
-            <p:ph type="body" sz="quarter" idx="10"/>
-          </p:nvPr>
-        </p:nvSpPr>
-        <p:spPr bwMode="gray"/>
-        <p:txBody>
-          <a:bodyPr/>
-          <a:lstStyle/>
-          <a:p>
-            <a:pPr lvl="0"/>
-            <a:r>
-              <a:rPr lang="en-US" dirty="0"/>
-              <a:t>First level</a:t>
-            </a:r>
-          </a:p>
-          <a:p>
-            <a:pPr lvl="1"/>
-            <a:r>
-              <a:rPr lang="en-US" dirty="0"/>
-              <a:t>Second level</a:t>
-            </a:r>
-          </a:p>
-          <a:p>
-            <a:pPr lvl="2"/>
-            <a:r>
-              <a:rPr lang="en-US" dirty="0"/>
-              <a:t>Third level</a:t>
-            </a:r>
-          </a:p>
-        </p:txBody>
-      </p:sp>
-      <p:sp>
-        <p:nvSpPr>
-          <p:cNvPr id="4" name="Title"/>
-          <p:cNvSpPr>
-            <a:spLocks noGrp="1"/>
-          </p:cNvSpPr>
-          <p:nvPr>
-            <p:ph type="title"/>
-          </p:nvPr>
-        </p:nvSpPr>
-        <p:spPr bwMode="gray">
-          <a:xfrm>
-            <a:off x="504001" y="504000"/>
-            <a:ext cx="11186476" cy="646331"/>
-          </a:xfrm>
-        </p:spPr>
-        <p:txBody>
-          <a:bodyPr/>
-          <a:lstStyle/>
-          <a:p>
-            <a:r>
-              <a:rPr lang="en-US" dirty="0"/>
-              <a:t>Insert page title (sentence case)</a:t>
-            </a:r>
-            <a:br>
-              <a:rPr lang="en-US" dirty="0"/>
-            </a:br>
-            <a:r>
-              <a:rPr lang="en-US" sz="1800" b="0" dirty="0" err="1"/>
-              <a:t>Subheadline</a:t>
-            </a:r>
-            <a:endParaRPr lang="en-US" b="0" dirty="0"/>
-          </a:p>
-        </p:txBody>
-      </p:sp>
-    </p:spTree>
-    <p:extLst>
-      <p:ext uri="{BB962C8B-B14F-4D97-AF65-F5344CB8AC3E}">
-        <p14:creationId xmlns:p14="http://schemas.microsoft.com/office/powerpoint/2010/main" val="1196408533"/>
-      </p:ext>
-    </p:extLst>
-  </p:cSld>
-  <p:clrMapOvr>
-    <a:masterClrMapping/>
-  </p:clrMapOvr>
-</p:sld>
-</file>
-
-<file path=ppt/slides/slide25.xml><?xml version="1.0" encoding="utf-8"?>
-<p:sld xmlns:a="http://schemas.openxmlformats.org/drawingml/2006/main" xmlns:r="http://schemas.openxmlformats.org/officeDocument/2006/relationships" xmlns:p="http://schemas.openxmlformats.org/presentationml/2006/main">
-  <p:cSld>
-    <p:spTree>
-      <p:nvGrpSpPr>
-        <p:cNvPr id="1" name=""/>
-        <p:cNvGrpSpPr/>
-        <p:nvPr/>
-      </p:nvGrpSpPr>
-      <p:grpSpPr>
-        <a:xfrm>
-          <a:off x="0" y="0"/>
-          <a:ext cx="0" cy="0"/>
-          <a:chOff x="0" y="0"/>
-          <a:chExt cx="0" cy="0"/>
-        </a:xfrm>
-      </p:grpSpPr>
-      <p:sp>
-        <p:nvSpPr>
-          <p:cNvPr id="11" name="Quote placeholder"/>
-          <p:cNvSpPr>
-            <a:spLocks noGrp="1"/>
-          </p:cNvSpPr>
-          <p:nvPr>
-            <p:ph type="body" sz="quarter" idx="10"/>
-          </p:nvPr>
-        </p:nvSpPr>
-        <p:spPr bwMode="gray"/>
-        <p:txBody>
-          <a:bodyPr/>
-          <a:lstStyle/>
-          <a:p>
-            <a:pPr lvl="0"/>
-            <a:r>
-              <a:rPr lang="en-US" dirty="0"/>
-              <a:t>“Quote goes here and here </a:t>
-            </a:r>
-            <a:r>
-              <a:rPr lang="en-US" dirty="0">
-                <a:solidFill>
-                  <a:schemeClr val="accent1"/>
-                </a:solidFill>
-              </a:rPr>
-              <a:t>and here</a:t>
-            </a:r>
-            <a:r>
-              <a:rPr lang="en-US" dirty="0"/>
-              <a:t>.”</a:t>
-            </a:r>
-          </a:p>
-          <a:p>
-            <a:pPr lvl="1"/>
-            <a:r>
-              <a:rPr lang="en-US" dirty="0"/>
-              <a:t>Source</a:t>
-            </a:r>
-          </a:p>
-        </p:txBody>
-      </p:sp>
-    </p:spTree>
-    <p:extLst>
-      <p:ext uri="{BB962C8B-B14F-4D97-AF65-F5344CB8AC3E}">
-        <p14:creationId xmlns:p14="http://schemas.microsoft.com/office/powerpoint/2010/main" val="3295641251"/>
-      </p:ext>
-    </p:extLst>
-  </p:cSld>
-  <p:clrMapOvr>
-    <a:masterClrMapping/>
-  </p:clrMapOvr>
-</p:sld>
-</file>
-
-<file path=ppt/slides/slide26.xml><?xml version="1.0" encoding="utf-8"?>
-<p:sld xmlns:a="http://schemas.openxmlformats.org/drawingml/2006/main" xmlns:r="http://schemas.openxmlformats.org/officeDocument/2006/relationships" xmlns:p="http://schemas.openxmlformats.org/presentationml/2006/main">
-  <p:cSld>
-    <p:spTree>
-      <p:nvGrpSpPr>
-        <p:cNvPr id="1" name=""/>
-        <p:cNvGrpSpPr/>
-        <p:nvPr/>
-      </p:nvGrpSpPr>
-      <p:grpSpPr>
-        <a:xfrm>
-          <a:off x="0" y="0"/>
-          <a:ext cx="0" cy="0"/>
-          <a:chOff x="0" y="0"/>
-          <a:chExt cx="0" cy="0"/>
-        </a:xfrm>
-      </p:grpSpPr>
-      <p:sp>
-        <p:nvSpPr>
-          <p:cNvPr id="11" name="Quote placeholder"/>
-          <p:cNvSpPr>
-            <a:spLocks noGrp="1"/>
-          </p:cNvSpPr>
-          <p:nvPr>
-            <p:ph type="body" sz="quarter" idx="10"/>
-          </p:nvPr>
-        </p:nvSpPr>
-        <p:spPr bwMode="gray"/>
-        <p:txBody>
-          <a:bodyPr/>
-          <a:lstStyle/>
-          <a:p>
-            <a:pPr lvl="0"/>
-            <a:r>
-              <a:rPr lang="en-US" dirty="0"/>
-              <a:t>“Quote goes here and here </a:t>
-            </a:r>
-            <a:r>
-              <a:rPr lang="en-US" dirty="0">
-                <a:solidFill>
-                  <a:schemeClr val="accent1"/>
-                </a:solidFill>
-              </a:rPr>
-              <a:t>and here</a:t>
-            </a:r>
-            <a:r>
-              <a:rPr lang="en-US" dirty="0"/>
-              <a:t>.”</a:t>
-            </a:r>
-          </a:p>
-          <a:p>
-            <a:pPr lvl="1"/>
-            <a:r>
-              <a:rPr lang="en-US" dirty="0"/>
-              <a:t>Source</a:t>
-            </a:r>
-          </a:p>
-        </p:txBody>
-      </p:sp>
-    </p:spTree>
-    <p:extLst>
-      <p:ext uri="{BB962C8B-B14F-4D97-AF65-F5344CB8AC3E}">
-        <p14:creationId xmlns:p14="http://schemas.microsoft.com/office/powerpoint/2010/main" val="2010228457"/>
-      </p:ext>
-    </p:extLst>
-  </p:cSld>
-  <p:clrMapOvr>
-    <a:masterClrMapping/>
-  </p:clrMapOvr>
-</p:sld>
-</file>
-
-<file path=ppt/slides/slide27.xml><?xml version="1.0" encoding="utf-8"?>
-<p:sld xmlns:a="http://schemas.openxmlformats.org/drawingml/2006/main" xmlns:r="http://schemas.openxmlformats.org/officeDocument/2006/relationships" xmlns:p="http://schemas.openxmlformats.org/presentationml/2006/main">
-  <p:cSld>
-    <p:spTree>
-      <p:nvGrpSpPr>
-        <p:cNvPr id="1" name=""/>
-        <p:cNvGrpSpPr/>
-        <p:nvPr/>
-      </p:nvGrpSpPr>
-      <p:grpSpPr>
-        <a:xfrm>
-          <a:off x="0" y="0"/>
-          <a:ext cx="0" cy="0"/>
-          <a:chOff x="0" y="0"/>
-          <a:chExt cx="0" cy="0"/>
-        </a:xfrm>
-      </p:grpSpPr>
-      <p:sp>
-        <p:nvSpPr>
-          <p:cNvPr id="6" name="Picture Placeholder" descr="Placeholder for an image" title="Image placeholder content slide"/>
-          <p:cNvSpPr>
-            <a:spLocks noGrp="1"/>
-          </p:cNvSpPr>
-          <p:nvPr>
-            <p:ph type="pic" sz="quarter" idx="10"/>
-          </p:nvPr>
-        </p:nvSpPr>
-        <p:spPr bwMode="gray"/>
-      </p:sp>
-      <p:sp>
-        <p:nvSpPr>
-          <p:cNvPr id="4" name="Text Placeholder"/>
-          <p:cNvSpPr>
-            <a:spLocks noGrp="1"/>
-          </p:cNvSpPr>
-          <p:nvPr>
-            <p:ph type="body" sz="quarter" idx="11"/>
-          </p:nvPr>
-        </p:nvSpPr>
-        <p:spPr bwMode="gray"/>
-        <p:txBody>
-          <a:bodyPr/>
-          <a:lstStyle/>
-          <a:p>
-            <a:pPr lvl="0"/>
-            <a:r>
-              <a:rPr lang="en-US" dirty="0"/>
-              <a:t>First level</a:t>
-            </a:r>
-          </a:p>
-          <a:p>
-            <a:pPr lvl="1"/>
-            <a:r>
-              <a:rPr lang="en-US" dirty="0"/>
-              <a:t>Second level</a:t>
-            </a:r>
-          </a:p>
-          <a:p>
-            <a:pPr lvl="2"/>
-            <a:r>
-              <a:rPr lang="en-US" dirty="0"/>
-              <a:t>Third level</a:t>
-            </a:r>
-          </a:p>
-        </p:txBody>
-      </p:sp>
-      <p:sp>
-        <p:nvSpPr>
-          <p:cNvPr id="2" name="Title"/>
-          <p:cNvSpPr>
-            <a:spLocks noGrp="1"/>
-          </p:cNvSpPr>
-          <p:nvPr>
-            <p:ph type="title"/>
-          </p:nvPr>
-        </p:nvSpPr>
-        <p:spPr bwMode="gray"/>
-        <p:txBody>
-          <a:bodyPr/>
-          <a:lstStyle/>
-          <a:p>
-            <a:r>
-              <a:rPr lang="en-US" dirty="0"/>
-              <a:t>Insert page title (sentence case)</a:t>
-            </a:r>
-          </a:p>
-        </p:txBody>
-      </p:sp>
-    </p:spTree>
-    <p:extLst>
-      <p:ext uri="{BB962C8B-B14F-4D97-AF65-F5344CB8AC3E}">
-        <p14:creationId xmlns:p14="http://schemas.microsoft.com/office/powerpoint/2010/main" val="2468716513"/>
-      </p:ext>
-    </p:extLst>
-  </p:cSld>
-  <p:clrMapOvr>
-    <a:masterClrMapping/>
-  </p:clrMapOvr>
-</p:sld>
-</file>
-
-<file path=ppt/slides/slide28.xml><?xml version="1.0" encoding="utf-8"?>
-<p:sld xmlns:a="http://schemas.openxmlformats.org/drawingml/2006/main" xmlns:r="http://schemas.openxmlformats.org/officeDocument/2006/relationships" xmlns:p="http://schemas.openxmlformats.org/presentationml/2006/main">
-  <p:cSld>
-    <p:spTree>
-      <p:nvGrpSpPr>
-        <p:cNvPr id="1" name=""/>
-        <p:cNvGrpSpPr/>
-        <p:nvPr/>
-      </p:nvGrpSpPr>
-      <p:grpSpPr>
-        <a:xfrm>
-          <a:off x="0" y="0"/>
-          <a:ext cx="0" cy="0"/>
-          <a:chOff x="0" y="0"/>
-          <a:chExt cx="0" cy="0"/>
-        </a:xfrm>
-      </p:grpSpPr>
-      <p:sp>
-        <p:nvSpPr>
-          <p:cNvPr id="6" name="Picture Placeholder" descr="Placeholder for an image" title="Image placeholder content slide"/>
-          <p:cNvSpPr>
-            <a:spLocks noGrp="1"/>
-          </p:cNvSpPr>
-          <p:nvPr>
-            <p:ph type="pic" sz="quarter" idx="10"/>
-          </p:nvPr>
-        </p:nvSpPr>
-        <p:spPr bwMode="gray"/>
-      </p:sp>
-      <p:sp>
-        <p:nvSpPr>
-          <p:cNvPr id="4" name="Text Placeholder"/>
-          <p:cNvSpPr>
-            <a:spLocks noGrp="1"/>
-          </p:cNvSpPr>
-          <p:nvPr>
-            <p:ph type="body" sz="quarter" idx="11"/>
-          </p:nvPr>
-        </p:nvSpPr>
-        <p:spPr bwMode="gray"/>
-        <p:txBody>
-          <a:bodyPr/>
-          <a:lstStyle/>
-          <a:p>
-            <a:pPr lvl="0"/>
-            <a:r>
-              <a:rPr lang="en-US"/>
-              <a:t>First level</a:t>
-            </a:r>
-          </a:p>
-          <a:p>
-            <a:pPr lvl="1"/>
-            <a:r>
-              <a:rPr lang="en-US"/>
-              <a:t>Second level</a:t>
-            </a:r>
-          </a:p>
-          <a:p>
-            <a:pPr lvl="2"/>
-            <a:r>
-              <a:rPr lang="en-US"/>
-              <a:t>Third level</a:t>
-            </a:r>
-            <a:endParaRPr lang="en-US" dirty="0"/>
-          </a:p>
-        </p:txBody>
-      </p:sp>
-      <p:sp>
-        <p:nvSpPr>
-          <p:cNvPr id="2" name="Title"/>
-          <p:cNvSpPr>
-            <a:spLocks noGrp="1"/>
-          </p:cNvSpPr>
-          <p:nvPr>
-            <p:ph type="title"/>
-          </p:nvPr>
-        </p:nvSpPr>
-        <p:spPr bwMode="gray"/>
-        <p:txBody>
-          <a:bodyPr/>
-          <a:lstStyle/>
-          <a:p>
-            <a:r>
-              <a:rPr lang="en-US" dirty="0"/>
-              <a:t>Insert page title (sentence case)</a:t>
-            </a:r>
-          </a:p>
-        </p:txBody>
-      </p:sp>
-    </p:spTree>
-    <p:extLst>
-      <p:ext uri="{BB962C8B-B14F-4D97-AF65-F5344CB8AC3E}">
-        <p14:creationId xmlns:p14="http://schemas.microsoft.com/office/powerpoint/2010/main" val="4154867534"/>
-      </p:ext>
-    </p:extLst>
-  </p:cSld>
-  <p:clrMapOvr>
-    <a:masterClrMapping/>
-  </p:clrMapOvr>
-</p:sld>
-</file>
-
-<file path=ppt/slides/slide29.xml><?xml version="1.0" encoding="utf-8"?>
-<p:sld xmlns:a="http://schemas.openxmlformats.org/drawingml/2006/main" xmlns:r="http://schemas.openxmlformats.org/officeDocument/2006/relationships" xmlns:p="http://schemas.openxmlformats.org/presentationml/2006/main">
-  <p:cSld>
-    <p:spTree>
-      <p:nvGrpSpPr>
-        <p:cNvPr id="1" name=""/>
-        <p:cNvGrpSpPr/>
-        <p:nvPr/>
-      </p:nvGrpSpPr>
-      <p:grpSpPr>
-        <a:xfrm>
-          <a:off x="0" y="0"/>
-          <a:ext cx="0" cy="0"/>
-          <a:chOff x="0" y="0"/>
-          <a:chExt cx="0" cy="0"/>
-        </a:xfrm>
-      </p:grpSpPr>
-      <p:sp>
-        <p:nvSpPr>
-          <p:cNvPr id="8" name="Picture Placeholder 7" descr="Image Placeholder" title="Image Placeholder"/>
-          <p:cNvSpPr>
-            <a:spLocks noGrp="1"/>
-          </p:cNvSpPr>
-          <p:nvPr>
-            <p:ph type="pic" sz="quarter" idx="10"/>
-          </p:nvPr>
-        </p:nvSpPr>
-        <p:spPr bwMode="gray"/>
-      </p:sp>
-    </p:spTree>
-    <p:extLst>
-      <p:ext uri="{BB962C8B-B14F-4D97-AF65-F5344CB8AC3E}">
-        <p14:creationId xmlns:p14="http://schemas.microsoft.com/office/powerpoint/2010/main" val="1840057824"/>
-      </p:ext>
-    </p:extLst>
   </p:cSld>
   <p:clrMapOvr>
     <a:masterClrMapping/>
@@ -11380,829 +10443,6 @@
     <p:extLst>
       <p:ext uri="{BB962C8B-B14F-4D97-AF65-F5344CB8AC3E}">
         <p14:creationId xmlns:p14="http://schemas.microsoft.com/office/powerpoint/2010/main" val="1515423877"/>
-      </p:ext>
-    </p:extLst>
-  </p:cSld>
-  <p:clrMapOvr>
-    <a:masterClrMapping/>
-  </p:clrMapOvr>
-</p:sld>
-</file>
-
-<file path=ppt/slides/slide30.xml><?xml version="1.0" encoding="utf-8"?>
-<p:sld xmlns:a="http://schemas.openxmlformats.org/drawingml/2006/main" xmlns:r="http://schemas.openxmlformats.org/officeDocument/2006/relationships" xmlns:p="http://schemas.openxmlformats.org/presentationml/2006/main">
-  <p:cSld>
-    <p:spTree>
-      <p:nvGrpSpPr>
-        <p:cNvPr id="1" name=""/>
-        <p:cNvGrpSpPr/>
-        <p:nvPr/>
-      </p:nvGrpSpPr>
-      <p:grpSpPr>
-        <a:xfrm>
-          <a:off x="0" y="0"/>
-          <a:ext cx="0" cy="0"/>
-          <a:chOff x="0" y="0"/>
-          <a:chExt cx="0" cy="0"/>
-        </a:xfrm>
-      </p:grpSpPr>
-      <p:sp>
-        <p:nvSpPr>
-          <p:cNvPr id="9" name="Text Placeholder column 2"/>
-          <p:cNvSpPr>
-            <a:spLocks noGrp="1"/>
-          </p:cNvSpPr>
-          <p:nvPr>
-            <p:ph type="body" sz="quarter" idx="11"/>
-          </p:nvPr>
-        </p:nvSpPr>
-        <p:spPr bwMode="gray"/>
-        <p:txBody>
-          <a:bodyPr/>
-          <a:lstStyle/>
-          <a:p>
-            <a:pPr lvl="0"/>
-            <a:r>
-              <a:rPr lang="en-US"/>
-              <a:t>First level</a:t>
-            </a:r>
-          </a:p>
-          <a:p>
-            <a:pPr lvl="1"/>
-            <a:r>
-              <a:rPr lang="en-US"/>
-              <a:t>Second level</a:t>
-            </a:r>
-          </a:p>
-          <a:p>
-            <a:pPr lvl="2"/>
-            <a:r>
-              <a:rPr lang="en-US"/>
-              <a:t>Third level</a:t>
-            </a:r>
-            <a:endParaRPr lang="en-US" dirty="0"/>
-          </a:p>
-        </p:txBody>
-      </p:sp>
-      <p:sp>
-        <p:nvSpPr>
-          <p:cNvPr id="8" name="Text Placeholder column 1"/>
-          <p:cNvSpPr>
-            <a:spLocks noGrp="1"/>
-          </p:cNvSpPr>
-          <p:nvPr>
-            <p:ph type="body" sz="quarter" idx="10"/>
-          </p:nvPr>
-        </p:nvSpPr>
-        <p:spPr bwMode="gray"/>
-        <p:txBody>
-          <a:bodyPr/>
-          <a:lstStyle/>
-          <a:p>
-            <a:pPr lvl="0"/>
-            <a:r>
-              <a:rPr lang="en-US"/>
-              <a:t>First level</a:t>
-            </a:r>
-          </a:p>
-          <a:p>
-            <a:pPr lvl="1"/>
-            <a:r>
-              <a:rPr lang="en-US"/>
-              <a:t>Second level</a:t>
-            </a:r>
-          </a:p>
-          <a:p>
-            <a:pPr lvl="2"/>
-            <a:r>
-              <a:rPr lang="en-US"/>
-              <a:t>Third level</a:t>
-            </a:r>
-            <a:endParaRPr lang="en-US" dirty="0"/>
-          </a:p>
-        </p:txBody>
-      </p:sp>
-      <p:sp>
-        <p:nvSpPr>
-          <p:cNvPr id="7" name="Title"/>
-          <p:cNvSpPr>
-            <a:spLocks noGrp="1"/>
-          </p:cNvSpPr>
-          <p:nvPr>
-            <p:ph type="title"/>
-          </p:nvPr>
-        </p:nvSpPr>
-        <p:spPr bwMode="gray"/>
-        <p:txBody>
-          <a:bodyPr/>
-          <a:lstStyle/>
-          <a:p>
-            <a:r>
-              <a:rPr lang="en-US" dirty="0"/>
-              <a:t>Insert page title (sentence case)</a:t>
-            </a:r>
-          </a:p>
-        </p:txBody>
-      </p:sp>
-    </p:spTree>
-    <p:extLst>
-      <p:ext uri="{BB962C8B-B14F-4D97-AF65-F5344CB8AC3E}">
-        <p14:creationId xmlns:p14="http://schemas.microsoft.com/office/powerpoint/2010/main" val="854015491"/>
-      </p:ext>
-    </p:extLst>
-  </p:cSld>
-  <p:clrMapOvr>
-    <a:masterClrMapping/>
-  </p:clrMapOvr>
-</p:sld>
-</file>
-
-<file path=ppt/slides/slide31.xml><?xml version="1.0" encoding="utf-8"?>
-<p:sld xmlns:a="http://schemas.openxmlformats.org/drawingml/2006/main" xmlns:r="http://schemas.openxmlformats.org/officeDocument/2006/relationships" xmlns:p="http://schemas.openxmlformats.org/presentationml/2006/main">
-  <p:cSld>
-    <p:spTree>
-      <p:nvGrpSpPr>
-        <p:cNvPr id="1" name=""/>
-        <p:cNvGrpSpPr/>
-        <p:nvPr/>
-      </p:nvGrpSpPr>
-      <p:grpSpPr>
-        <a:xfrm>
-          <a:off x="0" y="0"/>
-          <a:ext cx="0" cy="0"/>
-          <a:chOff x="0" y="0"/>
-          <a:chExt cx="0" cy="0"/>
-        </a:xfrm>
-      </p:grpSpPr>
-      <p:sp>
-        <p:nvSpPr>
-          <p:cNvPr id="5" name="Text Placeholder column 3"/>
-          <p:cNvSpPr>
-            <a:spLocks noGrp="1"/>
-          </p:cNvSpPr>
-          <p:nvPr>
-            <p:ph type="body" sz="quarter" idx="13"/>
-          </p:nvPr>
-        </p:nvSpPr>
-        <p:spPr bwMode="gray"/>
-        <p:txBody>
-          <a:bodyPr/>
-          <a:lstStyle/>
-          <a:p>
-            <a:pPr lvl="0"/>
-            <a:r>
-              <a:rPr lang="en-US"/>
-              <a:t>First level</a:t>
-            </a:r>
-          </a:p>
-          <a:p>
-            <a:pPr lvl="1"/>
-            <a:r>
-              <a:rPr lang="en-US"/>
-              <a:t>Second level</a:t>
-            </a:r>
-          </a:p>
-          <a:p>
-            <a:pPr lvl="2"/>
-            <a:r>
-              <a:rPr lang="en-US"/>
-              <a:t>Third level</a:t>
-            </a:r>
-            <a:endParaRPr lang="en-US" dirty="0"/>
-          </a:p>
-        </p:txBody>
-      </p:sp>
-      <p:sp>
-        <p:nvSpPr>
-          <p:cNvPr id="4" name="Text Placeholder column 2"/>
-          <p:cNvSpPr>
-            <a:spLocks noGrp="1"/>
-          </p:cNvSpPr>
-          <p:nvPr>
-            <p:ph type="body" sz="quarter" idx="12"/>
-          </p:nvPr>
-        </p:nvSpPr>
-        <p:spPr bwMode="gray"/>
-        <p:txBody>
-          <a:bodyPr/>
-          <a:lstStyle/>
-          <a:p>
-            <a:pPr lvl="0"/>
-            <a:r>
-              <a:rPr lang="en-US"/>
-              <a:t>First level</a:t>
-            </a:r>
-          </a:p>
-          <a:p>
-            <a:pPr lvl="1"/>
-            <a:r>
-              <a:rPr lang="en-US"/>
-              <a:t>Second level</a:t>
-            </a:r>
-          </a:p>
-          <a:p>
-            <a:pPr lvl="2"/>
-            <a:r>
-              <a:rPr lang="en-US"/>
-              <a:t>Third level</a:t>
-            </a:r>
-            <a:endParaRPr lang="en-US" dirty="0"/>
-          </a:p>
-        </p:txBody>
-      </p:sp>
-      <p:sp>
-        <p:nvSpPr>
-          <p:cNvPr id="3" name="Text Placeholder column 1"/>
-          <p:cNvSpPr>
-            <a:spLocks noGrp="1"/>
-          </p:cNvSpPr>
-          <p:nvPr>
-            <p:ph type="body" sz="quarter" idx="10"/>
-          </p:nvPr>
-        </p:nvSpPr>
-        <p:spPr bwMode="gray"/>
-        <p:txBody>
-          <a:bodyPr/>
-          <a:lstStyle/>
-          <a:p>
-            <a:pPr lvl="0"/>
-            <a:r>
-              <a:rPr lang="en-US" dirty="0"/>
-              <a:t>First level</a:t>
-            </a:r>
-          </a:p>
-          <a:p>
-            <a:pPr lvl="1"/>
-            <a:r>
-              <a:rPr lang="en-US" dirty="0"/>
-              <a:t>Second level</a:t>
-            </a:r>
-          </a:p>
-          <a:p>
-            <a:pPr lvl="2"/>
-            <a:r>
-              <a:rPr lang="en-US" dirty="0"/>
-              <a:t>Third level</a:t>
-            </a:r>
-          </a:p>
-        </p:txBody>
-      </p:sp>
-      <p:sp>
-        <p:nvSpPr>
-          <p:cNvPr id="2" name="Title"/>
-          <p:cNvSpPr>
-            <a:spLocks noGrp="1"/>
-          </p:cNvSpPr>
-          <p:nvPr>
-            <p:ph type="title"/>
-          </p:nvPr>
-        </p:nvSpPr>
-        <p:spPr bwMode="gray"/>
-        <p:txBody>
-          <a:bodyPr/>
-          <a:lstStyle/>
-          <a:p>
-            <a:r>
-              <a:rPr lang="en-US" dirty="0"/>
-              <a:t>Insert page title (sentence case)</a:t>
-            </a:r>
-          </a:p>
-        </p:txBody>
-      </p:sp>
-    </p:spTree>
-    <p:extLst>
-      <p:ext uri="{BB962C8B-B14F-4D97-AF65-F5344CB8AC3E}">
-        <p14:creationId xmlns:p14="http://schemas.microsoft.com/office/powerpoint/2010/main" val="94846162"/>
-      </p:ext>
-    </p:extLst>
-  </p:cSld>
-  <p:clrMapOvr>
-    <a:masterClrMapping/>
-  </p:clrMapOvr>
-</p:sld>
-</file>
-
-<file path=ppt/slides/slide32.xml><?xml version="1.0" encoding="utf-8"?>
-<p:sld xmlns:a="http://schemas.openxmlformats.org/drawingml/2006/main" xmlns:r="http://schemas.openxmlformats.org/officeDocument/2006/relationships" xmlns:p="http://schemas.openxmlformats.org/presentationml/2006/main">
-  <p:cSld>
-    <p:spTree>
-      <p:nvGrpSpPr>
-        <p:cNvPr id="1" name=""/>
-        <p:cNvGrpSpPr/>
-        <p:nvPr/>
-      </p:nvGrpSpPr>
-      <p:grpSpPr>
-        <a:xfrm>
-          <a:off x="0" y="0"/>
-          <a:ext cx="0" cy="0"/>
-          <a:chOff x="0" y="0"/>
-          <a:chExt cx="0" cy="0"/>
-        </a:xfrm>
-      </p:grpSpPr>
-      <p:sp>
-        <p:nvSpPr>
-          <p:cNvPr id="10" name="Text Placeholder column 2"/>
-          <p:cNvSpPr>
-            <a:spLocks noGrp="1"/>
-          </p:cNvSpPr>
-          <p:nvPr>
-            <p:ph type="body" sz="quarter" idx="13"/>
-          </p:nvPr>
-        </p:nvSpPr>
-        <p:spPr bwMode="gray"/>
-        <p:txBody>
-          <a:bodyPr/>
-          <a:lstStyle/>
-          <a:p>
-            <a:pPr lvl="0"/>
-            <a:r>
-              <a:rPr lang="en-US" dirty="0"/>
-              <a:t>First level</a:t>
-            </a:r>
-          </a:p>
-          <a:p>
-            <a:pPr lvl="1"/>
-            <a:r>
-              <a:rPr lang="en-US" dirty="0"/>
-              <a:t>Second level</a:t>
-            </a:r>
-          </a:p>
-        </p:txBody>
-      </p:sp>
-      <p:sp>
-        <p:nvSpPr>
-          <p:cNvPr id="16" name="Picture Placeholder 2" descr="Image placeholder right" title="Image placeholder"/>
-          <p:cNvSpPr>
-            <a:spLocks noGrp="1"/>
-          </p:cNvSpPr>
-          <p:nvPr>
-            <p:ph type="pic" sz="quarter" idx="14"/>
-          </p:nvPr>
-        </p:nvSpPr>
-        <p:spPr bwMode="gray"/>
-      </p:sp>
-      <p:sp>
-        <p:nvSpPr>
-          <p:cNvPr id="3" name="Text Placeholder column 1"/>
-          <p:cNvSpPr>
-            <a:spLocks noGrp="1"/>
-          </p:cNvSpPr>
-          <p:nvPr>
-            <p:ph type="body" sz="quarter" idx="10"/>
-          </p:nvPr>
-        </p:nvSpPr>
-        <p:spPr bwMode="gray"/>
-        <p:txBody>
-          <a:bodyPr/>
-          <a:lstStyle/>
-          <a:p>
-            <a:pPr lvl="0"/>
-            <a:r>
-              <a:rPr lang="en-US" dirty="0"/>
-              <a:t>First level</a:t>
-            </a:r>
-          </a:p>
-          <a:p>
-            <a:pPr lvl="1"/>
-            <a:r>
-              <a:rPr lang="en-US" dirty="0"/>
-              <a:t>Second level</a:t>
-            </a:r>
-          </a:p>
-        </p:txBody>
-      </p:sp>
-      <p:sp>
-        <p:nvSpPr>
-          <p:cNvPr id="15" name="Picture Placeholder 1" descr="Image placeholder left" title="Image placeholde"/>
-          <p:cNvSpPr>
-            <a:spLocks noGrp="1"/>
-          </p:cNvSpPr>
-          <p:nvPr>
-            <p:ph type="pic" sz="quarter" idx="12"/>
-          </p:nvPr>
-        </p:nvSpPr>
-        <p:spPr bwMode="gray"/>
-      </p:sp>
-      <p:sp>
-        <p:nvSpPr>
-          <p:cNvPr id="8" name="Title"/>
-          <p:cNvSpPr>
-            <a:spLocks noGrp="1"/>
-          </p:cNvSpPr>
-          <p:nvPr>
-            <p:ph type="title"/>
-          </p:nvPr>
-        </p:nvSpPr>
-        <p:spPr bwMode="gray"/>
-        <p:txBody>
-          <a:bodyPr/>
-          <a:lstStyle/>
-          <a:p>
-            <a:r>
-              <a:rPr lang="en-US" dirty="0"/>
-              <a:t>Insert page title (sentence case)</a:t>
-            </a:r>
-          </a:p>
-        </p:txBody>
-      </p:sp>
-    </p:spTree>
-    <p:extLst>
-      <p:ext uri="{BB962C8B-B14F-4D97-AF65-F5344CB8AC3E}">
-        <p14:creationId xmlns:p14="http://schemas.microsoft.com/office/powerpoint/2010/main" val="1504049518"/>
-      </p:ext>
-    </p:extLst>
-  </p:cSld>
-  <p:clrMapOvr>
-    <a:masterClrMapping/>
-  </p:clrMapOvr>
-</p:sld>
-</file>
-
-<file path=ppt/slides/slide33.xml><?xml version="1.0" encoding="utf-8"?>
-<p:sld xmlns:a="http://schemas.openxmlformats.org/drawingml/2006/main" xmlns:r="http://schemas.openxmlformats.org/officeDocument/2006/relationships" xmlns:p="http://schemas.openxmlformats.org/presentationml/2006/main">
-  <p:cSld>
-    <p:spTree>
-      <p:nvGrpSpPr>
-        <p:cNvPr id="1" name=""/>
-        <p:cNvGrpSpPr/>
-        <p:nvPr/>
-      </p:nvGrpSpPr>
-      <p:grpSpPr>
-        <a:xfrm>
-          <a:off x="0" y="0"/>
-          <a:ext cx="0" cy="0"/>
-          <a:chOff x="0" y="0"/>
-          <a:chExt cx="0" cy="0"/>
-        </a:xfrm>
-      </p:grpSpPr>
-      <p:sp>
-        <p:nvSpPr>
-          <p:cNvPr id="12" name="Text Placeholder column 3"/>
-          <p:cNvSpPr>
-            <a:spLocks noGrp="1"/>
-          </p:cNvSpPr>
-          <p:nvPr>
-            <p:ph type="body" sz="quarter" idx="13"/>
-          </p:nvPr>
-        </p:nvSpPr>
-        <p:spPr bwMode="gray"/>
-        <p:txBody>
-          <a:bodyPr/>
-          <a:lstStyle/>
-          <a:p>
-            <a:pPr lvl="0"/>
-            <a:r>
-              <a:rPr lang="en-US" dirty="0"/>
-              <a:t>First level</a:t>
-            </a:r>
-          </a:p>
-          <a:p>
-            <a:pPr lvl="1"/>
-            <a:r>
-              <a:rPr lang="en-US" dirty="0"/>
-              <a:t>Second level</a:t>
-            </a:r>
-          </a:p>
-        </p:txBody>
-      </p:sp>
-      <p:sp>
-        <p:nvSpPr>
-          <p:cNvPr id="13" name="Picture Placeholder 3" descr="Image placeholder 3/3" title="Image placeholder 3/3"/>
-          <p:cNvSpPr>
-            <a:spLocks noGrp="1"/>
-          </p:cNvSpPr>
-          <p:nvPr>
-            <p:ph type="pic" sz="quarter" idx="14"/>
-          </p:nvPr>
-        </p:nvSpPr>
-        <p:spPr bwMode="gray"/>
-      </p:sp>
-      <p:sp>
-        <p:nvSpPr>
-          <p:cNvPr id="14" name="Text Placeholder column 2"/>
-          <p:cNvSpPr>
-            <a:spLocks noGrp="1"/>
-          </p:cNvSpPr>
-          <p:nvPr>
-            <p:ph type="body" sz="quarter" idx="15"/>
-          </p:nvPr>
-        </p:nvSpPr>
-        <p:spPr bwMode="gray"/>
-        <p:txBody>
-          <a:bodyPr/>
-          <a:lstStyle/>
-          <a:p>
-            <a:pPr lvl="0"/>
-            <a:r>
-              <a:rPr lang="en-US" dirty="0"/>
-              <a:t>First level</a:t>
-            </a:r>
-          </a:p>
-          <a:p>
-            <a:pPr lvl="1"/>
-            <a:r>
-              <a:rPr lang="en-US" dirty="0"/>
-              <a:t>Second level</a:t>
-            </a:r>
-          </a:p>
-        </p:txBody>
-      </p:sp>
-      <p:sp>
-        <p:nvSpPr>
-          <p:cNvPr id="15" name="Picture Placeholder 2" descr="Image placeholder 2/3" title="Image placeholder 2/3"/>
-          <p:cNvSpPr>
-            <a:spLocks noGrp="1"/>
-          </p:cNvSpPr>
-          <p:nvPr>
-            <p:ph type="pic" sz="quarter" idx="16"/>
-          </p:nvPr>
-        </p:nvSpPr>
-        <p:spPr bwMode="gray"/>
-      </p:sp>
-      <p:sp>
-        <p:nvSpPr>
-          <p:cNvPr id="10" name="Text Placeholder column 1"/>
-          <p:cNvSpPr>
-            <a:spLocks noGrp="1"/>
-          </p:cNvSpPr>
-          <p:nvPr>
-            <p:ph type="body" sz="quarter" idx="10"/>
-          </p:nvPr>
-        </p:nvSpPr>
-        <p:spPr bwMode="gray"/>
-        <p:txBody>
-          <a:bodyPr/>
-          <a:lstStyle/>
-          <a:p>
-            <a:pPr lvl="0"/>
-            <a:r>
-              <a:rPr lang="en-US" dirty="0"/>
-              <a:t>First level</a:t>
-            </a:r>
-          </a:p>
-          <a:p>
-            <a:pPr lvl="1"/>
-            <a:r>
-              <a:rPr lang="en-US" dirty="0"/>
-              <a:t>Second level</a:t>
-            </a:r>
-          </a:p>
-        </p:txBody>
-      </p:sp>
-      <p:sp>
-        <p:nvSpPr>
-          <p:cNvPr id="11" name="Picture Placeholder 1" descr="Image placeholder 1/3" title="Image placeholder 1/3"/>
-          <p:cNvSpPr>
-            <a:spLocks noGrp="1"/>
-          </p:cNvSpPr>
-          <p:nvPr>
-            <p:ph type="pic" sz="quarter" idx="12"/>
-          </p:nvPr>
-        </p:nvSpPr>
-        <p:spPr bwMode="gray"/>
-      </p:sp>
-      <p:sp>
-        <p:nvSpPr>
-          <p:cNvPr id="2" name="Title"/>
-          <p:cNvSpPr>
-            <a:spLocks noGrp="1"/>
-          </p:cNvSpPr>
-          <p:nvPr>
-            <p:ph type="title"/>
-          </p:nvPr>
-        </p:nvSpPr>
-        <p:spPr bwMode="gray"/>
-        <p:txBody>
-          <a:bodyPr/>
-          <a:lstStyle/>
-          <a:p>
-            <a:r>
-              <a:rPr lang="en-US" dirty="0"/>
-              <a:t>Insert page title (sentence case)</a:t>
-            </a:r>
-          </a:p>
-        </p:txBody>
-      </p:sp>
-    </p:spTree>
-    <p:extLst>
-      <p:ext uri="{BB962C8B-B14F-4D97-AF65-F5344CB8AC3E}">
-        <p14:creationId xmlns:p14="http://schemas.microsoft.com/office/powerpoint/2010/main" val="1175416068"/>
-      </p:ext>
-    </p:extLst>
-  </p:cSld>
-  <p:clrMapOvr>
-    <a:masterClrMapping/>
-  </p:clrMapOvr>
-</p:sld>
-</file>
-
-<file path=ppt/slides/slide34.xml><?xml version="1.0" encoding="utf-8"?>
-<p:sld xmlns:a="http://schemas.openxmlformats.org/drawingml/2006/main" xmlns:r="http://schemas.openxmlformats.org/officeDocument/2006/relationships" xmlns:p="http://schemas.openxmlformats.org/presentationml/2006/main">
-  <p:cSld>
-    <p:spTree>
-      <p:nvGrpSpPr>
-        <p:cNvPr id="1" name=""/>
-        <p:cNvGrpSpPr/>
-        <p:nvPr/>
-      </p:nvGrpSpPr>
-      <p:grpSpPr>
-        <a:xfrm>
-          <a:off x="0" y="0"/>
-          <a:ext cx="0" cy="0"/>
-          <a:chOff x="0" y="0"/>
-          <a:chExt cx="0" cy="0"/>
-        </a:xfrm>
-      </p:grpSpPr>
-      <p:sp>
-        <p:nvSpPr>
-          <p:cNvPr id="4" name="Placeholder Partner logo"/>
-          <p:cNvSpPr/>
-          <p:nvPr/>
-        </p:nvSpPr>
-        <p:spPr bwMode="gray">
-          <a:xfrm>
-            <a:off x="504000" y="5944029"/>
-            <a:ext cx="944661" cy="402796"/>
-          </a:xfrm>
-          <a:prstGeom prst="rect">
-            <a:avLst/>
-          </a:prstGeom>
-          <a:solidFill>
-            <a:schemeClr val="bg2"/>
-          </a:solidFill>
-          <a:ln w="6350" algn="ctr">
-            <a:noFill/>
-            <a:miter lim="800000"/>
-            <a:headEnd/>
-            <a:tailEnd/>
-          </a:ln>
-        </p:spPr>
-        <p:txBody>
-          <a:bodyPr lIns="89979" tIns="71983" rIns="89979" bIns="71983" rtlCol="0" anchor="ctr"/>
-          <a:lstStyle/>
-          <a:p>
-            <a:pPr algn="ctr" defTabSz="914217" fontAlgn="base">
-              <a:spcBef>
-                <a:spcPct val="50000"/>
-              </a:spcBef>
-              <a:spcAft>
-                <a:spcPct val="0"/>
-              </a:spcAft>
-              <a:buClr>
-                <a:srgbClr val="F0AB00"/>
-              </a:buClr>
-              <a:buSzPct val="80000"/>
-            </a:pPr>
-            <a:r>
-              <a:rPr lang="en-US" sz="1100" kern="0" dirty="0">
-                <a:solidFill>
-                  <a:sysClr val="windowText" lastClr="000000"/>
-                </a:solidFill>
-                <a:ea typeface="Arial Unicode MS" pitchFamily="34" charset="-128"/>
-                <a:cs typeface="Arial Unicode MS" pitchFamily="34" charset="-128"/>
-              </a:rPr>
-              <a:t>Partner logo</a:t>
-            </a:r>
-          </a:p>
-        </p:txBody>
-      </p:sp>
-      <p:sp>
-        <p:nvSpPr>
-          <p:cNvPr id="3" name="Contact information"/>
-          <p:cNvSpPr>
-            <a:spLocks noGrp="1"/>
-          </p:cNvSpPr>
-          <p:nvPr>
-            <p:ph type="body" sz="quarter" idx="10"/>
-          </p:nvPr>
-        </p:nvSpPr>
-        <p:spPr bwMode="gray">
-          <a:xfrm>
-            <a:off x="504000" y="2905487"/>
-            <a:ext cx="5593588" cy="2501010"/>
-          </a:xfrm>
-        </p:spPr>
-        <p:txBody>
-          <a:bodyPr/>
-          <a:lstStyle/>
-          <a:p>
-            <a:r>
-              <a:rPr lang="en-US" dirty="0"/>
-              <a:t>Contact information:</a:t>
-            </a:r>
-          </a:p>
-          <a:p>
-            <a:pPr lvl="1"/>
-            <a:r>
-              <a:rPr lang="en-US" b="1" dirty="0"/>
-              <a:t>F name L name</a:t>
-            </a:r>
-          </a:p>
-          <a:p>
-            <a:pPr lvl="1"/>
-            <a:r>
-              <a:rPr lang="en-US" dirty="0"/>
-              <a:t>Title</a:t>
-            </a:r>
-          </a:p>
-          <a:p>
-            <a:pPr lvl="1"/>
-            <a:r>
-              <a:rPr lang="en-US" dirty="0"/>
-              <a:t>Address</a:t>
-            </a:r>
-          </a:p>
-          <a:p>
-            <a:pPr lvl="1"/>
-            <a:r>
-              <a:rPr lang="en-US" dirty="0"/>
-              <a:t>Phone number</a:t>
-            </a:r>
-          </a:p>
-        </p:txBody>
-      </p:sp>
-      <p:sp>
-        <p:nvSpPr>
-          <p:cNvPr id="2" name="Thank you"/>
-          <p:cNvSpPr>
-            <a:spLocks noGrp="1"/>
-          </p:cNvSpPr>
-          <p:nvPr>
-            <p:ph type="ctrTitle"/>
-          </p:nvPr>
-        </p:nvSpPr>
-        <p:spPr bwMode="gray"/>
-        <p:txBody>
-          <a:bodyPr/>
-          <a:lstStyle/>
-          <a:p>
-            <a:r>
-              <a:rPr lang="en-US" dirty="0"/>
-              <a:t>Thank you.</a:t>
-            </a:r>
-          </a:p>
-        </p:txBody>
-      </p:sp>
-    </p:spTree>
-    <p:extLst>
-      <p:ext uri="{BB962C8B-B14F-4D97-AF65-F5344CB8AC3E}">
-        <p14:creationId xmlns:p14="http://schemas.microsoft.com/office/powerpoint/2010/main" val="1881851238"/>
-      </p:ext>
-    </p:extLst>
-  </p:cSld>
-  <p:clrMapOvr>
-    <a:masterClrMapping/>
-  </p:clrMapOvr>
-</p:sld>
-</file>
-
-<file path=ppt/slides/slide35.xml><?xml version="1.0" encoding="utf-8"?>
-<p:sld xmlns:a="http://schemas.openxmlformats.org/drawingml/2006/main" xmlns:r="http://schemas.openxmlformats.org/officeDocument/2006/relationships" xmlns:p="http://schemas.openxmlformats.org/presentationml/2006/main" show="0">
-  <p:cSld>
-    <p:spTree>
-      <p:nvGrpSpPr>
-        <p:cNvPr id="1" name=""/>
-        <p:cNvGrpSpPr/>
-        <p:nvPr/>
-      </p:nvGrpSpPr>
-      <p:grpSpPr>
-        <a:xfrm>
-          <a:off x="0" y="0"/>
-          <a:ext cx="0" cy="0"/>
-          <a:chOff x="0" y="0"/>
-          <a:chExt cx="0" cy="0"/>
-        </a:xfrm>
-      </p:grpSpPr>
-    </p:spTree>
-  </p:cSld>
-  <p:clrMapOvr>
-    <a:masterClrMapping/>
-  </p:clrMapOvr>
-  <p:transition spd="med"/>
-</p:sld>
-</file>
-
-<file path=ppt/slides/slide36.xml><?xml version="1.0" encoding="utf-8"?>
-<p:sld xmlns:a="http://schemas.openxmlformats.org/drawingml/2006/main" xmlns:r="http://schemas.openxmlformats.org/officeDocument/2006/relationships" xmlns:p="http://schemas.openxmlformats.org/presentationml/2006/main" show="0">
-  <p:cSld>
-    <p:spTree>
-      <p:nvGrpSpPr>
-        <p:cNvPr id="1" name=""/>
-        <p:cNvGrpSpPr/>
-        <p:nvPr/>
-      </p:nvGrpSpPr>
-      <p:grpSpPr>
-        <a:xfrm>
-          <a:off x="0" y="0"/>
-          <a:ext cx="0" cy="0"/>
-          <a:chOff x="0" y="0"/>
-          <a:chExt cx="0" cy="0"/>
-        </a:xfrm>
-      </p:grpSpPr>
-    </p:spTree>
-    <p:extLst>
-      <p:ext uri="{BB962C8B-B14F-4D97-AF65-F5344CB8AC3E}">
-        <p14:creationId xmlns:p14="http://schemas.microsoft.com/office/powerpoint/2010/main" val="3005185487"/>
       </p:ext>
     </p:extLst>
   </p:cSld>
@@ -16331,18 +14571,18 @@
 </file>
 
 <file path=customXml/item1.xml><?xml version="1.0" encoding="utf-8"?>
-<p:properties xmlns:p="http://schemas.microsoft.com/office/2006/metadata/properties" xmlns:xsi="http://www.w3.org/2001/XMLSchema-instance" xmlns:pc="http://schemas.microsoft.com/office/infopath/2007/PartnerControls">
-  <documentManagement/>
-</p:properties>
-</file>
-
-<file path=customXml/item2.xml><?xml version="1.0" encoding="utf-8"?>
 <?mso-contentType ?>
 <FormTemplates xmlns="http://schemas.microsoft.com/sharepoint/v3/contenttype/forms">
   <Display>DocumentLibraryForm</Display>
   <Edit>DocumentLibraryForm</Edit>
   <New>DocumentLibraryForm</New>
 </FormTemplates>
+</file>
+
+<file path=customXml/item2.xml><?xml version="1.0" encoding="utf-8"?>
+<p:properties xmlns:p="http://schemas.microsoft.com/office/2006/metadata/properties" xmlns:xsi="http://www.w3.org/2001/XMLSchema-instance" xmlns:pc="http://schemas.microsoft.com/office/infopath/2007/PartnerControls">
+  <documentManagement/>
+</p:properties>
 </file>
 
 <file path=customXml/item3.xml><?xml version="1.0" encoding="utf-8"?>
@@ -16478,18 +14718,18 @@
 </file>
 
 <file path=customXml/itemProps1.xml><?xml version="1.0" encoding="utf-8"?>
-<ds:datastoreItem xmlns:ds="http://schemas.openxmlformats.org/officeDocument/2006/customXml" ds:itemID="{B5A61EA0-C632-450D-8732-FBE1B6CC6F01}">
+<ds:datastoreItem xmlns:ds="http://schemas.openxmlformats.org/officeDocument/2006/customXml" ds:itemID="{2DA81D51-CB8B-4E00-A304-5985D65D0CEC}">
   <ds:schemaRefs>
-    <ds:schemaRef ds:uri="http://schemas.microsoft.com/office/2006/metadata/properties"/>
-    <ds:schemaRef ds:uri="http://schemas.microsoft.com/office/infopath/2007/PartnerControls"/>
+    <ds:schemaRef ds:uri="http://schemas.microsoft.com/sharepoint/v3/contenttype/forms"/>
   </ds:schemaRefs>
 </ds:datastoreItem>
 </file>
 
 <file path=customXml/itemProps2.xml><?xml version="1.0" encoding="utf-8"?>
-<ds:datastoreItem xmlns:ds="http://schemas.openxmlformats.org/officeDocument/2006/customXml" ds:itemID="{2DA81D51-CB8B-4E00-A304-5985D65D0CEC}">
+<ds:datastoreItem xmlns:ds="http://schemas.openxmlformats.org/officeDocument/2006/customXml" ds:itemID="{B5A61EA0-C632-450D-8732-FBE1B6CC6F01}">
   <ds:schemaRefs>
-    <ds:schemaRef ds:uri="http://schemas.microsoft.com/sharepoint/v3/contenttype/forms"/>
+    <ds:schemaRef ds:uri="http://schemas.microsoft.com/office/2006/metadata/properties"/>
+    <ds:schemaRef ds:uri="http://schemas.microsoft.com/office/infopath/2007/PartnerControls"/>
   </ds:schemaRefs>
 </ds:datastoreItem>
 </file>

--- a/NoSQL/The_Survey_On_Neo4j.pptx
+++ b/NoSQL/The_Survey_On_Neo4j.pptx
@@ -6,10 +6,10 @@
     <p:sldMasterId id="2147483782" r:id="rId5"/>
   </p:sldMasterIdLst>
   <p:notesMasterIdLst>
-    <p:notesMasterId r:id="rId24"/>
+    <p:notesMasterId r:id="rId25"/>
   </p:notesMasterIdLst>
   <p:handoutMasterIdLst>
-    <p:handoutMasterId r:id="rId25"/>
+    <p:handoutMasterId r:id="rId26"/>
   </p:handoutMasterIdLst>
   <p:sldIdLst>
     <p:sldId id="439" r:id="rId6"/>
@@ -24,12 +24,13 @@
     <p:sldId id="451" r:id="rId15"/>
     <p:sldId id="476" r:id="rId16"/>
     <p:sldId id="478" r:id="rId17"/>
-    <p:sldId id="477" r:id="rId18"/>
-    <p:sldId id="479" r:id="rId19"/>
-    <p:sldId id="452" r:id="rId20"/>
-    <p:sldId id="468" r:id="rId21"/>
-    <p:sldId id="469" r:id="rId22"/>
-    <p:sldId id="470" r:id="rId23"/>
+    <p:sldId id="480" r:id="rId18"/>
+    <p:sldId id="477" r:id="rId19"/>
+    <p:sldId id="479" r:id="rId20"/>
+    <p:sldId id="452" r:id="rId21"/>
+    <p:sldId id="468" r:id="rId22"/>
+    <p:sldId id="469" r:id="rId23"/>
+    <p:sldId id="470" r:id="rId24"/>
   </p:sldIdLst>
   <p:sldSz cx="12195175" cy="6858000"/>
   <p:notesSz cx="6858000" cy="9144000"/>
@@ -725,7 +726,7 @@
             <a:fld id="{7D8C2C35-2B8A-446E-BEC0-FD36716C29AC}" type="slidenum">
               <a:rPr lang="de-DE" smtClean="0"/>
               <a:pPr/>
-              <a:t>18</a:t>
+              <a:t>19</a:t>
             </a:fld>
             <a:endParaRPr lang="de-DE" dirty="0"/>
           </a:p>
@@ -9303,25 +9304,34 @@
           <a:lstStyle/>
           <a:p>
             <a:r>
-              <a:rPr lang="en-US" dirty="0"/>
-              <a:t>Neo4j</a:t>
+              <a:rPr lang="en-US" altLang="zh-CN" dirty="0"/>
+              <a:t>Storage And System</a:t>
             </a:r>
             <a:br>
               <a:rPr lang="en-US" dirty="0"/>
             </a:br>
             <a:r>
-              <a:rPr lang="en-US" sz="1800" b="0" dirty="0"/>
-              <a:t>Features</a:t>
-            </a:r>
+              <a:rPr lang="en-US" altLang="zh-CN" sz="1800" b="0" dirty="0"/>
+              <a:t>Architecture Model and</a:t>
+            </a:r>
+            <a:r>
+              <a:rPr lang="zh-CN" altLang="en-US" sz="1800" b="0" dirty="0"/>
+              <a:t> </a:t>
+            </a:r>
+            <a:r>
+              <a:rPr lang="en-US" altLang="zh-CN" sz="1800" b="0" dirty="0"/>
+              <a:t>Procedures</a:t>
+            </a:r>
+            <a:endParaRPr lang="en-US" b="0" dirty="0"/>
           </a:p>
         </p:txBody>
       </p:sp>
       <p:sp>
         <p:nvSpPr>
-          <p:cNvPr id="5" name="文本框 4">
+          <p:cNvPr id="2" name="文本框 1">
             <a:extLst>
               <a:ext uri="{FF2B5EF4-FFF2-40B4-BE49-F238E27FC236}">
-                <a16:creationId xmlns:a16="http://schemas.microsoft.com/office/drawing/2014/main" id="{F2739510-DD16-4AA2-A240-73213194D994}"/>
+                <a16:creationId xmlns:a16="http://schemas.microsoft.com/office/drawing/2014/main" id="{640545E5-D100-480F-AF30-D534D61EA01F}"/>
               </a:ext>
             </a:extLst>
           </p:cNvPr>
@@ -9330,8 +9340,8 @@
         </p:nvSpPr>
         <p:spPr>
           <a:xfrm>
-            <a:off x="779330" y="1619250"/>
-            <a:ext cx="11046315" cy="3847207"/>
+            <a:off x="644162" y="1344235"/>
+            <a:ext cx="11046315" cy="4601260"/>
           </a:xfrm>
           <a:prstGeom prst="rect">
             <a:avLst/>
@@ -9363,11 +9373,11 @@
                 <a:ea typeface="Arial Unicode MS" pitchFamily="34" charset="-128"/>
                 <a:cs typeface="Arial Unicode MS" pitchFamily="34" charset="-128"/>
               </a:rPr>
-              <a:t>It follows Property Graph Data Model</a:t>
-            </a:r>
-          </a:p>
-          <a:p>
-            <a:pPr marL="285750" indent="-285750" fontAlgn="base">
+              <a:t>Storage Model</a:t>
+            </a:r>
+          </a:p>
+          <a:p>
+            <a:pPr marL="830138" lvl="1" indent="-285750" fontAlgn="base">
               <a:spcBef>
                 <a:spcPct val="50000"/>
               </a:spcBef>
@@ -9382,15 +9392,15 @@
               <a:buChar char="n"/>
             </a:pPr>
             <a:r>
-              <a:rPr lang="en-US" altLang="zh-CN" sz="2000" kern="0" dirty="0">
+              <a:rPr lang="en-US" altLang="zh-CN" sz="1800" kern="0" dirty="0">
                 <a:ea typeface="Arial Unicode MS" pitchFamily="34" charset="-128"/>
                 <a:cs typeface="Arial Unicode MS" pitchFamily="34" charset="-128"/>
               </a:rPr>
-              <a:t>It supports Indexes by using Apache Lucence</a:t>
-            </a:r>
-          </a:p>
-          <a:p>
-            <a:pPr marL="285750" indent="-285750" fontAlgn="base">
+              <a:t>Each node and its properties are stored on the disk using a doubly linked list. </a:t>
+            </a:r>
+          </a:p>
+          <a:p>
+            <a:pPr marL="830138" lvl="1" indent="-285750" fontAlgn="base">
               <a:spcBef>
                 <a:spcPct val="50000"/>
               </a:spcBef>
@@ -9405,11 +9415,97 @@
               <a:buChar char="n"/>
             </a:pPr>
             <a:r>
-              <a:rPr lang="en-US" altLang="zh-CN" sz="2000" kern="0" dirty="0">
+              <a:rPr lang="en-US" altLang="zh-CN" sz="1800" kern="0" dirty="0">
                 <a:ea typeface="Arial Unicode MS" pitchFamily="34" charset="-128"/>
                 <a:cs typeface="Arial Unicode MS" pitchFamily="34" charset="-128"/>
               </a:rPr>
-              <a:t>It supports UNIQUE constraints</a:t>
+              <a:t>Layout:</a:t>
+            </a:r>
+          </a:p>
+          <a:p>
+            <a:pPr marL="1374526" lvl="2" indent="-285750" fontAlgn="base">
+              <a:spcBef>
+                <a:spcPct val="50000"/>
+              </a:spcBef>
+              <a:spcAft>
+                <a:spcPct val="0"/>
+              </a:spcAft>
+              <a:buClr>
+                <a:srgbClr val="F0AB00"/>
+              </a:buClr>
+              <a:buFont typeface="Wingdings" panose="05000000000000000000" pitchFamily="2" charset="2"/>
+              <a:buChar char="n"/>
+            </a:pPr>
+            <a:r>
+              <a:rPr lang="en-US" altLang="zh-CN" sz="1600" kern="0" dirty="0">
+                <a:ea typeface="Arial Unicode MS" pitchFamily="34" charset="-128"/>
+                <a:cs typeface="Arial Unicode MS" pitchFamily="34" charset="-128"/>
+              </a:rPr>
+              <a:t>The</a:t>
+            </a:r>
+            <a:r>
+              <a:rPr lang="zh-CN" altLang="en-US" sz="1600" kern="0" dirty="0">
+                <a:ea typeface="Arial Unicode MS" pitchFamily="34" charset="-128"/>
+                <a:cs typeface="Arial Unicode MS" pitchFamily="34" charset="-128"/>
+              </a:rPr>
+              <a:t> </a:t>
+            </a:r>
+            <a:r>
+              <a:rPr lang="en-US" altLang="zh-CN" sz="1600" kern="0" dirty="0">
+                <a:ea typeface="Arial Unicode MS" pitchFamily="34" charset="-128"/>
+                <a:cs typeface="Arial Unicode MS" pitchFamily="34" charset="-128"/>
+              </a:rPr>
+              <a:t>first</a:t>
+            </a:r>
+            <a:r>
+              <a:rPr lang="zh-CN" altLang="en-US" sz="1600" kern="0" dirty="0">
+                <a:ea typeface="Arial Unicode MS" pitchFamily="34" charset="-128"/>
+                <a:cs typeface="Arial Unicode MS" pitchFamily="34" charset="-128"/>
+              </a:rPr>
+              <a:t> </a:t>
+            </a:r>
+            <a:r>
+              <a:rPr lang="en-US" altLang="zh-CN" sz="1600" kern="0" dirty="0">
+                <a:ea typeface="Arial Unicode MS" pitchFamily="34" charset="-128"/>
+                <a:cs typeface="Arial Unicode MS" pitchFamily="34" charset="-128"/>
+              </a:rPr>
+              <a:t>byte:</a:t>
+            </a:r>
+            <a:r>
+              <a:rPr lang="zh-CN" altLang="en-US" sz="1600" kern="0" dirty="0">
+                <a:ea typeface="Arial Unicode MS" pitchFamily="34" charset="-128"/>
+                <a:cs typeface="Arial Unicode MS" pitchFamily="34" charset="-128"/>
+              </a:rPr>
+              <a:t> </a:t>
+            </a:r>
+            <a:r>
+              <a:rPr lang="en-US" altLang="zh-CN" sz="1600" kern="0" dirty="0">
+                <a:ea typeface="Arial Unicode MS" pitchFamily="34" charset="-128"/>
+                <a:cs typeface="Arial Unicode MS" pitchFamily="34" charset="-128"/>
+              </a:rPr>
+              <a:t>4 high bits of previous and 4 bits of next pointer</a:t>
+            </a:r>
+          </a:p>
+          <a:p>
+            <a:pPr marL="1374526" lvl="2" indent="-285750" fontAlgn="base">
+              <a:spcBef>
+                <a:spcPct val="50000"/>
+              </a:spcBef>
+              <a:spcAft>
+                <a:spcPct val="0"/>
+              </a:spcAft>
+              <a:buClr>
+                <a:srgbClr val="F0AB00"/>
+              </a:buClr>
+              <a:buFont typeface="Wingdings" panose="05000000000000000000" pitchFamily="2" charset="2"/>
+              <a:buChar char="n"/>
+            </a:pPr>
+            <a:r>
+              <a:rPr lang="en-US" altLang="zh-CN" sz="1600" kern="0" dirty="0">
+                <a:ea typeface="Arial Unicode MS" pitchFamily="34" charset="-128"/>
+                <a:cs typeface="Arial Unicode MS" pitchFamily="34" charset="-128"/>
+              </a:rPr>
+              <a:t>Bytes 1-4: previous property record, bytes 5-8:next record, bytes 9-40 : payload</a:t>
             </a:r>
           </a:p>
           <a:p>
@@ -9432,11 +9528,11 @@
                 <a:ea typeface="Arial Unicode MS" pitchFamily="34" charset="-128"/>
                 <a:cs typeface="Arial Unicode MS" pitchFamily="34" charset="-128"/>
               </a:rPr>
-              <a:t>It contains a UI to execute CQL Commands : Neo4j Data Browser</a:t>
-            </a:r>
-          </a:p>
-          <a:p>
-            <a:pPr marL="285750" indent="-285750" fontAlgn="base">
+              <a:t>Stored Procedures</a:t>
+            </a:r>
+          </a:p>
+          <a:p>
+            <a:pPr marL="830138" lvl="1" indent="-285750" fontAlgn="base">
               <a:spcBef>
                 <a:spcPct val="50000"/>
               </a:spcBef>
@@ -9451,12 +9547,19 @@
               <a:buChar char="n"/>
             </a:pPr>
             <a:r>
-              <a:rPr lang="en-US" altLang="zh-CN" sz="2000" kern="0" dirty="0">
-                <a:ea typeface="Arial Unicode MS" pitchFamily="34" charset="-128"/>
-                <a:cs typeface="Arial Unicode MS" pitchFamily="34" charset="-128"/>
+              <a:rPr lang="en-US" altLang="zh-CN" sz="1800" dirty="0">
+                <a:solidFill>
+                  <a:srgbClr val="212529"/>
+                </a:solidFill>
+                <a:latin typeface="+mn-lt"/>
               </a:rPr>
-              <a:t>It supports exporting of query data to JSON and XLS format</a:t>
-            </a:r>
+              <a:t>Stored procedures in Neo4j are called using Cypher calls. Arguments can be supplied directly within the query or taken from the associated parameter set.</a:t>
+            </a:r>
+            <a:endParaRPr lang="en-US" altLang="zh-CN" sz="1800" kern="0" dirty="0">
+              <a:latin typeface="+mn-lt"/>
+              <a:ea typeface="Arial Unicode MS" pitchFamily="34" charset="-128"/>
+              <a:cs typeface="Arial Unicode MS" pitchFamily="34" charset="-128"/>
+            </a:endParaRPr>
           </a:p>
           <a:p>
             <a:pPr marL="285750" indent="-285750" fontAlgn="base">
@@ -9478,11 +9581,11 @@
                 <a:ea typeface="Arial Unicode MS" pitchFamily="34" charset="-128"/>
                 <a:cs typeface="Arial Unicode MS" pitchFamily="34" charset="-128"/>
               </a:rPr>
-              <a:t>It provides REST API to be accessed by any Programming Language like Java, Spring, Scale etc.</a:t>
-            </a:r>
-          </a:p>
-          <a:p>
-            <a:pPr marL="285750" indent="-285750" fontAlgn="base">
+              <a:t>System Architecture</a:t>
+            </a:r>
+          </a:p>
+          <a:p>
+            <a:pPr marL="830138" lvl="1" indent="-285750" fontAlgn="base">
               <a:spcBef>
                 <a:spcPct val="50000"/>
               </a:spcBef>
@@ -9497,15 +9600,16 @@
               <a:buChar char="n"/>
             </a:pPr>
             <a:r>
-              <a:rPr lang="en-US" altLang="zh-CN" sz="2000" kern="0" dirty="0">
-                <a:ea typeface="Arial Unicode MS" pitchFamily="34" charset="-128"/>
-                <a:cs typeface="Arial Unicode MS" pitchFamily="34" charset="-128"/>
-              </a:rPr>
-              <a:t>It provides Java Script to be accessed by any UI MVC Framework like Node JS.</a:t>
-            </a:r>
-          </a:p>
-          <a:p>
-            <a:pPr marL="285750" indent="-285750" fontAlgn="base">
+              <a:rPr lang="en-US" altLang="zh-CN" sz="1800" dirty="0"/>
+              <a:t>Neo4j offers a shared-nothing architecture with a single write master and multiple read replicas thus consumes significant instance based storage.</a:t>
+            </a:r>
+            <a:endParaRPr lang="en-US" altLang="zh-CN" sz="1800" kern="0" dirty="0">
+              <a:ea typeface="Arial Unicode MS" pitchFamily="34" charset="-128"/>
+              <a:cs typeface="Arial Unicode MS" pitchFamily="34" charset="-128"/>
+            </a:endParaRPr>
+          </a:p>
+          <a:p>
+            <a:pPr fontAlgn="base">
               <a:spcBef>
                 <a:spcPct val="50000"/>
               </a:spcBef>
@@ -9516,23 +9620,18 @@
                 <a:srgbClr val="F0AB00"/>
               </a:buClr>
               <a:buSzPct val="80000"/>
-              <a:buFont typeface="Wingdings" panose="05000000000000000000" pitchFamily="2" charset="2"/>
-              <a:buChar char="n"/>
             </a:pPr>
-            <a:r>
-              <a:rPr lang="en-US" altLang="zh-CN" sz="2000" kern="0" dirty="0">
-                <a:ea typeface="Arial Unicode MS" pitchFamily="34" charset="-128"/>
-                <a:cs typeface="Arial Unicode MS" pitchFamily="34" charset="-128"/>
-              </a:rPr>
-              <a:t>It supports two kinds of java API: Cypher API and Native Java API to develop Java application</a:t>
-            </a:r>
+            <a:endParaRPr lang="zh-CN" altLang="en-US" sz="1800" kern="0" dirty="0" err="1">
+              <a:ea typeface="Arial Unicode MS" pitchFamily="34" charset="-128"/>
+              <a:cs typeface="Arial Unicode MS" pitchFamily="34" charset="-128"/>
+            </a:endParaRPr>
           </a:p>
         </p:txBody>
       </p:sp>
     </p:spTree>
     <p:extLst>
       <p:ext uri="{BB962C8B-B14F-4D97-AF65-F5344CB8AC3E}">
-        <p14:creationId xmlns:p14="http://schemas.microsoft.com/office/powerpoint/2010/main" val="2906357877"/>
+        <p14:creationId xmlns:p14="http://schemas.microsoft.com/office/powerpoint/2010/main" val="2230273977"/>
       </p:ext>
     </p:extLst>
   </p:cSld>
@@ -9588,6 +9687,283 @@
             </a:br>
             <a:r>
               <a:rPr lang="en-US" sz="1800" b="0" dirty="0"/>
+              <a:t>Features</a:t>
+            </a:r>
+          </a:p>
+        </p:txBody>
+      </p:sp>
+      <p:sp>
+        <p:nvSpPr>
+          <p:cNvPr id="5" name="文本框 4">
+            <a:extLst>
+              <a:ext uri="{FF2B5EF4-FFF2-40B4-BE49-F238E27FC236}">
+                <a16:creationId xmlns:a16="http://schemas.microsoft.com/office/drawing/2014/main" id="{F2739510-DD16-4AA2-A240-73213194D994}"/>
+              </a:ext>
+            </a:extLst>
+          </p:cNvPr>
+          <p:cNvSpPr txBox="1"/>
+          <p:nvPr/>
+        </p:nvSpPr>
+        <p:spPr>
+          <a:xfrm>
+            <a:off x="779330" y="1619250"/>
+            <a:ext cx="11046315" cy="3847207"/>
+          </a:xfrm>
+          <a:prstGeom prst="rect">
+            <a:avLst/>
+          </a:prstGeom>
+          <a:noFill/>
+        </p:spPr>
+        <p:txBody>
+          <a:bodyPr wrap="square" lIns="0" tIns="0" rIns="0" bIns="0" rtlCol="0">
+            <a:spAutoFit/>
+          </a:bodyPr>
+          <a:lstStyle/>
+          <a:p>
+            <a:pPr marL="285750" indent="-285750" fontAlgn="base">
+              <a:spcBef>
+                <a:spcPct val="50000"/>
+              </a:spcBef>
+              <a:spcAft>
+                <a:spcPct val="0"/>
+              </a:spcAft>
+              <a:buClr>
+                <a:srgbClr val="F0AB00"/>
+              </a:buClr>
+              <a:buSzPct val="80000"/>
+              <a:buFont typeface="Wingdings" panose="05000000000000000000" pitchFamily="2" charset="2"/>
+              <a:buChar char="n"/>
+            </a:pPr>
+            <a:r>
+              <a:rPr lang="en-US" altLang="zh-CN" sz="2000" kern="0" dirty="0">
+                <a:ea typeface="Arial Unicode MS" pitchFamily="34" charset="-128"/>
+                <a:cs typeface="Arial Unicode MS" pitchFamily="34" charset="-128"/>
+              </a:rPr>
+              <a:t>It follows Property Graph Data Model</a:t>
+            </a:r>
+          </a:p>
+          <a:p>
+            <a:pPr marL="285750" indent="-285750" fontAlgn="base">
+              <a:spcBef>
+                <a:spcPct val="50000"/>
+              </a:spcBef>
+              <a:spcAft>
+                <a:spcPct val="0"/>
+              </a:spcAft>
+              <a:buClr>
+                <a:srgbClr val="F0AB00"/>
+              </a:buClr>
+              <a:buSzPct val="80000"/>
+              <a:buFont typeface="Wingdings" panose="05000000000000000000" pitchFamily="2" charset="2"/>
+              <a:buChar char="n"/>
+            </a:pPr>
+            <a:r>
+              <a:rPr lang="en-US" altLang="zh-CN" sz="2000" kern="0" dirty="0">
+                <a:ea typeface="Arial Unicode MS" pitchFamily="34" charset="-128"/>
+                <a:cs typeface="Arial Unicode MS" pitchFamily="34" charset="-128"/>
+              </a:rPr>
+              <a:t>It supports Indexes by using Apache Lucence</a:t>
+            </a:r>
+          </a:p>
+          <a:p>
+            <a:pPr marL="285750" indent="-285750" fontAlgn="base">
+              <a:spcBef>
+                <a:spcPct val="50000"/>
+              </a:spcBef>
+              <a:spcAft>
+                <a:spcPct val="0"/>
+              </a:spcAft>
+              <a:buClr>
+                <a:srgbClr val="F0AB00"/>
+              </a:buClr>
+              <a:buSzPct val="80000"/>
+              <a:buFont typeface="Wingdings" panose="05000000000000000000" pitchFamily="2" charset="2"/>
+              <a:buChar char="n"/>
+            </a:pPr>
+            <a:r>
+              <a:rPr lang="en-US" altLang="zh-CN" sz="2000" kern="0" dirty="0">
+                <a:ea typeface="Arial Unicode MS" pitchFamily="34" charset="-128"/>
+                <a:cs typeface="Arial Unicode MS" pitchFamily="34" charset="-128"/>
+              </a:rPr>
+              <a:t>It supports UNIQUE constraints</a:t>
+            </a:r>
+          </a:p>
+          <a:p>
+            <a:pPr marL="285750" indent="-285750" fontAlgn="base">
+              <a:spcBef>
+                <a:spcPct val="50000"/>
+              </a:spcBef>
+              <a:spcAft>
+                <a:spcPct val="0"/>
+              </a:spcAft>
+              <a:buClr>
+                <a:srgbClr val="F0AB00"/>
+              </a:buClr>
+              <a:buSzPct val="80000"/>
+              <a:buFont typeface="Wingdings" panose="05000000000000000000" pitchFamily="2" charset="2"/>
+              <a:buChar char="n"/>
+            </a:pPr>
+            <a:r>
+              <a:rPr lang="en-US" altLang="zh-CN" sz="2000" kern="0" dirty="0">
+                <a:ea typeface="Arial Unicode MS" pitchFamily="34" charset="-128"/>
+                <a:cs typeface="Arial Unicode MS" pitchFamily="34" charset="-128"/>
+              </a:rPr>
+              <a:t>It contains a UI to execute CQL Commands : Neo4j Data Browser</a:t>
+            </a:r>
+          </a:p>
+          <a:p>
+            <a:pPr marL="285750" indent="-285750" fontAlgn="base">
+              <a:spcBef>
+                <a:spcPct val="50000"/>
+              </a:spcBef>
+              <a:spcAft>
+                <a:spcPct val="0"/>
+              </a:spcAft>
+              <a:buClr>
+                <a:srgbClr val="F0AB00"/>
+              </a:buClr>
+              <a:buSzPct val="80000"/>
+              <a:buFont typeface="Wingdings" panose="05000000000000000000" pitchFamily="2" charset="2"/>
+              <a:buChar char="n"/>
+            </a:pPr>
+            <a:r>
+              <a:rPr lang="en-US" altLang="zh-CN" sz="2000" kern="0" dirty="0">
+                <a:ea typeface="Arial Unicode MS" pitchFamily="34" charset="-128"/>
+                <a:cs typeface="Arial Unicode MS" pitchFamily="34" charset="-128"/>
+              </a:rPr>
+              <a:t>It supports exporting of query data to JSON and XLS format</a:t>
+            </a:r>
+          </a:p>
+          <a:p>
+            <a:pPr marL="285750" indent="-285750" fontAlgn="base">
+              <a:spcBef>
+                <a:spcPct val="50000"/>
+              </a:spcBef>
+              <a:spcAft>
+                <a:spcPct val="0"/>
+              </a:spcAft>
+              <a:buClr>
+                <a:srgbClr val="F0AB00"/>
+              </a:buClr>
+              <a:buSzPct val="80000"/>
+              <a:buFont typeface="Wingdings" panose="05000000000000000000" pitchFamily="2" charset="2"/>
+              <a:buChar char="n"/>
+            </a:pPr>
+            <a:r>
+              <a:rPr lang="en-US" altLang="zh-CN" sz="2000" kern="0" dirty="0">
+                <a:ea typeface="Arial Unicode MS" pitchFamily="34" charset="-128"/>
+                <a:cs typeface="Arial Unicode MS" pitchFamily="34" charset="-128"/>
+              </a:rPr>
+              <a:t>It provides REST API to be accessed by any Programming Language like Java, Spring, Scale etc.</a:t>
+            </a:r>
+          </a:p>
+          <a:p>
+            <a:pPr marL="285750" indent="-285750" fontAlgn="base">
+              <a:spcBef>
+                <a:spcPct val="50000"/>
+              </a:spcBef>
+              <a:spcAft>
+                <a:spcPct val="0"/>
+              </a:spcAft>
+              <a:buClr>
+                <a:srgbClr val="F0AB00"/>
+              </a:buClr>
+              <a:buSzPct val="80000"/>
+              <a:buFont typeface="Wingdings" panose="05000000000000000000" pitchFamily="2" charset="2"/>
+              <a:buChar char="n"/>
+            </a:pPr>
+            <a:r>
+              <a:rPr lang="en-US" altLang="zh-CN" sz="2000" kern="0" dirty="0">
+                <a:ea typeface="Arial Unicode MS" pitchFamily="34" charset="-128"/>
+                <a:cs typeface="Arial Unicode MS" pitchFamily="34" charset="-128"/>
+              </a:rPr>
+              <a:t>It provides Java Script to be accessed by any UI MVC Framework like Node JS.</a:t>
+            </a:r>
+          </a:p>
+          <a:p>
+            <a:pPr marL="285750" indent="-285750" fontAlgn="base">
+              <a:spcBef>
+                <a:spcPct val="50000"/>
+              </a:spcBef>
+              <a:spcAft>
+                <a:spcPct val="0"/>
+              </a:spcAft>
+              <a:buClr>
+                <a:srgbClr val="F0AB00"/>
+              </a:buClr>
+              <a:buSzPct val="80000"/>
+              <a:buFont typeface="Wingdings" panose="05000000000000000000" pitchFamily="2" charset="2"/>
+              <a:buChar char="n"/>
+            </a:pPr>
+            <a:r>
+              <a:rPr lang="en-US" altLang="zh-CN" sz="2000" kern="0" dirty="0">
+                <a:ea typeface="Arial Unicode MS" pitchFamily="34" charset="-128"/>
+                <a:cs typeface="Arial Unicode MS" pitchFamily="34" charset="-128"/>
+              </a:rPr>
+              <a:t>It supports two kinds of java API: Cypher API and Native Java API to develop Java application</a:t>
+            </a:r>
+          </a:p>
+        </p:txBody>
+      </p:sp>
+    </p:spTree>
+    <p:extLst>
+      <p:ext uri="{BB962C8B-B14F-4D97-AF65-F5344CB8AC3E}">
+        <p14:creationId xmlns:p14="http://schemas.microsoft.com/office/powerpoint/2010/main" val="2906357877"/>
+      </p:ext>
+    </p:extLst>
+  </p:cSld>
+  <p:clrMapOvr>
+    <a:masterClrMapping/>
+  </p:clrMapOvr>
+</p:sld>
+</file>
+
+<file path=ppt/slides/slide15.xml><?xml version="1.0" encoding="utf-8"?>
+<p:sld xmlns:a="http://schemas.openxmlformats.org/drawingml/2006/main" xmlns:r="http://schemas.openxmlformats.org/officeDocument/2006/relationships" xmlns:p="http://schemas.openxmlformats.org/presentationml/2006/main">
+  <p:cSld>
+    <p:spTree>
+      <p:nvGrpSpPr>
+        <p:cNvPr id="1" name=""/>
+        <p:cNvGrpSpPr/>
+        <p:nvPr/>
+      </p:nvGrpSpPr>
+      <p:grpSpPr>
+        <a:xfrm>
+          <a:off x="0" y="0"/>
+          <a:ext cx="0" cy="0"/>
+          <a:chOff x="0" y="0"/>
+          <a:chExt cx="0" cy="0"/>
+        </a:xfrm>
+      </p:grpSpPr>
+      <p:sp>
+        <p:nvSpPr>
+          <p:cNvPr id="4" name="Title"/>
+          <p:cNvSpPr>
+            <a:spLocks noGrp="1"/>
+          </p:cNvSpPr>
+          <p:nvPr>
+            <p:ph type="title"/>
+          </p:nvPr>
+        </p:nvSpPr>
+        <p:spPr bwMode="gray">
+          <a:xfrm>
+            <a:off x="504001" y="504000"/>
+            <a:ext cx="11186476" cy="646331"/>
+          </a:xfrm>
+        </p:spPr>
+        <p:txBody>
+          <a:bodyPr/>
+          <a:lstStyle/>
+          <a:p>
+            <a:r>
+              <a:rPr lang="en-US" dirty="0"/>
+              <a:t>Neo4j</a:t>
+            </a:r>
+            <a:br>
+              <a:rPr lang="en-US" dirty="0"/>
+            </a:br>
+            <a:r>
+              <a:rPr lang="en-US" sz="1800" b="0" dirty="0"/>
               <a:t>Advantages and Drawbacks</a:t>
             </a:r>
             <a:endParaRPr lang="en-US" b="0" dirty="0"/>
@@ -9857,7 +10233,7 @@
 </p:sld>
 </file>
 
-<file path=ppt/slides/slide15.xml><?xml version="1.0" encoding="utf-8"?>
+<file path=ppt/slides/slide16.xml><?xml version="1.0" encoding="utf-8"?>
 <p:sld xmlns:a="http://schemas.openxmlformats.org/drawingml/2006/main" xmlns:r="http://schemas.openxmlformats.org/officeDocument/2006/relationships" xmlns:p="http://schemas.openxmlformats.org/presentationml/2006/main">
   <p:cSld>
     <p:spTree>
@@ -9929,7 +10305,7 @@
 </p:sld>
 </file>
 
-<file path=ppt/slides/slide16.xml><?xml version="1.0" encoding="utf-8"?>
+<file path=ppt/slides/slide17.xml><?xml version="1.0" encoding="utf-8"?>
 <p:sld xmlns:a="http://schemas.openxmlformats.org/drawingml/2006/main" xmlns:r="http://schemas.openxmlformats.org/officeDocument/2006/relationships" xmlns:p="http://schemas.openxmlformats.org/presentationml/2006/main">
   <p:cSld>
     <p:spTree>
@@ -9983,7 +10359,7 @@
         <p:spPr>
           <a:xfrm>
             <a:off x="818147" y="1347537"/>
-            <a:ext cx="10603832" cy="692497"/>
+            <a:ext cx="10603832" cy="1107996"/>
           </a:xfrm>
           <a:prstGeom prst="rect">
             <a:avLst/>
@@ -10045,6 +10421,34 @@
                 <a:hlinkClick r:id="rId3"/>
               </a:rPr>
               <a:t>Neo4j-Features &amp; Advantages</a:t>
+            </a:r>
+            <a:endParaRPr lang="en-US" altLang="zh-CN" sz="1800" kern="0" dirty="0">
+              <a:ea typeface="Arial Unicode MS" pitchFamily="34" charset="-128"/>
+              <a:cs typeface="Arial Unicode MS" pitchFamily="34" charset="-128"/>
+            </a:endParaRPr>
+          </a:p>
+          <a:p>
+            <a:pPr marL="285750" indent="-285750" fontAlgn="base">
+              <a:spcBef>
+                <a:spcPct val="50000"/>
+              </a:spcBef>
+              <a:spcAft>
+                <a:spcPct val="0"/>
+              </a:spcAft>
+              <a:buClr>
+                <a:srgbClr val="F0AB00"/>
+              </a:buClr>
+              <a:buSzPct val="80000"/>
+              <a:buFont typeface="Wingdings" panose="05000000000000000000" pitchFamily="2" charset="2"/>
+              <a:buChar char="n"/>
+            </a:pPr>
+            <a:r>
+              <a:rPr lang="en-US" altLang="zh-CN" sz="1800" kern="0" dirty="0">
+                <a:ea typeface="Arial Unicode MS" pitchFamily="34" charset="-128"/>
+                <a:cs typeface="Arial Unicode MS" pitchFamily="34" charset="-128"/>
+                <a:hlinkClick r:id="rId4"/>
+              </a:rPr>
+              <a:t>Neo4j In Database of Databases</a:t>
             </a:r>
             <a:endParaRPr lang="zh-CN" altLang="en-US" sz="1800" kern="0" dirty="0" err="1">
               <a:ea typeface="Arial Unicode MS" pitchFamily="34" charset="-128"/>
@@ -10066,7 +10470,7 @@
 </p:sld>
 </file>
 
-<file path=ppt/slides/slide17.xml><?xml version="1.0" encoding="utf-8"?>
+<file path=ppt/slides/slide18.xml><?xml version="1.0" encoding="utf-8"?>
 <p:sld xmlns:a="http://schemas.openxmlformats.org/drawingml/2006/main" xmlns:r="http://schemas.openxmlformats.org/officeDocument/2006/relationships" xmlns:p="http://schemas.openxmlformats.org/presentationml/2006/main">
   <p:cSld>
     <p:spTree>
@@ -10226,7 +10630,7 @@
 </p:sld>
 </file>
 
-<file path=ppt/slides/slide18.xml><?xml version="1.0" encoding="utf-8"?>
+<file path=ppt/slides/slide19.xml><?xml version="1.0" encoding="utf-8"?>
 <p:sld xmlns:a="http://schemas.openxmlformats.org/drawingml/2006/main" xmlns:r="http://schemas.openxmlformats.org/officeDocument/2006/relationships" xmlns:p="http://schemas.openxmlformats.org/presentationml/2006/main" show="0">
   <p:cSld>
     <p:spTree>
@@ -10316,22 +10720,10 @@
           </a:p>
           <a:p>
             <a:r>
-              <a:rPr lang="en-US" dirty="0"/>
-              <a:t>Agenda item/divider headline</a:t>
-            </a:r>
-          </a:p>
-          <a:p>
-            <a:pPr lvl="1"/>
-            <a:r>
-              <a:rPr lang="en-US" dirty="0"/>
-              <a:t>Details</a:t>
-            </a:r>
-          </a:p>
-          <a:p>
-            <a:r>
-              <a:rPr lang="en-US" dirty="0"/>
-              <a:t>Agenda item/divider headline</a:t>
-            </a:r>
+              <a:rPr lang="en-US" altLang="zh-CN" b="1" dirty="0"/>
+              <a:t>Techniques of Neo4j</a:t>
+            </a:r>
+            <a:endParaRPr lang="en-US" b="1" dirty="0"/>
           </a:p>
           <a:p>
             <a:pPr lvl="1"/>
@@ -14571,21 +14963,6 @@
 </file>
 
 <file path=customXml/item1.xml><?xml version="1.0" encoding="utf-8"?>
-<?mso-contentType ?>
-<FormTemplates xmlns="http://schemas.microsoft.com/sharepoint/v3/contenttype/forms">
-  <Display>DocumentLibraryForm</Display>
-  <Edit>DocumentLibraryForm</Edit>
-  <New>DocumentLibraryForm</New>
-</FormTemplates>
-</file>
-
-<file path=customXml/item2.xml><?xml version="1.0" encoding="utf-8"?>
-<p:properties xmlns:p="http://schemas.microsoft.com/office/2006/metadata/properties" xmlns:xsi="http://www.w3.org/2001/XMLSchema-instance" xmlns:pc="http://schemas.microsoft.com/office/infopath/2007/PartnerControls">
-  <documentManagement/>
-</p:properties>
-</file>
-
-<file path=customXml/item3.xml><?xml version="1.0" encoding="utf-8"?>
 <ct:contentTypeSchema xmlns:ct="http://schemas.microsoft.com/office/2006/metadata/contentType" xmlns:ma="http://schemas.microsoft.com/office/2006/metadata/properties/metaAttributes" ct:_="" ma:_="" ma:contentTypeName="Dokument" ma:contentTypeID="0x010100FE3E8B596245C240B913CA1825D8323E" ma:contentTypeVersion="2" ma:contentTypeDescription="Ein neues Dokument erstellen." ma:contentTypeScope="" ma:versionID="d07af3819a34b45ea68cbd04711a1fcb">
   <xsd:schema xmlns:xsd="http://www.w3.org/2001/XMLSchema" xmlns:xs="http://www.w3.org/2001/XMLSchema" xmlns:p="http://schemas.microsoft.com/office/2006/metadata/properties" xmlns:ns2="cbd03908-ee30-408a-b5f8-8b129e892ff3" targetNamespace="http://schemas.microsoft.com/office/2006/metadata/properties" ma:root="true" ma:fieldsID="1f4ce58f1eea7887a27fb72747442165" ns2:_="">
     <xsd:import namespace="cbd03908-ee30-408a-b5f8-8b129e892ff3"/>
@@ -14717,24 +15094,22 @@
 </ct:contentTypeSchema>
 </file>
 
-<file path=customXml/itemProps1.xml><?xml version="1.0" encoding="utf-8"?>
-<ds:datastoreItem xmlns:ds="http://schemas.openxmlformats.org/officeDocument/2006/customXml" ds:itemID="{2DA81D51-CB8B-4E00-A304-5985D65D0CEC}">
-  <ds:schemaRefs>
-    <ds:schemaRef ds:uri="http://schemas.microsoft.com/sharepoint/v3/contenttype/forms"/>
-  </ds:schemaRefs>
-</ds:datastoreItem>
+<file path=customXml/item2.xml><?xml version="1.0" encoding="utf-8"?>
+<p:properties xmlns:p="http://schemas.microsoft.com/office/2006/metadata/properties" xmlns:xsi="http://www.w3.org/2001/XMLSchema-instance" xmlns:pc="http://schemas.microsoft.com/office/infopath/2007/PartnerControls">
+  <documentManagement/>
+</p:properties>
 </file>
 
-<file path=customXml/itemProps2.xml><?xml version="1.0" encoding="utf-8"?>
-<ds:datastoreItem xmlns:ds="http://schemas.openxmlformats.org/officeDocument/2006/customXml" ds:itemID="{B5A61EA0-C632-450D-8732-FBE1B6CC6F01}">
-  <ds:schemaRefs>
-    <ds:schemaRef ds:uri="http://schemas.microsoft.com/office/2006/metadata/properties"/>
-    <ds:schemaRef ds:uri="http://schemas.microsoft.com/office/infopath/2007/PartnerControls"/>
-  </ds:schemaRefs>
-</ds:datastoreItem>
+<file path=customXml/item3.xml><?xml version="1.0" encoding="utf-8"?>
+<?mso-contentType ?>
+<FormTemplates xmlns="http://schemas.microsoft.com/sharepoint/v3/contenttype/forms">
+  <Display>DocumentLibraryForm</Display>
+  <Edit>DocumentLibraryForm</Edit>
+  <New>DocumentLibraryForm</New>
+</FormTemplates>
 </file>
 
-<file path=customXml/itemProps3.xml><?xml version="1.0" encoding="utf-8"?>
+<file path=customXml/itemProps1.xml><?xml version="1.0" encoding="utf-8"?>
 <ds:datastoreItem xmlns:ds="http://schemas.openxmlformats.org/officeDocument/2006/customXml" ds:itemID="{5BCC86C0-0DD0-4840-A0C1-33A1E70698E1}">
   <ds:schemaRefs>
     <ds:schemaRef ds:uri="http://schemas.microsoft.com/office/2006/metadata/contentType"/>
@@ -14750,4 +15125,21 @@
     <ds:schemaRef ds:uri="http://schemas.microsoft.com/internal/obd"/>
   </ds:schemaRefs>
 </ds:datastoreItem>
+</file>
+
+<file path=customXml/itemProps2.xml><?xml version="1.0" encoding="utf-8"?>
+<ds:datastoreItem xmlns:ds="http://schemas.openxmlformats.org/officeDocument/2006/customXml" ds:itemID="{B5A61EA0-C632-450D-8732-FBE1B6CC6F01}">
+  <ds:schemaRefs>
+    <ds:schemaRef ds:uri="http://schemas.microsoft.com/office/2006/metadata/properties"/>
+    <ds:schemaRef ds:uri="http://schemas.microsoft.com/office/infopath/2007/PartnerControls"/>
+  </ds:schemaRefs>
+</ds:datastoreItem>
+</file>
+
+<file path=customXml/itemProps3.xml><?xml version="1.0" encoding="utf-8"?>
+<ds:datastoreItem xmlns:ds="http://schemas.openxmlformats.org/officeDocument/2006/customXml" ds:itemID="{2DA81D51-CB8B-4E00-A304-5985D65D0CEC}">
+  <ds:schemaRefs>
+    <ds:schemaRef ds:uri="http://schemas.microsoft.com/sharepoint/v3/contenttype/forms"/>
+  </ds:schemaRefs>
+</ds:datastoreItem>
 </file>